--- a/SQLElasticScale.pptx
+++ b/SQLElasticScale.pptx
@@ -7,10 +7,10 @@
     <p:sldMasterId id="2147484196" r:id="rId6"/>
   </p:sldMasterIdLst>
   <p:notesMasterIdLst>
-    <p:notesMasterId r:id="rId57"/>
+    <p:notesMasterId r:id="rId59"/>
   </p:notesMasterIdLst>
   <p:handoutMasterIdLst>
-    <p:handoutMasterId r:id="rId58"/>
+    <p:handoutMasterId r:id="rId60"/>
   </p:handoutMasterIdLst>
   <p:sldIdLst>
     <p:sldId id="1166" r:id="rId7"/>
@@ -31,38 +31,40 @@
     <p:sldId id="1179" r:id="rId22"/>
     <p:sldId id="1180" r:id="rId23"/>
     <p:sldId id="1181" r:id="rId24"/>
-    <p:sldId id="1182" r:id="rId25"/>
-    <p:sldId id="1183" r:id="rId26"/>
-    <p:sldId id="1185" r:id="rId27"/>
-    <p:sldId id="1184" r:id="rId28"/>
-    <p:sldId id="1199" r:id="rId29"/>
-    <p:sldId id="1186" r:id="rId30"/>
-    <p:sldId id="1195" r:id="rId31"/>
-    <p:sldId id="1196" r:id="rId32"/>
-    <p:sldId id="1197" r:id="rId33"/>
-    <p:sldId id="1198" r:id="rId34"/>
-    <p:sldId id="1200" r:id="rId35"/>
-    <p:sldId id="1187" r:id="rId36"/>
-    <p:sldId id="1201" r:id="rId37"/>
-    <p:sldId id="1202" r:id="rId38"/>
-    <p:sldId id="1203" r:id="rId39"/>
-    <p:sldId id="1188" r:id="rId40"/>
-    <p:sldId id="1204" r:id="rId41"/>
-    <p:sldId id="1205" r:id="rId42"/>
-    <p:sldId id="1207" r:id="rId43"/>
-    <p:sldId id="1208" r:id="rId44"/>
-    <p:sldId id="1206" r:id="rId45"/>
-    <p:sldId id="1190" r:id="rId46"/>
-    <p:sldId id="1191" r:id="rId47"/>
-    <p:sldId id="1192" r:id="rId48"/>
-    <p:sldId id="1209" r:id="rId49"/>
-    <p:sldId id="1211" r:id="rId50"/>
-    <p:sldId id="1210" r:id="rId51"/>
-    <p:sldId id="1212" r:id="rId52"/>
-    <p:sldId id="1193" r:id="rId53"/>
-    <p:sldId id="1194" r:id="rId54"/>
-    <p:sldId id="1096" r:id="rId55"/>
-    <p:sldId id="1094" r:id="rId56"/>
+    <p:sldId id="1183" r:id="rId25"/>
+    <p:sldId id="1185" r:id="rId26"/>
+    <p:sldId id="1184" r:id="rId27"/>
+    <p:sldId id="1213" r:id="rId28"/>
+    <p:sldId id="1214" r:id="rId29"/>
+    <p:sldId id="1215" r:id="rId30"/>
+    <p:sldId id="1199" r:id="rId31"/>
+    <p:sldId id="1186" r:id="rId32"/>
+    <p:sldId id="1195" r:id="rId33"/>
+    <p:sldId id="1196" r:id="rId34"/>
+    <p:sldId id="1197" r:id="rId35"/>
+    <p:sldId id="1198" r:id="rId36"/>
+    <p:sldId id="1200" r:id="rId37"/>
+    <p:sldId id="1187" r:id="rId38"/>
+    <p:sldId id="1201" r:id="rId39"/>
+    <p:sldId id="1202" r:id="rId40"/>
+    <p:sldId id="1203" r:id="rId41"/>
+    <p:sldId id="1188" r:id="rId42"/>
+    <p:sldId id="1204" r:id="rId43"/>
+    <p:sldId id="1205" r:id="rId44"/>
+    <p:sldId id="1207" r:id="rId45"/>
+    <p:sldId id="1208" r:id="rId46"/>
+    <p:sldId id="1206" r:id="rId47"/>
+    <p:sldId id="1190" r:id="rId48"/>
+    <p:sldId id="1191" r:id="rId49"/>
+    <p:sldId id="1192" r:id="rId50"/>
+    <p:sldId id="1209" r:id="rId51"/>
+    <p:sldId id="1211" r:id="rId52"/>
+    <p:sldId id="1210" r:id="rId53"/>
+    <p:sldId id="1212" r:id="rId54"/>
+    <p:sldId id="1193" r:id="rId55"/>
+    <p:sldId id="1194" r:id="rId56"/>
+    <p:sldId id="1096" r:id="rId57"/>
+    <p:sldId id="1094" r:id="rId58"/>
   </p:sldIdLst>
   <p:sldSz cx="12436475" cy="6994525"/>
   <p:notesSz cx="6858000" cy="9144000"/>
@@ -1640,18 +1642,18 @@
           <a:bodyPr/>
           <a:lstStyle/>
           <a:p>
-            <a:endParaRPr lang="en-US"/>
+            <a:endParaRPr lang="en-US" dirty="0"/>
           </a:p>
         </p:txBody>
       </p:sp>
       <p:sp>
         <p:nvSpPr>
-          <p:cNvPr id="6" name="Date Placeholder 5"/>
+          <p:cNvPr id="4" name="Slide Number Placeholder 3"/>
           <p:cNvSpPr>
             <a:spLocks noGrp="1"/>
           </p:cNvSpPr>
           <p:nvPr>
-            <p:ph type="dt" idx="12"/>
+            <p:ph type="sldNum" sz="quarter" idx="10"/>
           </p:nvPr>
         </p:nvSpPr>
         <p:spPr/>
@@ -1659,113 +1661,18 @@
           <a:bodyPr/>
           <a:lstStyle/>
           <a:p>
-            <a:fld id="{0097E157-E0D5-46B4-9986-DBFE9E7E9A3F}" type="datetime1">
-              <a:rPr lang="en-US" smtClean="0">
-                <a:solidFill>
-                  <a:prstClr val="black"/>
-                </a:solidFill>
-              </a:rPr>
-              <a:pPr/>
-              <a:t>8/2/2015</a:t>
+            <a:fld id="{D2239C03-E349-43E9-8322-F5531FE72EB8}" type="slidenum">
+              <a:rPr lang="en-US" smtClean="0"/>
+              <a:t>28</a:t>
             </a:fld>
-            <a:endParaRPr lang="en-US" dirty="0">
-              <a:solidFill>
-                <a:prstClr val="black"/>
-              </a:solidFill>
-            </a:endParaRPr>
-          </a:p>
-        </p:txBody>
-      </p:sp>
-      <p:sp>
-        <p:nvSpPr>
-          <p:cNvPr id="7" name="Slide Number Placeholder 6"/>
-          <p:cNvSpPr>
-            <a:spLocks noGrp="1"/>
-          </p:cNvSpPr>
-          <p:nvPr>
-            <p:ph type="sldNum" sz="quarter" idx="13"/>
-          </p:nvPr>
-        </p:nvSpPr>
-        <p:spPr/>
-        <p:txBody>
-          <a:bodyPr/>
-          <a:lstStyle/>
-          <a:p>
-            <a:fld id="{B4008EB6-D09E-4580-8CD6-DDB14511944F}" type="slidenum">
-              <a:rPr lang="en-US" smtClean="0">
-                <a:solidFill>
-                  <a:prstClr val="black"/>
-                </a:solidFill>
-              </a:rPr>
-              <a:pPr/>
-              <a:t>19</a:t>
-            </a:fld>
-            <a:endParaRPr lang="en-US" dirty="0">
-              <a:solidFill>
-                <a:prstClr val="black"/>
-              </a:solidFill>
-            </a:endParaRPr>
-          </a:p>
-        </p:txBody>
-      </p:sp>
-      <p:sp>
-        <p:nvSpPr>
-          <p:cNvPr id="10" name="Footer Placeholder 9"/>
-          <p:cNvSpPr>
-            <a:spLocks noGrp="1"/>
-          </p:cNvSpPr>
-          <p:nvPr>
-            <p:ph type="ftr" sz="quarter" idx="14"/>
-          </p:nvPr>
-        </p:nvSpPr>
-        <p:spPr/>
-        <p:txBody>
-          <a:bodyPr/>
-          <a:lstStyle/>
-          <a:p>
-            <a:pPr defTabSz="914099" eaLnBrk="0" hangingPunct="0"/>
-            <a:r>
-              <a:rPr lang="en-US" sz="400" smtClean="0">
-                <a:gradFill>
-                  <a:gsLst>
-                    <a:gs pos="0">
-                      <a:prstClr val="black"/>
-                    </a:gs>
-                    <a:gs pos="100000">
-                      <a:prstClr val="black"/>
-                    </a:gs>
-                  </a:gsLst>
-                  <a:lin ang="5400000" scaled="0"/>
-                </a:gradFill>
-                <a:latin typeface="Segoe UI" pitchFamily="34" charset="0"/>
-                <a:ea typeface="Segoe UI" pitchFamily="34" charset="0"/>
-                <a:cs typeface="Segoe UI" pitchFamily="34" charset="0"/>
-              </a:rPr>
-              <a:t>© 2014 Microsoft Corporation. All rights reserved. Microsoft, Windows, and other product names are or may be registered trademarks and/or trademarks in the U.S. and/or other countries. The information herein is for informational purposes only and represents the current view of Microsoft Corporation as of the date of this presentation.  Because Microsoft must respond to changing market conditions, it should not be interpreted to be a commitment on the part of Microsoft, and Microsoft cannot guarantee the accuracy of any information provided after the date of this presentation.  MICROSOFT MAKES NO WARRANTIES, EXPRESS, IMPLIED OR STATUTORY, AS TO THE INFORMATION IN THIS PRESENTATION.</a:t>
-            </a:r>
-            <a:endParaRPr lang="en-US" sz="400" dirty="0" smtClean="0">
-              <a:gradFill>
-                <a:gsLst>
-                  <a:gs pos="0">
-                    <a:prstClr val="black"/>
-                  </a:gs>
-                  <a:gs pos="100000">
-                    <a:prstClr val="black"/>
-                  </a:gs>
-                </a:gsLst>
-                <a:lin ang="5400000" scaled="0"/>
-              </a:gradFill>
-              <a:latin typeface="Segoe UI" pitchFamily="34" charset="0"/>
-              <a:ea typeface="Segoe UI" pitchFamily="34" charset="0"/>
-              <a:cs typeface="Segoe UI" pitchFamily="34" charset="0"/>
-            </a:endParaRPr>
+            <a:endParaRPr lang="en-US"/>
           </a:p>
         </p:txBody>
       </p:sp>
     </p:spTree>
     <p:extLst>
       <p:ext uri="{BB962C8B-B14F-4D97-AF65-F5344CB8AC3E}">
-        <p14:creationId xmlns:p14="http://schemas.microsoft.com/office/powerpoint/2010/main" val="3179196237"/>
+        <p14:creationId xmlns:p14="http://schemas.microsoft.com/office/powerpoint/2010/main" val="3879701158"/>
       </p:ext>
     </p:extLst>
   </p:cSld>
@@ -1816,90 +1723,6 @@
         </p:nvSpPr>
         <p:spPr/>
         <p:txBody>
-          <a:bodyPr/>
-          <a:lstStyle/>
-          <a:p>
-            <a:endParaRPr lang="en-US" dirty="0"/>
-          </a:p>
-        </p:txBody>
-      </p:sp>
-      <p:sp>
-        <p:nvSpPr>
-          <p:cNvPr id="4" name="Slide Number Placeholder 3"/>
-          <p:cNvSpPr>
-            <a:spLocks noGrp="1"/>
-          </p:cNvSpPr>
-          <p:nvPr>
-            <p:ph type="sldNum" sz="quarter" idx="10"/>
-          </p:nvPr>
-        </p:nvSpPr>
-        <p:spPr/>
-        <p:txBody>
-          <a:bodyPr/>
-          <a:lstStyle/>
-          <a:p>
-            <a:fld id="{D2239C03-E349-43E9-8322-F5531FE72EB8}" type="slidenum">
-              <a:rPr lang="en-US" smtClean="0"/>
-              <a:t>26</a:t>
-            </a:fld>
-            <a:endParaRPr lang="en-US"/>
-          </a:p>
-        </p:txBody>
-      </p:sp>
-    </p:spTree>
-    <p:extLst>
-      <p:ext uri="{BB962C8B-B14F-4D97-AF65-F5344CB8AC3E}">
-        <p14:creationId xmlns:p14="http://schemas.microsoft.com/office/powerpoint/2010/main" val="3879701158"/>
-      </p:ext>
-    </p:extLst>
-  </p:cSld>
-  <p:clrMapOvr>
-    <a:masterClrMapping/>
-  </p:clrMapOvr>
-</p:notes>
-</file>
-
-<file path=ppt/notesSlides/notesSlide6.xml><?xml version="1.0" encoding="utf-8"?>
-<p:notes xmlns:a="http://schemas.openxmlformats.org/drawingml/2006/main" xmlns:r="http://schemas.openxmlformats.org/officeDocument/2006/relationships" xmlns:p="http://schemas.openxmlformats.org/presentationml/2006/main">
-  <p:cSld>
-    <p:spTree>
-      <p:nvGrpSpPr>
-        <p:cNvPr id="1" name=""/>
-        <p:cNvGrpSpPr/>
-        <p:nvPr/>
-      </p:nvGrpSpPr>
-      <p:grpSpPr>
-        <a:xfrm>
-          <a:off x="0" y="0"/>
-          <a:ext cx="0" cy="0"/>
-          <a:chOff x="0" y="0"/>
-          <a:chExt cx="0" cy="0"/>
-        </a:xfrm>
-      </p:grpSpPr>
-      <p:sp>
-        <p:nvSpPr>
-          <p:cNvPr id="2" name="Slide Image Placeholder 1"/>
-          <p:cNvSpPr>
-            <a:spLocks noGrp="1" noRot="1" noChangeAspect="1"/>
-          </p:cNvSpPr>
-          <p:nvPr>
-            <p:ph type="sldImg"/>
-          </p:nvPr>
-        </p:nvSpPr>
-        <p:spPr/>
-      </p:sp>
-      <p:sp>
-        <p:nvSpPr>
-          <p:cNvPr id="3" name="Notes Placeholder 2"/>
-          <p:cNvSpPr>
-            <a:spLocks noGrp="1"/>
-          </p:cNvSpPr>
-          <p:nvPr>
-            <p:ph type="body" idx="1"/>
-          </p:nvPr>
-        </p:nvSpPr>
-        <p:spPr/>
-        <p:txBody>
           <a:bodyPr>
             <a:normAutofit/>
           </a:bodyPr>
@@ -2061,7 +1884,7 @@
                 </a:solidFill>
               </a:rPr>
               <a:pPr/>
-              <a:t>48</a:t>
+              <a:t>50</a:t>
             </a:fld>
             <a:endParaRPr lang="en-US" dirty="0">
               <a:solidFill>
@@ -2110,7 +1933,7 @@
 </p:notes>
 </file>
 
-<file path=ppt/notesSlides/notesSlide7.xml><?xml version="1.0" encoding="utf-8"?>
+<file path=ppt/notesSlides/notesSlide6.xml><?xml version="1.0" encoding="utf-8"?>
 <p:notes xmlns:a="http://schemas.openxmlformats.org/drawingml/2006/main" xmlns:r="http://schemas.openxmlformats.org/officeDocument/2006/relationships" xmlns:p="http://schemas.openxmlformats.org/presentationml/2006/main">
   <p:cSld>
     <p:spTree>
@@ -2218,7 +2041,7 @@
                 </a:solidFill>
               </a:rPr>
               <a:pPr/>
-              <a:t>8/2/2015 9:22 AM</a:t>
+              <a:t>8/2/2015 10:26 AM</a:t>
             </a:fld>
             <a:endParaRPr lang="en-US" dirty="0">
               <a:solidFill>
@@ -2250,7 +2073,7 @@
                 </a:solidFill>
               </a:rPr>
               <a:pPr/>
-              <a:t>50</a:t>
+              <a:t>52</a:t>
             </a:fld>
             <a:endParaRPr lang="en-US" dirty="0">
               <a:solidFill>
@@ -15616,556 +15439,9 @@
   <p:timing>
     <p:tnLst>
       <p:par>
-        <p:cTn id="1" dur="indefinite" restart="never" nodeType="tmRoot">
-          <p:childTnLst>
-            <p:seq concurrent="1" nextAc="seek">
-              <p:cTn id="2" dur="indefinite" nodeType="mainSeq">
-                <p:childTnLst>
-                  <p:par>
-                    <p:cTn id="3" fill="hold">
-                      <p:stCondLst>
-                        <p:cond delay="indefinite"/>
-                      </p:stCondLst>
-                      <p:childTnLst>
-                        <p:par>
-                          <p:cTn id="4" fill="hold">
-                            <p:stCondLst>
-                              <p:cond delay="0"/>
-                            </p:stCondLst>
-                            <p:childTnLst>
-                              <p:par>
-                                <p:cTn id="5" presetID="1" presetClass="entr" presetSubtype="0" fill="hold" grpId="0" nodeType="clickEffect">
-                                  <p:stCondLst>
-                                    <p:cond delay="0"/>
-                                  </p:stCondLst>
-                                  <p:childTnLst>
-                                    <p:set>
-                                      <p:cBhvr>
-                                        <p:cTn id="6" dur="1" fill="hold">
-                                          <p:stCondLst>
-                                            <p:cond delay="0"/>
-                                          </p:stCondLst>
-                                        </p:cTn>
-                                        <p:tgtEl>
-                                          <p:spTgt spid="5"/>
-                                        </p:tgtEl>
-                                        <p:attrNameLst>
-                                          <p:attrName>style.visibility</p:attrName>
-                                        </p:attrNameLst>
-                                      </p:cBhvr>
-                                      <p:to>
-                                        <p:strVal val="visible"/>
-                                      </p:to>
-                                    </p:set>
-                                  </p:childTnLst>
-                                </p:cTn>
-                              </p:par>
-                            </p:childTnLst>
-                          </p:cTn>
-                        </p:par>
-                      </p:childTnLst>
-                    </p:cTn>
-                  </p:par>
-                  <p:par>
-                    <p:cTn id="7" fill="hold">
-                      <p:stCondLst>
-                        <p:cond delay="indefinite"/>
-                      </p:stCondLst>
-                      <p:childTnLst>
-                        <p:par>
-                          <p:cTn id="8" fill="hold">
-                            <p:stCondLst>
-                              <p:cond delay="0"/>
-                            </p:stCondLst>
-                            <p:childTnLst>
-                              <p:par>
-                                <p:cTn id="9" presetID="1" presetClass="entr" presetSubtype="0" fill="hold" grpId="0" nodeType="clickEffect">
-                                  <p:stCondLst>
-                                    <p:cond delay="0"/>
-                                  </p:stCondLst>
-                                  <p:childTnLst>
-                                    <p:set>
-                                      <p:cBhvr>
-                                        <p:cTn id="10" dur="1" fill="hold">
-                                          <p:stCondLst>
-                                            <p:cond delay="0"/>
-                                          </p:stCondLst>
-                                        </p:cTn>
-                                        <p:tgtEl>
-                                          <p:spTgt spid="6"/>
-                                        </p:tgtEl>
-                                        <p:attrNameLst>
-                                          <p:attrName>style.visibility</p:attrName>
-                                        </p:attrNameLst>
-                                      </p:cBhvr>
-                                      <p:to>
-                                        <p:strVal val="visible"/>
-                                      </p:to>
-                                    </p:set>
-                                  </p:childTnLst>
-                                </p:cTn>
-                              </p:par>
-                            </p:childTnLst>
-                          </p:cTn>
-                        </p:par>
-                      </p:childTnLst>
-                    </p:cTn>
-                  </p:par>
-                  <p:par>
-                    <p:cTn id="11" fill="hold">
-                      <p:stCondLst>
-                        <p:cond delay="indefinite"/>
-                      </p:stCondLst>
-                      <p:childTnLst>
-                        <p:par>
-                          <p:cTn id="12" fill="hold">
-                            <p:stCondLst>
-                              <p:cond delay="0"/>
-                            </p:stCondLst>
-                            <p:childTnLst>
-                              <p:par>
-                                <p:cTn id="13" presetID="1" presetClass="entr" presetSubtype="0" fill="hold" grpId="0" nodeType="clickEffect">
-                                  <p:stCondLst>
-                                    <p:cond delay="0"/>
-                                  </p:stCondLst>
-                                  <p:childTnLst>
-                                    <p:set>
-                                      <p:cBhvr>
-                                        <p:cTn id="14" dur="1" fill="hold">
-                                          <p:stCondLst>
-                                            <p:cond delay="0"/>
-                                          </p:stCondLst>
-                                        </p:cTn>
-                                        <p:tgtEl>
-                                          <p:spTgt spid="7"/>
-                                        </p:tgtEl>
-                                        <p:attrNameLst>
-                                          <p:attrName>style.visibility</p:attrName>
-                                        </p:attrNameLst>
-                                      </p:cBhvr>
-                                      <p:to>
-                                        <p:strVal val="visible"/>
-                                      </p:to>
-                                    </p:set>
-                                  </p:childTnLst>
-                                  <p:subTnLst>
-                                    <p:set>
-                                      <p:cBhvr override="childStyle">
-                                        <p:cTn dur="1" fill="hold" display="0" masterRel="nextClick" afterEffect="1"/>
-                                        <p:tgtEl>
-                                          <p:spTgt spid="7"/>
-                                        </p:tgtEl>
-                                        <p:attrNameLst>
-                                          <p:attrName>style.visibility</p:attrName>
-                                        </p:attrNameLst>
-                                      </p:cBhvr>
-                                      <p:to>
-                                        <p:strVal val="hidden"/>
-                                      </p:to>
-                                    </p:set>
-                                  </p:subTnLst>
-                                </p:cTn>
-                              </p:par>
-                            </p:childTnLst>
-                          </p:cTn>
-                        </p:par>
-                      </p:childTnLst>
-                    </p:cTn>
-                  </p:par>
-                  <p:par>
-                    <p:cTn id="15" fill="hold">
-                      <p:stCondLst>
-                        <p:cond delay="indefinite"/>
-                      </p:stCondLst>
-                      <p:childTnLst>
-                        <p:par>
-                          <p:cTn id="16" fill="hold">
-                            <p:stCondLst>
-                              <p:cond delay="0"/>
-                            </p:stCondLst>
-                            <p:childTnLst>
-                              <p:par>
-                                <p:cTn id="17" presetID="1" presetClass="entr" presetSubtype="0" fill="hold" grpId="0" nodeType="clickEffect">
-                                  <p:stCondLst>
-                                    <p:cond delay="0"/>
-                                  </p:stCondLst>
-                                  <p:childTnLst>
-                                    <p:set>
-                                      <p:cBhvr>
-                                        <p:cTn id="18" dur="1" fill="hold">
-                                          <p:stCondLst>
-                                            <p:cond delay="0"/>
-                                          </p:stCondLst>
-                                        </p:cTn>
-                                        <p:tgtEl>
-                                          <p:spTgt spid="8"/>
-                                        </p:tgtEl>
-                                        <p:attrNameLst>
-                                          <p:attrName>style.visibility</p:attrName>
-                                        </p:attrNameLst>
-                                      </p:cBhvr>
-                                      <p:to>
-                                        <p:strVal val="visible"/>
-                                      </p:to>
-                                    </p:set>
-                                  </p:childTnLst>
-                                </p:cTn>
-                              </p:par>
-                            </p:childTnLst>
-                          </p:cTn>
-                        </p:par>
-                      </p:childTnLst>
-                    </p:cTn>
-                  </p:par>
-                  <p:par>
-                    <p:cTn id="19" fill="hold">
-                      <p:stCondLst>
-                        <p:cond delay="indefinite"/>
-                      </p:stCondLst>
-                      <p:childTnLst>
-                        <p:par>
-                          <p:cTn id="20" fill="hold">
-                            <p:stCondLst>
-                              <p:cond delay="0"/>
-                            </p:stCondLst>
-                            <p:childTnLst>
-                              <p:par>
-                                <p:cTn id="21" presetID="1" presetClass="entr" presetSubtype="0" fill="hold" grpId="0" nodeType="clickEffect">
-                                  <p:stCondLst>
-                                    <p:cond delay="0"/>
-                                  </p:stCondLst>
-                                  <p:childTnLst>
-                                    <p:set>
-                                      <p:cBhvr>
-                                        <p:cTn id="22" dur="1" fill="hold">
-                                          <p:stCondLst>
-                                            <p:cond delay="0"/>
-                                          </p:stCondLst>
-                                        </p:cTn>
-                                        <p:tgtEl>
-                                          <p:spTgt spid="9"/>
-                                        </p:tgtEl>
-                                        <p:attrNameLst>
-                                          <p:attrName>style.visibility</p:attrName>
-                                        </p:attrNameLst>
-                                      </p:cBhvr>
-                                      <p:to>
-                                        <p:strVal val="visible"/>
-                                      </p:to>
-                                    </p:set>
-                                  </p:childTnLst>
-                                </p:cTn>
-                              </p:par>
-                            </p:childTnLst>
-                          </p:cTn>
-                        </p:par>
-                      </p:childTnLst>
-                    </p:cTn>
-                  </p:par>
-                  <p:par>
-                    <p:cTn id="23" fill="hold">
-                      <p:stCondLst>
-                        <p:cond delay="indefinite"/>
-                      </p:stCondLst>
-                      <p:childTnLst>
-                        <p:par>
-                          <p:cTn id="24" fill="hold">
-                            <p:stCondLst>
-                              <p:cond delay="0"/>
-                            </p:stCondLst>
-                            <p:childTnLst>
-                              <p:par>
-                                <p:cTn id="25" presetID="1" presetClass="entr" presetSubtype="0" fill="hold" grpId="0" nodeType="clickEffect">
-                                  <p:stCondLst>
-                                    <p:cond delay="0"/>
-                                  </p:stCondLst>
-                                  <p:childTnLst>
-                                    <p:set>
-                                      <p:cBhvr>
-                                        <p:cTn id="26" dur="1" fill="hold">
-                                          <p:stCondLst>
-                                            <p:cond delay="0"/>
-                                          </p:stCondLst>
-                                        </p:cTn>
-                                        <p:tgtEl>
-                                          <p:spTgt spid="10"/>
-                                        </p:tgtEl>
-                                        <p:attrNameLst>
-                                          <p:attrName>style.visibility</p:attrName>
-                                        </p:attrNameLst>
-                                      </p:cBhvr>
-                                      <p:to>
-                                        <p:strVal val="visible"/>
-                                      </p:to>
-                                    </p:set>
-                                  </p:childTnLst>
-                                </p:cTn>
-                              </p:par>
-                            </p:childTnLst>
-                          </p:cTn>
-                        </p:par>
-                      </p:childTnLst>
-                    </p:cTn>
-                  </p:par>
-                  <p:par>
-                    <p:cTn id="27" fill="hold">
-                      <p:stCondLst>
-                        <p:cond delay="indefinite"/>
-                      </p:stCondLst>
-                      <p:childTnLst>
-                        <p:par>
-                          <p:cTn id="28" fill="hold">
-                            <p:stCondLst>
-                              <p:cond delay="0"/>
-                            </p:stCondLst>
-                            <p:childTnLst>
-                              <p:par>
-                                <p:cTn id="29" presetID="1" presetClass="entr" presetSubtype="0" fill="hold" grpId="0" nodeType="clickEffect">
-                                  <p:stCondLst>
-                                    <p:cond delay="0"/>
-                                  </p:stCondLst>
-                                  <p:childTnLst>
-                                    <p:set>
-                                      <p:cBhvr>
-                                        <p:cTn id="30" dur="1" fill="hold">
-                                          <p:stCondLst>
-                                            <p:cond delay="0"/>
-                                          </p:stCondLst>
-                                        </p:cTn>
-                                        <p:tgtEl>
-                                          <p:spTgt spid="11"/>
-                                        </p:tgtEl>
-                                        <p:attrNameLst>
-                                          <p:attrName>style.visibility</p:attrName>
-                                        </p:attrNameLst>
-                                      </p:cBhvr>
-                                      <p:to>
-                                        <p:strVal val="visible"/>
-                                      </p:to>
-                                    </p:set>
-                                  </p:childTnLst>
-                                </p:cTn>
-                              </p:par>
-                            </p:childTnLst>
-                          </p:cTn>
-                        </p:par>
-                      </p:childTnLst>
-                    </p:cTn>
-                  </p:par>
-                  <p:par>
-                    <p:cTn id="31" fill="hold">
-                      <p:stCondLst>
-                        <p:cond delay="indefinite"/>
-                      </p:stCondLst>
-                      <p:childTnLst>
-                        <p:par>
-                          <p:cTn id="32" fill="hold">
-                            <p:stCondLst>
-                              <p:cond delay="0"/>
-                            </p:stCondLst>
-                            <p:childTnLst>
-                              <p:par>
-                                <p:cTn id="33" presetID="1" presetClass="entr" presetSubtype="0" fill="hold" grpId="0" nodeType="clickEffect">
-                                  <p:stCondLst>
-                                    <p:cond delay="0"/>
-                                  </p:stCondLst>
-                                  <p:childTnLst>
-                                    <p:set>
-                                      <p:cBhvr>
-                                        <p:cTn id="34" dur="1" fill="hold">
-                                          <p:stCondLst>
-                                            <p:cond delay="0"/>
-                                          </p:stCondLst>
-                                        </p:cTn>
-                                        <p:tgtEl>
-                                          <p:spTgt spid="12"/>
-                                        </p:tgtEl>
-                                        <p:attrNameLst>
-                                          <p:attrName>style.visibility</p:attrName>
-                                        </p:attrNameLst>
-                                      </p:cBhvr>
-                                      <p:to>
-                                        <p:strVal val="visible"/>
-                                      </p:to>
-                                    </p:set>
-                                  </p:childTnLst>
-                                </p:cTn>
-                              </p:par>
-                            </p:childTnLst>
-                          </p:cTn>
-                        </p:par>
-                      </p:childTnLst>
-                    </p:cTn>
-                  </p:par>
-                  <p:par>
-                    <p:cTn id="35" fill="hold">
-                      <p:stCondLst>
-                        <p:cond delay="indefinite"/>
-                      </p:stCondLst>
-                      <p:childTnLst>
-                        <p:par>
-                          <p:cTn id="36" fill="hold">
-                            <p:stCondLst>
-                              <p:cond delay="0"/>
-                            </p:stCondLst>
-                            <p:childTnLst>
-                              <p:par>
-                                <p:cTn id="37" presetID="1" presetClass="entr" presetSubtype="0" fill="hold" grpId="0" nodeType="clickEffect">
-                                  <p:stCondLst>
-                                    <p:cond delay="0"/>
-                                  </p:stCondLst>
-                                  <p:childTnLst>
-                                    <p:set>
-                                      <p:cBhvr>
-                                        <p:cTn id="38" dur="1" fill="hold">
-                                          <p:stCondLst>
-                                            <p:cond delay="0"/>
-                                          </p:stCondLst>
-                                        </p:cTn>
-                                        <p:tgtEl>
-                                          <p:spTgt spid="13"/>
-                                        </p:tgtEl>
-                                        <p:attrNameLst>
-                                          <p:attrName>style.visibility</p:attrName>
-                                        </p:attrNameLst>
-                                      </p:cBhvr>
-                                      <p:to>
-                                        <p:strVal val="visible"/>
-                                      </p:to>
-                                    </p:set>
-                                  </p:childTnLst>
-                                </p:cTn>
-                              </p:par>
-                            </p:childTnLst>
-                          </p:cTn>
-                        </p:par>
-                      </p:childTnLst>
-                    </p:cTn>
-                  </p:par>
-                  <p:par>
-                    <p:cTn id="39" fill="hold">
-                      <p:stCondLst>
-                        <p:cond delay="indefinite"/>
-                      </p:stCondLst>
-                      <p:childTnLst>
-                        <p:par>
-                          <p:cTn id="40" fill="hold">
-                            <p:stCondLst>
-                              <p:cond delay="0"/>
-                            </p:stCondLst>
-                            <p:childTnLst>
-                              <p:par>
-                                <p:cTn id="41" presetID="1" presetClass="entr" presetSubtype="0" fill="hold" grpId="0" nodeType="clickEffect">
-                                  <p:stCondLst>
-                                    <p:cond delay="0"/>
-                                  </p:stCondLst>
-                                  <p:childTnLst>
-                                    <p:set>
-                                      <p:cBhvr>
-                                        <p:cTn id="42" dur="1" fill="hold">
-                                          <p:stCondLst>
-                                            <p:cond delay="0"/>
-                                          </p:stCondLst>
-                                        </p:cTn>
-                                        <p:tgtEl>
-                                          <p:spTgt spid="14"/>
-                                        </p:tgtEl>
-                                        <p:attrNameLst>
-                                          <p:attrName>style.visibility</p:attrName>
-                                        </p:attrNameLst>
-                                      </p:cBhvr>
-                                      <p:to>
-                                        <p:strVal val="visible"/>
-                                      </p:to>
-                                    </p:set>
-                                  </p:childTnLst>
-                                </p:cTn>
-                              </p:par>
-                            </p:childTnLst>
-                          </p:cTn>
-                        </p:par>
-                      </p:childTnLst>
-                    </p:cTn>
-                  </p:par>
-                  <p:par>
-                    <p:cTn id="43" fill="hold">
-                      <p:stCondLst>
-                        <p:cond delay="indefinite"/>
-                      </p:stCondLst>
-                      <p:childTnLst>
-                        <p:par>
-                          <p:cTn id="44" fill="hold">
-                            <p:stCondLst>
-                              <p:cond delay="0"/>
-                            </p:stCondLst>
-                            <p:childTnLst>
-                              <p:par>
-                                <p:cTn id="45" presetID="1" presetClass="entr" presetSubtype="0" fill="hold" grpId="0" nodeType="clickEffect">
-                                  <p:stCondLst>
-                                    <p:cond delay="0"/>
-                                  </p:stCondLst>
-                                  <p:childTnLst>
-                                    <p:set>
-                                      <p:cBhvr>
-                                        <p:cTn id="46" dur="1" fill="hold">
-                                          <p:stCondLst>
-                                            <p:cond delay="0"/>
-                                          </p:stCondLst>
-                                        </p:cTn>
-                                        <p:tgtEl>
-                                          <p:spTgt spid="16"/>
-                                        </p:tgtEl>
-                                        <p:attrNameLst>
-                                          <p:attrName>style.visibility</p:attrName>
-                                        </p:attrNameLst>
-                                      </p:cBhvr>
-                                      <p:to>
-                                        <p:strVal val="visible"/>
-                                      </p:to>
-                                    </p:set>
-                                  </p:childTnLst>
-                                </p:cTn>
-                              </p:par>
-                            </p:childTnLst>
-                          </p:cTn>
-                        </p:par>
-                      </p:childTnLst>
-                    </p:cTn>
-                  </p:par>
-                </p:childTnLst>
-              </p:cTn>
-              <p:prevCondLst>
-                <p:cond evt="onPrev" delay="0">
-                  <p:tgtEl>
-                    <p:sldTgt/>
-                  </p:tgtEl>
-                </p:cond>
-              </p:prevCondLst>
-              <p:nextCondLst>
-                <p:cond evt="onNext" delay="0">
-                  <p:tgtEl>
-                    <p:sldTgt/>
-                  </p:tgtEl>
-                </p:cond>
-              </p:nextCondLst>
-            </p:seq>
-          </p:childTnLst>
-        </p:cTn>
+        <p:cTn id="1" dur="indefinite" restart="never" nodeType="tmRoot"/>
       </p:par>
     </p:tnLst>
-    <p:bldLst>
-      <p:bldP spid="5" grpId="0" animBg="1"/>
-      <p:bldP spid="6" grpId="0" animBg="1"/>
-      <p:bldP spid="7" grpId="0" animBg="1"/>
-      <p:bldP spid="8" grpId="0" animBg="1"/>
-      <p:bldP spid="9" grpId="0" animBg="1"/>
-      <p:bldP spid="10" grpId="0" animBg="1"/>
-      <p:bldP spid="11" grpId="0" animBg="1"/>
-      <p:bldP spid="12" grpId="0" animBg="1"/>
-      <p:bldP spid="13" grpId="0" animBg="1"/>
-      <p:bldP spid="14" grpId="0" animBg="1"/>
-      <p:bldP spid="16" grpId="0" animBg="1"/>
-    </p:bldLst>
   </p:timing>
 </p:sld>
 </file>
@@ -20782,94 +20058,6 @@
   <p:transition>
     <p:fade/>
   </p:transition>
-</p:sld>
-</file>
-
-<file path=ppt/slides/slide19.xml><?xml version="1.0" encoding="utf-8"?>
-<p:sld xmlns:a="http://schemas.openxmlformats.org/drawingml/2006/main" xmlns:r="http://schemas.openxmlformats.org/officeDocument/2006/relationships" xmlns:p="http://schemas.openxmlformats.org/presentationml/2006/main">
-  <p:cSld>
-    <p:spTree>
-      <p:nvGrpSpPr>
-        <p:cNvPr id="1" name=""/>
-        <p:cNvGrpSpPr/>
-        <p:nvPr/>
-      </p:nvGrpSpPr>
-      <p:grpSpPr>
-        <a:xfrm>
-          <a:off x="0" y="0"/>
-          <a:ext cx="0" cy="0"/>
-          <a:chOff x="0" y="0"/>
-          <a:chExt cx="0" cy="0"/>
-        </a:xfrm>
-      </p:grpSpPr>
-      <p:sp>
-        <p:nvSpPr>
-          <p:cNvPr id="4" name="Title 3"/>
-          <p:cNvSpPr>
-            <a:spLocks noGrp="1"/>
-          </p:cNvSpPr>
-          <p:nvPr>
-            <p:ph type="title"/>
-          </p:nvPr>
-        </p:nvSpPr>
-        <p:spPr/>
-        <p:txBody>
-          <a:bodyPr/>
-          <a:lstStyle/>
-          <a:p>
-            <a:r>
-              <a:rPr lang="en-US" smtClean="0"/>
-              <a:t>Demo</a:t>
-            </a:r>
-            <a:endParaRPr lang="en-US" dirty="0"/>
-          </a:p>
-        </p:txBody>
-      </p:sp>
-      <p:sp>
-        <p:nvSpPr>
-          <p:cNvPr id="5" name="Text Placeholder 4"/>
-          <p:cNvSpPr>
-            <a:spLocks noGrp="1"/>
-          </p:cNvSpPr>
-          <p:nvPr>
-            <p:ph type="body" sz="quarter" idx="12"/>
-          </p:nvPr>
-        </p:nvSpPr>
-        <p:spPr/>
-        <p:txBody>
-          <a:bodyPr/>
-          <a:lstStyle/>
-          <a:p>
-            <a:r>
-              <a:rPr lang="en-US" dirty="0" smtClean="0"/>
-              <a:t>Elastic Scale Demo</a:t>
-            </a:r>
-            <a:endParaRPr lang="en-US" dirty="0"/>
-          </a:p>
-        </p:txBody>
-      </p:sp>
-    </p:spTree>
-    <p:extLst>
-      <p:ext uri="{BB962C8B-B14F-4D97-AF65-F5344CB8AC3E}">
-        <p14:creationId xmlns:p14="http://schemas.microsoft.com/office/powerpoint/2010/main" val="1376962965"/>
-      </p:ext>
-    </p:extLst>
-  </p:cSld>
-  <p:clrMapOvr>
-    <a:masterClrMapping/>
-  </p:clrMapOvr>
-  <mc:AlternateContent xmlns:mc="http://schemas.openxmlformats.org/markup-compatibility/2006" xmlns:p14="http://schemas.microsoft.com/office/powerpoint/2010/main">
-    <mc:Choice Requires="p14">
-      <p:transition spd="slow" p14:dur="3400">
-        <p14:reveal/>
-      </p:transition>
-    </mc:Choice>
-    <mc:Fallback xmlns="">
-      <p:transition spd="slow">
-        <p:fade/>
-      </p:transition>
-    </mc:Fallback>
-  </mc:AlternateContent>
   <p:timing>
     <p:tnLst>
       <p:par>
@@ -20880,379 +20068,7 @@
 </p:sld>
 </file>
 
-<file path=ppt/slides/slide2.xml><?xml version="1.0" encoding="utf-8"?>
-<p:sld xmlns:a="http://schemas.openxmlformats.org/drawingml/2006/main" xmlns:r="http://schemas.openxmlformats.org/officeDocument/2006/relationships" xmlns:p="http://schemas.openxmlformats.org/presentationml/2006/main">
-  <p:cSld>
-    <p:spTree>
-      <p:nvGrpSpPr>
-        <p:cNvPr id="1" name=""/>
-        <p:cNvGrpSpPr/>
-        <p:nvPr/>
-      </p:nvGrpSpPr>
-      <p:grpSpPr>
-        <a:xfrm>
-          <a:off x="0" y="0"/>
-          <a:ext cx="0" cy="0"/>
-          <a:chOff x="0" y="0"/>
-          <a:chExt cx="0" cy="0"/>
-        </a:xfrm>
-      </p:grpSpPr>
-      <p:sp>
-        <p:nvSpPr>
-          <p:cNvPr id="5" name="Text Placeholder 4"/>
-          <p:cNvSpPr>
-            <a:spLocks noGrp="1"/>
-          </p:cNvSpPr>
-          <p:nvPr>
-            <p:ph type="body" sz="quarter" idx="10"/>
-          </p:nvPr>
-        </p:nvSpPr>
-        <p:spPr>
-          <a:xfrm>
-            <a:off x="274638" y="1212850"/>
-            <a:ext cx="11887200" cy="2092881"/>
-          </a:xfrm>
-        </p:spPr>
-        <p:txBody>
-          <a:bodyPr/>
-          <a:lstStyle/>
-          <a:p>
-            <a:r>
-              <a:rPr lang="en-US" dirty="0"/>
-              <a:t>Founder of UserGroup.tv</a:t>
-            </a:r>
-          </a:p>
-          <a:p>
-            <a:r>
-              <a:rPr lang="en-US" dirty="0" smtClean="0"/>
-              <a:t>Azure Technical Evangelist at Microsoft</a:t>
-            </a:r>
-            <a:endParaRPr lang="en-US" dirty="0"/>
-          </a:p>
-          <a:p>
-            <a:r>
-              <a:rPr lang="en-US" dirty="0"/>
-              <a:t>MCSD: Azure Solutions Architect</a:t>
-            </a:r>
-          </a:p>
-        </p:txBody>
-      </p:sp>
-      <p:sp>
-        <p:nvSpPr>
-          <p:cNvPr id="4" name="Title 3"/>
-          <p:cNvSpPr>
-            <a:spLocks noGrp="1"/>
-          </p:cNvSpPr>
-          <p:nvPr>
-            <p:ph type="title"/>
-          </p:nvPr>
-        </p:nvSpPr>
-        <p:spPr/>
-        <p:txBody>
-          <a:bodyPr/>
-          <a:lstStyle/>
-          <a:p>
-            <a:r>
-              <a:rPr lang="en-US" dirty="0" smtClean="0"/>
-              <a:t>About Me</a:t>
-            </a:r>
-            <a:endParaRPr lang="en-US" dirty="0"/>
-          </a:p>
-        </p:txBody>
-      </p:sp>
-      <p:pic>
-        <p:nvPicPr>
-          <p:cNvPr id="7" name="Picture 6" descr="http://www.dallasgivecamp.org/Themes/DallasGiveCamp/Content/Images/GiveCampDallas_small.png"/>
-          <p:cNvPicPr>
-            <a:picLocks noChangeAspect="1" noChangeArrowheads="1"/>
-          </p:cNvPicPr>
-          <p:nvPr/>
-        </p:nvPicPr>
-        <p:blipFill>
-          <a:blip r:embed="rId2">
-            <a:extLst>
-              <a:ext uri="{28A0092B-C50C-407E-A947-70E740481C1C}">
-                <a14:useLocalDpi xmlns:a14="http://schemas.microsoft.com/office/drawing/2010/main" val="0"/>
-              </a:ext>
-            </a:extLst>
-          </a:blip>
-          <a:srcRect/>
-          <a:stretch>
-            <a:fillRect/>
-          </a:stretch>
-        </p:blipFill>
-        <p:spPr bwMode="auto">
-          <a:xfrm>
-            <a:off x="2164113" y="4099364"/>
-            <a:ext cx="2830313" cy="1049820"/>
-          </a:xfrm>
-          <a:prstGeom prst="rect">
-            <a:avLst/>
-          </a:prstGeom>
-          <a:noFill/>
-          <a:extLst>
-            <a:ext uri="{909E8E84-426E-40DD-AFC4-6F175D3DCCD1}">
-              <a14:hiddenFill xmlns:a14="http://schemas.microsoft.com/office/drawing/2010/main">
-                <a:solidFill>
-                  <a:srgbClr val="FFFFFF"/>
-                </a:solidFill>
-              </a14:hiddenFill>
-            </a:ext>
-          </a:extLst>
-        </p:spPr>
-      </p:pic>
-      <p:pic>
-        <p:nvPicPr>
-          <p:cNvPr id="8" name="Picture 7" descr="C:\Users\SHAWN\Desktop\drn-logo.jpg"/>
-          <p:cNvPicPr>
-            <a:picLocks noChangeAspect="1" noChangeArrowheads="1"/>
-          </p:cNvPicPr>
-          <p:nvPr/>
-        </p:nvPicPr>
-        <p:blipFill>
-          <a:blip r:embed="rId3">
-            <a:extLst>
-              <a:ext uri="{28A0092B-C50C-407E-A947-70E740481C1C}">
-                <a14:useLocalDpi xmlns:a14="http://schemas.microsoft.com/office/drawing/2010/main" val="0"/>
-              </a:ext>
-            </a:extLst>
-          </a:blip>
-          <a:srcRect/>
-          <a:stretch>
-            <a:fillRect/>
-          </a:stretch>
-        </p:blipFill>
-        <p:spPr bwMode="auto">
-          <a:xfrm>
-            <a:off x="5463746" y="4341468"/>
-            <a:ext cx="3557592" cy="1165592"/>
-          </a:xfrm>
-          <a:prstGeom prst="rect">
-            <a:avLst/>
-          </a:prstGeom>
-          <a:noFill/>
-          <a:extLst>
-            <a:ext uri="{909E8E84-426E-40DD-AFC4-6F175D3DCCD1}">
-              <a14:hiddenFill xmlns:a14="http://schemas.microsoft.com/office/drawing/2010/main">
-                <a:solidFill>
-                  <a:srgbClr val="FFFFFF"/>
-                </a:solidFill>
-              </a14:hiddenFill>
-            </a:ext>
-          </a:extLst>
-        </p:spPr>
-      </p:pic>
-      <p:pic>
-        <p:nvPicPr>
-          <p:cNvPr id="9" name="Picture 8" descr="C:\Users\Shawn\Pictures\mvplogo.gif"/>
-          <p:cNvPicPr>
-            <a:picLocks noChangeAspect="1" noChangeArrowheads="1"/>
-          </p:cNvPicPr>
-          <p:nvPr/>
-        </p:nvPicPr>
-        <p:blipFill>
-          <a:blip r:embed="rId4" cstate="print"/>
-          <a:srcRect/>
-          <a:stretch>
-            <a:fillRect/>
-          </a:stretch>
-        </p:blipFill>
-        <p:spPr bwMode="auto">
-          <a:xfrm>
-            <a:off x="240218" y="4401787"/>
-            <a:ext cx="1497165" cy="2343390"/>
-          </a:xfrm>
-          <a:prstGeom prst="rect">
-            <a:avLst/>
-          </a:prstGeom>
-          <a:noFill/>
-          <a:ln w="9525">
-            <a:noFill/>
-            <a:miter lim="800000"/>
-            <a:headEnd/>
-            <a:tailEnd/>
-          </a:ln>
-        </p:spPr>
-      </p:pic>
-      <p:pic>
-        <p:nvPicPr>
-          <p:cNvPr id="10" name="Picture 9" descr="C:\Users\Shawn\Pictures\FloridaTech_seal.gif"/>
-          <p:cNvPicPr>
-            <a:picLocks noChangeAspect="1" noChangeArrowheads="1"/>
-          </p:cNvPicPr>
-          <p:nvPr/>
-        </p:nvPicPr>
-        <p:blipFill>
-          <a:blip r:embed="rId5" cstate="print"/>
-          <a:srcRect/>
-          <a:stretch>
-            <a:fillRect/>
-          </a:stretch>
-        </p:blipFill>
-        <p:spPr bwMode="auto">
-          <a:xfrm>
-            <a:off x="2164113" y="5433829"/>
-            <a:ext cx="1533153" cy="1188194"/>
-          </a:xfrm>
-          <a:prstGeom prst="rect">
-            <a:avLst/>
-          </a:prstGeom>
-          <a:noFill/>
-          <a:ln w="9525">
-            <a:noFill/>
-            <a:miter lim="800000"/>
-            <a:headEnd/>
-            <a:tailEnd/>
-          </a:ln>
-        </p:spPr>
-      </p:pic>
-      <p:pic>
-        <p:nvPicPr>
-          <p:cNvPr id="11" name="Picture 10" descr="C:\Users\SHAWN\Desktop\theme-sprite.17.png"/>
-          <p:cNvPicPr>
-            <a:picLocks noChangeAspect="1" noChangeArrowheads="1"/>
-          </p:cNvPicPr>
-          <p:nvPr/>
-        </p:nvPicPr>
-        <p:blipFill>
-          <a:blip r:embed="rId6">
-            <a:extLst>
-              <a:ext uri="{28A0092B-C50C-407E-A947-70E740481C1C}">
-                <a14:useLocalDpi xmlns:a14="http://schemas.microsoft.com/office/drawing/2010/main" val="0"/>
-              </a:ext>
-            </a:extLst>
-          </a:blip>
-          <a:srcRect/>
-          <a:stretch>
-            <a:fillRect/>
-          </a:stretch>
-        </p:blipFill>
-        <p:spPr bwMode="auto">
-          <a:xfrm>
-            <a:off x="9544397" y="4659948"/>
-            <a:ext cx="2370948" cy="693543"/>
-          </a:xfrm>
-          <a:prstGeom prst="rect">
-            <a:avLst/>
-          </a:prstGeom>
-          <a:noFill/>
-          <a:extLst>
-            <a:ext uri="{909E8E84-426E-40DD-AFC4-6F175D3DCCD1}">
-              <a14:hiddenFill xmlns:a14="http://schemas.microsoft.com/office/drawing/2010/main">
-                <a:solidFill>
-                  <a:srgbClr val="FFFFFF"/>
-                </a:solidFill>
-              </a14:hiddenFill>
-            </a:ext>
-          </a:extLst>
-        </p:spPr>
-      </p:pic>
-      <p:pic>
-        <p:nvPicPr>
-          <p:cNvPr id="12" name="Picture 11" descr="C:\Users\SHAWN\Desktop\lockheed-martin.jpg"/>
-          <p:cNvPicPr>
-            <a:picLocks noChangeAspect="1" noChangeArrowheads="1"/>
-          </p:cNvPicPr>
-          <p:nvPr/>
-        </p:nvPicPr>
-        <p:blipFill>
-          <a:blip r:embed="rId7" cstate="print">
-            <a:extLst>
-              <a:ext uri="{28A0092B-C50C-407E-A947-70E740481C1C}">
-                <a14:useLocalDpi xmlns:a14="http://schemas.microsoft.com/office/drawing/2010/main" val="0"/>
-              </a:ext>
-            </a:extLst>
-          </a:blip>
-          <a:srcRect/>
-          <a:stretch>
-            <a:fillRect/>
-          </a:stretch>
-        </p:blipFill>
-        <p:spPr bwMode="auto">
-          <a:xfrm>
-            <a:off x="4123997" y="5720993"/>
-            <a:ext cx="4747273" cy="941608"/>
-          </a:xfrm>
-          <a:prstGeom prst="rect">
-            <a:avLst/>
-          </a:prstGeom>
-          <a:noFill/>
-          <a:extLst>
-            <a:ext uri="{909E8E84-426E-40DD-AFC4-6F175D3DCCD1}">
-              <a14:hiddenFill xmlns:a14="http://schemas.microsoft.com/office/drawing/2010/main">
-                <a:solidFill>
-                  <a:srgbClr val="FFFFFF"/>
-                </a:solidFill>
-              </a14:hiddenFill>
-            </a:ext>
-          </a:extLst>
-        </p:spPr>
-      </p:pic>
-      <p:pic>
-        <p:nvPicPr>
-          <p:cNvPr id="13" name="Picture 12" descr="C:\Users\SHAWN\Desktop\UserGroupLogo.gif"/>
-          <p:cNvPicPr>
-            <a:picLocks noChangeAspect="1" noChangeArrowheads="1"/>
-          </p:cNvPicPr>
-          <p:nvPr/>
-        </p:nvPicPr>
-        <p:blipFill>
-          <a:blip r:embed="rId8">
-            <a:extLst>
-              <a:ext uri="{28A0092B-C50C-407E-A947-70E740481C1C}">
-                <a14:useLocalDpi xmlns:a14="http://schemas.microsoft.com/office/drawing/2010/main" val="0"/>
-              </a:ext>
-            </a:extLst>
-          </a:blip>
-          <a:srcRect/>
-          <a:stretch>
-            <a:fillRect/>
-          </a:stretch>
-        </p:blipFill>
-        <p:spPr bwMode="auto">
-          <a:xfrm>
-            <a:off x="9042902" y="5638419"/>
-            <a:ext cx="2951350" cy="1106757"/>
-          </a:xfrm>
-          <a:prstGeom prst="rect">
-            <a:avLst/>
-          </a:prstGeom>
-          <a:noFill/>
-          <a:extLst>
-            <a:ext uri="{909E8E84-426E-40DD-AFC4-6F175D3DCCD1}">
-              <a14:hiddenFill xmlns:a14="http://schemas.microsoft.com/office/drawing/2010/main">
-                <a:solidFill>
-                  <a:srgbClr val="FFFFFF"/>
-                </a:solidFill>
-              </a14:hiddenFill>
-            </a:ext>
-          </a:extLst>
-        </p:spPr>
-      </p:pic>
-    </p:spTree>
-    <p:extLst>
-      <p:ext uri="{BB962C8B-B14F-4D97-AF65-F5344CB8AC3E}">
-        <p14:creationId xmlns:p14="http://schemas.microsoft.com/office/powerpoint/2010/main" val="932270385"/>
-      </p:ext>
-    </p:extLst>
-  </p:cSld>
-  <p:clrMapOvr>
-    <a:masterClrMapping/>
-  </p:clrMapOvr>
-  <p:transition>
-    <p:fade/>
-  </p:transition>
-  <p:timing>
-    <p:tnLst>
-      <p:par>
-        <p:cTn id="1" dur="indefinite" restart="never" nodeType="tmRoot"/>
-      </p:par>
-    </p:tnLst>
-  </p:timing>
-</p:sld>
-</file>
-
-<file path=ppt/slides/slide20.xml><?xml version="1.0" encoding="utf-8"?>
+<file path=ppt/slides/slide19.xml><?xml version="1.0" encoding="utf-8"?>
 <p:sld xmlns:a="http://schemas.openxmlformats.org/drawingml/2006/main" xmlns:r="http://schemas.openxmlformats.org/officeDocument/2006/relationships" xmlns:p="http://schemas.openxmlformats.org/presentationml/2006/main">
   <p:cSld>
     <p:spTree>
@@ -22960,7 +21776,379 @@
 </p:sld>
 </file>
 
-<file path=ppt/slides/slide21.xml><?xml version="1.0" encoding="utf-8"?>
+<file path=ppt/slides/slide2.xml><?xml version="1.0" encoding="utf-8"?>
+<p:sld xmlns:a="http://schemas.openxmlformats.org/drawingml/2006/main" xmlns:r="http://schemas.openxmlformats.org/officeDocument/2006/relationships" xmlns:p="http://schemas.openxmlformats.org/presentationml/2006/main">
+  <p:cSld>
+    <p:spTree>
+      <p:nvGrpSpPr>
+        <p:cNvPr id="1" name=""/>
+        <p:cNvGrpSpPr/>
+        <p:nvPr/>
+      </p:nvGrpSpPr>
+      <p:grpSpPr>
+        <a:xfrm>
+          <a:off x="0" y="0"/>
+          <a:ext cx="0" cy="0"/>
+          <a:chOff x="0" y="0"/>
+          <a:chExt cx="0" cy="0"/>
+        </a:xfrm>
+      </p:grpSpPr>
+      <p:sp>
+        <p:nvSpPr>
+          <p:cNvPr id="5" name="Text Placeholder 4"/>
+          <p:cNvSpPr>
+            <a:spLocks noGrp="1"/>
+          </p:cNvSpPr>
+          <p:nvPr>
+            <p:ph type="body" sz="quarter" idx="10"/>
+          </p:nvPr>
+        </p:nvSpPr>
+        <p:spPr>
+          <a:xfrm>
+            <a:off x="274638" y="1212850"/>
+            <a:ext cx="11887200" cy="2092881"/>
+          </a:xfrm>
+        </p:spPr>
+        <p:txBody>
+          <a:bodyPr/>
+          <a:lstStyle/>
+          <a:p>
+            <a:r>
+              <a:rPr lang="en-US" dirty="0"/>
+              <a:t>Founder of UserGroup.tv</a:t>
+            </a:r>
+          </a:p>
+          <a:p>
+            <a:r>
+              <a:rPr lang="en-US" dirty="0" smtClean="0"/>
+              <a:t>Azure Technical Evangelist at Microsoft</a:t>
+            </a:r>
+            <a:endParaRPr lang="en-US" dirty="0"/>
+          </a:p>
+          <a:p>
+            <a:r>
+              <a:rPr lang="en-US" dirty="0"/>
+              <a:t>MCSD: Azure Solutions Architect</a:t>
+            </a:r>
+          </a:p>
+        </p:txBody>
+      </p:sp>
+      <p:sp>
+        <p:nvSpPr>
+          <p:cNvPr id="4" name="Title 3"/>
+          <p:cNvSpPr>
+            <a:spLocks noGrp="1"/>
+          </p:cNvSpPr>
+          <p:nvPr>
+            <p:ph type="title"/>
+          </p:nvPr>
+        </p:nvSpPr>
+        <p:spPr/>
+        <p:txBody>
+          <a:bodyPr/>
+          <a:lstStyle/>
+          <a:p>
+            <a:r>
+              <a:rPr lang="en-US" dirty="0" smtClean="0"/>
+              <a:t>About Me</a:t>
+            </a:r>
+            <a:endParaRPr lang="en-US" dirty="0"/>
+          </a:p>
+        </p:txBody>
+      </p:sp>
+      <p:pic>
+        <p:nvPicPr>
+          <p:cNvPr id="7" name="Picture 6" descr="http://www.dallasgivecamp.org/Themes/DallasGiveCamp/Content/Images/GiveCampDallas_small.png"/>
+          <p:cNvPicPr>
+            <a:picLocks noChangeAspect="1" noChangeArrowheads="1"/>
+          </p:cNvPicPr>
+          <p:nvPr/>
+        </p:nvPicPr>
+        <p:blipFill>
+          <a:blip r:embed="rId2">
+            <a:extLst>
+              <a:ext uri="{28A0092B-C50C-407E-A947-70E740481C1C}">
+                <a14:useLocalDpi xmlns:a14="http://schemas.microsoft.com/office/drawing/2010/main" val="0"/>
+              </a:ext>
+            </a:extLst>
+          </a:blip>
+          <a:srcRect/>
+          <a:stretch>
+            <a:fillRect/>
+          </a:stretch>
+        </p:blipFill>
+        <p:spPr bwMode="auto">
+          <a:xfrm>
+            <a:off x="2164113" y="4099364"/>
+            <a:ext cx="2830313" cy="1049820"/>
+          </a:xfrm>
+          <a:prstGeom prst="rect">
+            <a:avLst/>
+          </a:prstGeom>
+          <a:noFill/>
+          <a:extLst>
+            <a:ext uri="{909E8E84-426E-40DD-AFC4-6F175D3DCCD1}">
+              <a14:hiddenFill xmlns:a14="http://schemas.microsoft.com/office/drawing/2010/main">
+                <a:solidFill>
+                  <a:srgbClr val="FFFFFF"/>
+                </a:solidFill>
+              </a14:hiddenFill>
+            </a:ext>
+          </a:extLst>
+        </p:spPr>
+      </p:pic>
+      <p:pic>
+        <p:nvPicPr>
+          <p:cNvPr id="8" name="Picture 7" descr="C:\Users\SHAWN\Desktop\drn-logo.jpg"/>
+          <p:cNvPicPr>
+            <a:picLocks noChangeAspect="1" noChangeArrowheads="1"/>
+          </p:cNvPicPr>
+          <p:nvPr/>
+        </p:nvPicPr>
+        <p:blipFill>
+          <a:blip r:embed="rId3">
+            <a:extLst>
+              <a:ext uri="{28A0092B-C50C-407E-A947-70E740481C1C}">
+                <a14:useLocalDpi xmlns:a14="http://schemas.microsoft.com/office/drawing/2010/main" val="0"/>
+              </a:ext>
+            </a:extLst>
+          </a:blip>
+          <a:srcRect/>
+          <a:stretch>
+            <a:fillRect/>
+          </a:stretch>
+        </p:blipFill>
+        <p:spPr bwMode="auto">
+          <a:xfrm>
+            <a:off x="5463746" y="4341468"/>
+            <a:ext cx="3557592" cy="1165592"/>
+          </a:xfrm>
+          <a:prstGeom prst="rect">
+            <a:avLst/>
+          </a:prstGeom>
+          <a:noFill/>
+          <a:extLst>
+            <a:ext uri="{909E8E84-426E-40DD-AFC4-6F175D3DCCD1}">
+              <a14:hiddenFill xmlns:a14="http://schemas.microsoft.com/office/drawing/2010/main">
+                <a:solidFill>
+                  <a:srgbClr val="FFFFFF"/>
+                </a:solidFill>
+              </a14:hiddenFill>
+            </a:ext>
+          </a:extLst>
+        </p:spPr>
+      </p:pic>
+      <p:pic>
+        <p:nvPicPr>
+          <p:cNvPr id="9" name="Picture 8" descr="C:\Users\Shawn\Pictures\mvplogo.gif"/>
+          <p:cNvPicPr>
+            <a:picLocks noChangeAspect="1" noChangeArrowheads="1"/>
+          </p:cNvPicPr>
+          <p:nvPr/>
+        </p:nvPicPr>
+        <p:blipFill>
+          <a:blip r:embed="rId4" cstate="print"/>
+          <a:srcRect/>
+          <a:stretch>
+            <a:fillRect/>
+          </a:stretch>
+        </p:blipFill>
+        <p:spPr bwMode="auto">
+          <a:xfrm>
+            <a:off x="240218" y="4401787"/>
+            <a:ext cx="1497165" cy="2343390"/>
+          </a:xfrm>
+          <a:prstGeom prst="rect">
+            <a:avLst/>
+          </a:prstGeom>
+          <a:noFill/>
+          <a:ln w="9525">
+            <a:noFill/>
+            <a:miter lim="800000"/>
+            <a:headEnd/>
+            <a:tailEnd/>
+          </a:ln>
+        </p:spPr>
+      </p:pic>
+      <p:pic>
+        <p:nvPicPr>
+          <p:cNvPr id="10" name="Picture 9" descr="C:\Users\Shawn\Pictures\FloridaTech_seal.gif"/>
+          <p:cNvPicPr>
+            <a:picLocks noChangeAspect="1" noChangeArrowheads="1"/>
+          </p:cNvPicPr>
+          <p:nvPr/>
+        </p:nvPicPr>
+        <p:blipFill>
+          <a:blip r:embed="rId5" cstate="print"/>
+          <a:srcRect/>
+          <a:stretch>
+            <a:fillRect/>
+          </a:stretch>
+        </p:blipFill>
+        <p:spPr bwMode="auto">
+          <a:xfrm>
+            <a:off x="2164113" y="5433829"/>
+            <a:ext cx="1533153" cy="1188194"/>
+          </a:xfrm>
+          <a:prstGeom prst="rect">
+            <a:avLst/>
+          </a:prstGeom>
+          <a:noFill/>
+          <a:ln w="9525">
+            <a:noFill/>
+            <a:miter lim="800000"/>
+            <a:headEnd/>
+            <a:tailEnd/>
+          </a:ln>
+        </p:spPr>
+      </p:pic>
+      <p:pic>
+        <p:nvPicPr>
+          <p:cNvPr id="11" name="Picture 10" descr="C:\Users\SHAWN\Desktop\theme-sprite.17.png"/>
+          <p:cNvPicPr>
+            <a:picLocks noChangeAspect="1" noChangeArrowheads="1"/>
+          </p:cNvPicPr>
+          <p:nvPr/>
+        </p:nvPicPr>
+        <p:blipFill>
+          <a:blip r:embed="rId6">
+            <a:extLst>
+              <a:ext uri="{28A0092B-C50C-407E-A947-70E740481C1C}">
+                <a14:useLocalDpi xmlns:a14="http://schemas.microsoft.com/office/drawing/2010/main" val="0"/>
+              </a:ext>
+            </a:extLst>
+          </a:blip>
+          <a:srcRect/>
+          <a:stretch>
+            <a:fillRect/>
+          </a:stretch>
+        </p:blipFill>
+        <p:spPr bwMode="auto">
+          <a:xfrm>
+            <a:off x="9544397" y="4659948"/>
+            <a:ext cx="2370948" cy="693543"/>
+          </a:xfrm>
+          <a:prstGeom prst="rect">
+            <a:avLst/>
+          </a:prstGeom>
+          <a:noFill/>
+          <a:extLst>
+            <a:ext uri="{909E8E84-426E-40DD-AFC4-6F175D3DCCD1}">
+              <a14:hiddenFill xmlns:a14="http://schemas.microsoft.com/office/drawing/2010/main">
+                <a:solidFill>
+                  <a:srgbClr val="FFFFFF"/>
+                </a:solidFill>
+              </a14:hiddenFill>
+            </a:ext>
+          </a:extLst>
+        </p:spPr>
+      </p:pic>
+      <p:pic>
+        <p:nvPicPr>
+          <p:cNvPr id="12" name="Picture 11" descr="C:\Users\SHAWN\Desktop\lockheed-martin.jpg"/>
+          <p:cNvPicPr>
+            <a:picLocks noChangeAspect="1" noChangeArrowheads="1"/>
+          </p:cNvPicPr>
+          <p:nvPr/>
+        </p:nvPicPr>
+        <p:blipFill>
+          <a:blip r:embed="rId7" cstate="print">
+            <a:extLst>
+              <a:ext uri="{28A0092B-C50C-407E-A947-70E740481C1C}">
+                <a14:useLocalDpi xmlns:a14="http://schemas.microsoft.com/office/drawing/2010/main" val="0"/>
+              </a:ext>
+            </a:extLst>
+          </a:blip>
+          <a:srcRect/>
+          <a:stretch>
+            <a:fillRect/>
+          </a:stretch>
+        </p:blipFill>
+        <p:spPr bwMode="auto">
+          <a:xfrm>
+            <a:off x="4123997" y="5720993"/>
+            <a:ext cx="4747273" cy="941608"/>
+          </a:xfrm>
+          <a:prstGeom prst="rect">
+            <a:avLst/>
+          </a:prstGeom>
+          <a:noFill/>
+          <a:extLst>
+            <a:ext uri="{909E8E84-426E-40DD-AFC4-6F175D3DCCD1}">
+              <a14:hiddenFill xmlns:a14="http://schemas.microsoft.com/office/drawing/2010/main">
+                <a:solidFill>
+                  <a:srgbClr val="FFFFFF"/>
+                </a:solidFill>
+              </a14:hiddenFill>
+            </a:ext>
+          </a:extLst>
+        </p:spPr>
+      </p:pic>
+      <p:pic>
+        <p:nvPicPr>
+          <p:cNvPr id="13" name="Picture 12" descr="C:\Users\SHAWN\Desktop\UserGroupLogo.gif"/>
+          <p:cNvPicPr>
+            <a:picLocks noChangeAspect="1" noChangeArrowheads="1"/>
+          </p:cNvPicPr>
+          <p:nvPr/>
+        </p:nvPicPr>
+        <p:blipFill>
+          <a:blip r:embed="rId8">
+            <a:extLst>
+              <a:ext uri="{28A0092B-C50C-407E-A947-70E740481C1C}">
+                <a14:useLocalDpi xmlns:a14="http://schemas.microsoft.com/office/drawing/2010/main" val="0"/>
+              </a:ext>
+            </a:extLst>
+          </a:blip>
+          <a:srcRect/>
+          <a:stretch>
+            <a:fillRect/>
+          </a:stretch>
+        </p:blipFill>
+        <p:spPr bwMode="auto">
+          <a:xfrm>
+            <a:off x="9042902" y="5638419"/>
+            <a:ext cx="2951350" cy="1106757"/>
+          </a:xfrm>
+          <a:prstGeom prst="rect">
+            <a:avLst/>
+          </a:prstGeom>
+          <a:noFill/>
+          <a:extLst>
+            <a:ext uri="{909E8E84-426E-40DD-AFC4-6F175D3DCCD1}">
+              <a14:hiddenFill xmlns:a14="http://schemas.microsoft.com/office/drawing/2010/main">
+                <a:solidFill>
+                  <a:srgbClr val="FFFFFF"/>
+                </a:solidFill>
+              </a14:hiddenFill>
+            </a:ext>
+          </a:extLst>
+        </p:spPr>
+      </p:pic>
+    </p:spTree>
+    <p:extLst>
+      <p:ext uri="{BB962C8B-B14F-4D97-AF65-F5344CB8AC3E}">
+        <p14:creationId xmlns:p14="http://schemas.microsoft.com/office/powerpoint/2010/main" val="932270385"/>
+      </p:ext>
+    </p:extLst>
+  </p:cSld>
+  <p:clrMapOvr>
+    <a:masterClrMapping/>
+  </p:clrMapOvr>
+  <p:transition>
+    <p:fade/>
+  </p:transition>
+  <p:timing>
+    <p:tnLst>
+      <p:par>
+        <p:cTn id="1" dur="indefinite" restart="never" nodeType="tmRoot"/>
+      </p:par>
+    </p:tnLst>
+  </p:timing>
+</p:sld>
+</file>
+
+<file path=ppt/slides/slide20.xml><?xml version="1.0" encoding="utf-8"?>
 <p:sld xmlns:a="http://schemas.openxmlformats.org/drawingml/2006/main" xmlns:r="http://schemas.openxmlformats.org/officeDocument/2006/relationships" xmlns:p="http://schemas.openxmlformats.org/presentationml/2006/main">
   <p:cSld>
     <p:spTree>
@@ -24676,7 +23864,7 @@
 </p:sld>
 </file>
 
-<file path=ppt/slides/slide22.xml><?xml version="1.0" encoding="utf-8"?>
+<file path=ppt/slides/slide21.xml><?xml version="1.0" encoding="utf-8"?>
 <p:sld xmlns:a="http://schemas.openxmlformats.org/drawingml/2006/main" xmlns:r="http://schemas.openxmlformats.org/officeDocument/2006/relationships" xmlns:p="http://schemas.openxmlformats.org/presentationml/2006/main">
   <p:cSld>
     <p:spTree>
@@ -25470,6 +24658,69 @@
     <p:extLst>
       <p:ext uri="{BB962C8B-B14F-4D97-AF65-F5344CB8AC3E}">
         <p14:creationId xmlns:p14="http://schemas.microsoft.com/office/powerpoint/2010/main" val="3114591863"/>
+      </p:ext>
+    </p:extLst>
+  </p:cSld>
+  <p:clrMapOvr>
+    <a:masterClrMapping/>
+  </p:clrMapOvr>
+  <p:transition>
+    <p:fade/>
+  </p:transition>
+  <p:timing>
+    <p:tnLst>
+      <p:par>
+        <p:cTn id="1" dur="indefinite" restart="never" nodeType="tmRoot"/>
+      </p:par>
+    </p:tnLst>
+  </p:timing>
+</p:sld>
+</file>
+
+<file path=ppt/slides/slide22.xml><?xml version="1.0" encoding="utf-8"?>
+<p:sld xmlns:a="http://schemas.openxmlformats.org/drawingml/2006/main" xmlns:r="http://schemas.openxmlformats.org/officeDocument/2006/relationships" xmlns:p="http://schemas.openxmlformats.org/presentationml/2006/main">
+  <p:cSld>
+    <p:spTree>
+      <p:nvGrpSpPr>
+        <p:cNvPr id="1" name=""/>
+        <p:cNvGrpSpPr/>
+        <p:nvPr/>
+      </p:nvGrpSpPr>
+      <p:grpSpPr>
+        <a:xfrm>
+          <a:off x="0" y="0"/>
+          <a:ext cx="0" cy="0"/>
+          <a:chOff x="0" y="0"/>
+          <a:chExt cx="0" cy="0"/>
+        </a:xfrm>
+      </p:grpSpPr>
+      <p:sp>
+        <p:nvSpPr>
+          <p:cNvPr id="4" name="Title 3"/>
+          <p:cNvSpPr>
+            <a:spLocks noGrp="1"/>
+          </p:cNvSpPr>
+          <p:nvPr>
+            <p:ph type="title"/>
+          </p:nvPr>
+        </p:nvSpPr>
+        <p:spPr/>
+        <p:txBody>
+          <a:bodyPr/>
+          <a:lstStyle/>
+          <a:p>
+            <a:r>
+              <a:rPr lang="en-US" sz="6600" dirty="0" smtClean="0"/>
+              <a:t>Shard Map Management</a:t>
+            </a:r>
+            <a:endParaRPr lang="en-US" sz="6600" dirty="0"/>
+          </a:p>
+        </p:txBody>
+      </p:sp>
+    </p:spTree>
+    <p:extLst>
+      <p:ext uri="{BB962C8B-B14F-4D97-AF65-F5344CB8AC3E}">
+        <p14:creationId xmlns:p14="http://schemas.microsoft.com/office/powerpoint/2010/main" val="2887462530"/>
       </p:ext>
     </p:extLst>
   </p:cSld>
@@ -25508,6 +24759,1866 @@
       </p:grpSpPr>
       <p:sp>
         <p:nvSpPr>
+          <p:cNvPr id="4" name="Rounded Rectangle 3"/>
+          <p:cNvSpPr/>
+          <p:nvPr/>
+        </p:nvSpPr>
+        <p:spPr bwMode="auto">
+          <a:xfrm>
+            <a:off x="8199437" y="1771993"/>
+            <a:ext cx="1752600" cy="1981200"/>
+          </a:xfrm>
+          <a:prstGeom prst="roundRect">
+            <a:avLst/>
+          </a:prstGeom>
+          <a:ln>
+            <a:headEnd type="none" w="med" len="med"/>
+            <a:tailEnd type="none" w="med" len="med"/>
+          </a:ln>
+        </p:spPr>
+        <p:style>
+          <a:lnRef idx="0">
+            <a:schemeClr val="accent4"/>
+          </a:lnRef>
+          <a:fillRef idx="3">
+            <a:schemeClr val="accent4"/>
+          </a:fillRef>
+          <a:effectRef idx="3">
+            <a:schemeClr val="accent4"/>
+          </a:effectRef>
+          <a:fontRef idx="minor">
+            <a:schemeClr val="lt1"/>
+          </a:fontRef>
+        </p:style>
+        <p:txBody>
+          <a:bodyPr vert="horz" wrap="square" lIns="0" tIns="46637" rIns="0" bIns="46637" numCol="1" rtlCol="0" anchor="b" anchorCtr="0" compatLnSpc="1">
+            <a:prstTxWarp prst="textNoShape">
+              <a:avLst/>
+            </a:prstTxWarp>
+          </a:bodyPr>
+          <a:lstStyle/>
+          <a:p>
+            <a:pPr algn="ctr" defTabSz="932472" fontAlgn="base">
+              <a:spcBef>
+                <a:spcPct val="0"/>
+              </a:spcBef>
+              <a:spcAft>
+                <a:spcPct val="0"/>
+              </a:spcAft>
+            </a:pPr>
+            <a:r>
+              <a:rPr lang="en-US" sz="2000" dirty="0" smtClean="0">
+                <a:solidFill>
+                  <a:schemeClr val="bg1">
+                    <a:lumMod val="50000"/>
+                  </a:schemeClr>
+                </a:solidFill>
+              </a:rPr>
+              <a:t>Azure SQL DB</a:t>
+            </a:r>
+            <a:endParaRPr lang="en-US" sz="2000" dirty="0">
+              <a:solidFill>
+                <a:schemeClr val="bg1">
+                  <a:lumMod val="50000"/>
+                </a:schemeClr>
+              </a:solidFill>
+            </a:endParaRPr>
+          </a:p>
+        </p:txBody>
+      </p:sp>
+      <p:sp>
+        <p:nvSpPr>
+          <p:cNvPr id="30" name="Content Placeholder 29"/>
+          <p:cNvSpPr>
+            <a:spLocks noGrp="1"/>
+          </p:cNvSpPr>
+          <p:nvPr>
+            <p:ph idx="4294967295"/>
+          </p:nvPr>
+        </p:nvSpPr>
+        <p:spPr>
+          <a:xfrm>
+            <a:off x="1036637" y="1535576"/>
+            <a:ext cx="5895869" cy="3120817"/>
+          </a:xfrm>
+          <a:prstGeom prst="rect">
+            <a:avLst/>
+          </a:prstGeom>
+        </p:spPr>
+        <p:txBody>
+          <a:bodyPr>
+            <a:normAutofit fontScale="92500" lnSpcReduction="20000"/>
+          </a:bodyPr>
+          <a:lstStyle/>
+          <a:p>
+            <a:r>
+              <a:rPr lang="en-US" dirty="0"/>
+              <a:t>Sharding key types</a:t>
+            </a:r>
+          </a:p>
+          <a:p>
+            <a:pPr lvl="1"/>
+            <a:r>
+              <a:rPr lang="en-US" dirty="0"/>
+              <a:t>INT, BIGINT, GUID, VARBINARY</a:t>
+            </a:r>
+          </a:p>
+          <a:p>
+            <a:r>
+              <a:rPr lang="en-US" dirty="0" smtClean="0"/>
+              <a:t>Shard maps</a:t>
+            </a:r>
+          </a:p>
+          <a:p>
+            <a:pPr lvl="1"/>
+            <a:r>
+              <a:rPr lang="en-US" dirty="0" smtClean="0"/>
+              <a:t>Range: contiguous values</a:t>
+            </a:r>
+          </a:p>
+          <a:p>
+            <a:pPr lvl="1"/>
+            <a:r>
+              <a:rPr lang="en-US" dirty="0" smtClean="0"/>
+              <a:t>List: explicit values</a:t>
+            </a:r>
+          </a:p>
+          <a:p>
+            <a:r>
+              <a:rPr lang="en-US" dirty="0" smtClean="0"/>
+              <a:t>Shards (databases)</a:t>
+            </a:r>
+          </a:p>
+          <a:p>
+            <a:r>
+              <a:rPr lang="en-US" dirty="0" smtClean="0"/>
+              <a:t>Mappings</a:t>
+            </a:r>
+            <a:endParaRPr lang="en-US" dirty="0"/>
+          </a:p>
+        </p:txBody>
+      </p:sp>
+      <p:sp>
+        <p:nvSpPr>
+          <p:cNvPr id="2" name="Title 1"/>
+          <p:cNvSpPr>
+            <a:spLocks noGrp="1"/>
+          </p:cNvSpPr>
+          <p:nvPr>
+            <p:ph type="title"/>
+          </p:nvPr>
+        </p:nvSpPr>
+        <p:spPr/>
+        <p:txBody>
+          <a:bodyPr/>
+          <a:lstStyle/>
+          <a:p>
+            <a:r>
+              <a:rPr lang="en-US" dirty="0" smtClean="0"/>
+              <a:t>Shard </a:t>
+            </a:r>
+            <a:r>
+              <a:rPr lang="en-US" smtClean="0"/>
+              <a:t>Map Management</a:t>
+            </a:r>
+            <a:endParaRPr lang="en-US" dirty="0"/>
+          </a:p>
+        </p:txBody>
+      </p:sp>
+      <p:sp>
+        <p:nvSpPr>
+          <p:cNvPr id="33" name="Can 32"/>
+          <p:cNvSpPr/>
+          <p:nvPr/>
+        </p:nvSpPr>
+        <p:spPr bwMode="auto">
+          <a:xfrm>
+            <a:off x="8441674" y="1926274"/>
+            <a:ext cx="1239428" cy="1196711"/>
+          </a:xfrm>
+          <a:prstGeom prst="can">
+            <a:avLst/>
+          </a:prstGeom>
+          <a:ln w="3175">
+            <a:noFill/>
+            <a:headEnd type="none" w="med" len="med"/>
+            <a:tailEnd type="none" w="med" len="med"/>
+          </a:ln>
+        </p:spPr>
+        <p:style>
+          <a:lnRef idx="2">
+            <a:schemeClr val="accent1">
+              <a:shade val="50000"/>
+            </a:schemeClr>
+          </a:lnRef>
+          <a:fillRef idx="1">
+            <a:schemeClr val="accent1"/>
+          </a:fillRef>
+          <a:effectRef idx="0">
+            <a:schemeClr val="accent1"/>
+          </a:effectRef>
+          <a:fontRef idx="minor">
+            <a:schemeClr val="lt1"/>
+          </a:fontRef>
+        </p:style>
+        <p:txBody>
+          <a:bodyPr rot="0" spcFirstLastPara="0" vertOverflow="overflow" horzOverflow="overflow" vert="horz" wrap="square" lIns="0" tIns="46637" rIns="0" bIns="46637" numCol="1" spcCol="0" rtlCol="0" fromWordArt="0" anchor="b" anchorCtr="0" forceAA="0" compatLnSpc="1">
+            <a:prstTxWarp prst="textNoShape">
+              <a:avLst/>
+            </a:prstTxWarp>
+            <a:noAutofit/>
+          </a:bodyPr>
+          <a:lstStyle/>
+          <a:p>
+            <a:pPr algn="ctr" defTabSz="932472" fontAlgn="base">
+              <a:spcBef>
+                <a:spcPct val="0"/>
+              </a:spcBef>
+              <a:spcAft>
+                <a:spcPct val="0"/>
+              </a:spcAft>
+            </a:pPr>
+            <a:r>
+              <a:rPr lang="en-US" sz="2000" dirty="0">
+                <a:gradFill>
+                  <a:gsLst>
+                    <a:gs pos="0">
+                      <a:srgbClr val="FFFFFF"/>
+                    </a:gs>
+                    <a:gs pos="100000">
+                      <a:srgbClr val="FFFFFF"/>
+                    </a:gs>
+                  </a:gsLst>
+                  <a:lin ang="5400000" scaled="0"/>
+                </a:gradFill>
+              </a:rPr>
+              <a:t>Shard Map Manager</a:t>
+            </a:r>
+          </a:p>
+        </p:txBody>
+      </p:sp>
+      <p:sp>
+        <p:nvSpPr>
+          <p:cNvPr id="31" name="Can 30"/>
+          <p:cNvSpPr/>
+          <p:nvPr/>
+        </p:nvSpPr>
+        <p:spPr bwMode="auto">
+          <a:xfrm>
+            <a:off x="1577581" y="4945067"/>
+            <a:ext cx="999150" cy="1000857"/>
+          </a:xfrm>
+          <a:prstGeom prst="can">
+            <a:avLst/>
+          </a:prstGeom>
+          <a:solidFill>
+            <a:srgbClr val="92D050"/>
+          </a:solidFill>
+          <a:ln w="28575">
+            <a:solidFill>
+              <a:srgbClr val="00B050"/>
+            </a:solidFill>
+            <a:headEnd type="none" w="med" len="med"/>
+            <a:tailEnd type="none" w="med" len="med"/>
+          </a:ln>
+        </p:spPr>
+        <p:style>
+          <a:lnRef idx="2">
+            <a:schemeClr val="accent3">
+              <a:shade val="50000"/>
+            </a:schemeClr>
+          </a:lnRef>
+          <a:fillRef idx="1">
+            <a:schemeClr val="accent3"/>
+          </a:fillRef>
+          <a:effectRef idx="0">
+            <a:schemeClr val="accent3"/>
+          </a:effectRef>
+          <a:fontRef idx="minor">
+            <a:schemeClr val="lt1"/>
+          </a:fontRef>
+        </p:style>
+        <p:txBody>
+          <a:bodyPr vert="horz" wrap="square" lIns="0" tIns="47565" rIns="0" bIns="47565" numCol="1" rtlCol="0" anchor="ctr" anchorCtr="0" compatLnSpc="1">
+            <a:prstTxWarp prst="textNoShape">
+              <a:avLst/>
+            </a:prstTxWarp>
+          </a:bodyPr>
+          <a:lstStyle/>
+          <a:p>
+            <a:pPr algn="ctr" defTabSz="951028" fontAlgn="base">
+              <a:spcBef>
+                <a:spcPct val="0"/>
+              </a:spcBef>
+              <a:spcAft>
+                <a:spcPct val="0"/>
+              </a:spcAft>
+            </a:pPr>
+            <a:endParaRPr lang="en-US" sz="1428" dirty="0">
+              <a:solidFill>
+                <a:srgbClr val="000000"/>
+              </a:solidFill>
+            </a:endParaRPr>
+          </a:p>
+          <a:p>
+            <a:pPr algn="ctr" defTabSz="951028" fontAlgn="base">
+              <a:spcBef>
+                <a:spcPct val="0"/>
+              </a:spcBef>
+              <a:spcAft>
+                <a:spcPct val="0"/>
+              </a:spcAft>
+            </a:pPr>
+            <a:endParaRPr lang="en-US" sz="1428" dirty="0">
+              <a:solidFill>
+                <a:srgbClr val="000000"/>
+              </a:solidFill>
+            </a:endParaRPr>
+          </a:p>
+          <a:p>
+            <a:pPr algn="ctr" defTabSz="951028" fontAlgn="base">
+              <a:spcBef>
+                <a:spcPct val="0"/>
+              </a:spcBef>
+              <a:spcAft>
+                <a:spcPct val="0"/>
+              </a:spcAft>
+            </a:pPr>
+            <a:r>
+              <a:rPr lang="en-US" sz="1428" b="1" dirty="0">
+                <a:solidFill>
+                  <a:srgbClr val="000000"/>
+                </a:solidFill>
+              </a:rPr>
+              <a:t>DB</a:t>
+            </a:r>
+            <a:r>
+              <a:rPr lang="en-US" sz="1428" b="1" baseline="-25000" dirty="0">
+                <a:solidFill>
+                  <a:srgbClr val="000000"/>
+                </a:solidFill>
+              </a:rPr>
+              <a:t>1</a:t>
+            </a:r>
+          </a:p>
+          <a:p>
+            <a:pPr algn="ctr" defTabSz="951028" fontAlgn="base">
+              <a:spcBef>
+                <a:spcPct val="0"/>
+              </a:spcBef>
+              <a:spcAft>
+                <a:spcPct val="0"/>
+              </a:spcAft>
+            </a:pPr>
+            <a:r>
+              <a:rPr lang="en-US" sz="1632" baseline="-25000" dirty="0">
+                <a:solidFill>
+                  <a:srgbClr val="000000"/>
+                </a:solidFill>
+              </a:rPr>
+              <a:t>[0-100)</a:t>
+            </a:r>
+            <a:endParaRPr lang="en-US" sz="1428" baseline="-25000" dirty="0">
+              <a:solidFill>
+                <a:srgbClr val="000000"/>
+              </a:solidFill>
+            </a:endParaRPr>
+          </a:p>
+          <a:p>
+            <a:pPr algn="ctr" defTabSz="951028" fontAlgn="base">
+              <a:spcBef>
+                <a:spcPct val="0"/>
+              </a:spcBef>
+              <a:spcAft>
+                <a:spcPct val="0"/>
+              </a:spcAft>
+            </a:pPr>
+            <a:endParaRPr lang="en-US" sz="1428" baseline="-25000" dirty="0">
+              <a:solidFill>
+                <a:srgbClr val="000000"/>
+              </a:solidFill>
+            </a:endParaRPr>
+          </a:p>
+          <a:p>
+            <a:pPr algn="ctr" defTabSz="951028" fontAlgn="base">
+              <a:spcBef>
+                <a:spcPct val="0"/>
+              </a:spcBef>
+              <a:spcAft>
+                <a:spcPct val="0"/>
+              </a:spcAft>
+            </a:pPr>
+            <a:endParaRPr lang="en-US" sz="1428" baseline="-25000" dirty="0">
+              <a:solidFill>
+                <a:srgbClr val="000000"/>
+              </a:solidFill>
+            </a:endParaRPr>
+          </a:p>
+          <a:p>
+            <a:pPr algn="ctr" defTabSz="951028" fontAlgn="base">
+              <a:spcBef>
+                <a:spcPct val="0"/>
+              </a:spcBef>
+              <a:spcAft>
+                <a:spcPct val="0"/>
+              </a:spcAft>
+            </a:pPr>
+            <a:endParaRPr lang="en-US" sz="1428" baseline="-25000" dirty="0">
+              <a:solidFill>
+                <a:srgbClr val="000000"/>
+              </a:solidFill>
+            </a:endParaRPr>
+          </a:p>
+          <a:p>
+            <a:pPr algn="ctr" defTabSz="951028" fontAlgn="base">
+              <a:spcBef>
+                <a:spcPct val="0"/>
+              </a:spcBef>
+              <a:spcAft>
+                <a:spcPct val="0"/>
+              </a:spcAft>
+            </a:pPr>
+            <a:endParaRPr lang="en-US" sz="1428" baseline="-25000" dirty="0">
+              <a:solidFill>
+                <a:srgbClr val="000000"/>
+              </a:solidFill>
+            </a:endParaRPr>
+          </a:p>
+        </p:txBody>
+      </p:sp>
+      <p:sp>
+        <p:nvSpPr>
+          <p:cNvPr id="37" name="TextBox 36"/>
+          <p:cNvSpPr txBox="1"/>
+          <p:nvPr/>
+        </p:nvSpPr>
+        <p:spPr>
+          <a:xfrm>
+            <a:off x="8955777" y="5257149"/>
+            <a:ext cx="1334349" cy="382308"/>
+          </a:xfrm>
+          <a:prstGeom prst="rect">
+            <a:avLst/>
+          </a:prstGeom>
+          <a:noFill/>
+        </p:spPr>
+        <p:txBody>
+          <a:bodyPr wrap="square" rtlCol="0">
+            <a:spAutoFit/>
+          </a:bodyPr>
+          <a:lstStyle/>
+          <a:p>
+            <a:r>
+              <a:rPr lang="en-US" sz="1836" dirty="0"/>
+              <a:t>. . .</a:t>
+            </a:r>
+          </a:p>
+        </p:txBody>
+      </p:sp>
+      <p:sp>
+        <p:nvSpPr>
+          <p:cNvPr id="39" name="Can 38"/>
+          <p:cNvSpPr/>
+          <p:nvPr/>
+        </p:nvSpPr>
+        <p:spPr bwMode="auto">
+          <a:xfrm>
+            <a:off x="2807280" y="4945064"/>
+            <a:ext cx="999150" cy="1000857"/>
+          </a:xfrm>
+          <a:prstGeom prst="can">
+            <a:avLst/>
+          </a:prstGeom>
+          <a:solidFill>
+            <a:srgbClr val="92D050"/>
+          </a:solidFill>
+          <a:ln w="28575">
+            <a:solidFill>
+              <a:srgbClr val="00B050"/>
+            </a:solidFill>
+            <a:headEnd type="none" w="med" len="med"/>
+            <a:tailEnd type="none" w="med" len="med"/>
+          </a:ln>
+        </p:spPr>
+        <p:style>
+          <a:lnRef idx="2">
+            <a:schemeClr val="accent3">
+              <a:shade val="50000"/>
+            </a:schemeClr>
+          </a:lnRef>
+          <a:fillRef idx="1">
+            <a:schemeClr val="accent3"/>
+          </a:fillRef>
+          <a:effectRef idx="0">
+            <a:schemeClr val="accent3"/>
+          </a:effectRef>
+          <a:fontRef idx="minor">
+            <a:schemeClr val="lt1"/>
+          </a:fontRef>
+        </p:style>
+        <p:txBody>
+          <a:bodyPr vert="horz" wrap="square" lIns="0" tIns="47565" rIns="0" bIns="47565" numCol="1" rtlCol="0" anchor="ctr" anchorCtr="0" compatLnSpc="1">
+            <a:prstTxWarp prst="textNoShape">
+              <a:avLst/>
+            </a:prstTxWarp>
+          </a:bodyPr>
+          <a:lstStyle/>
+          <a:p>
+            <a:pPr algn="ctr" defTabSz="951028" fontAlgn="base">
+              <a:spcBef>
+                <a:spcPct val="0"/>
+              </a:spcBef>
+              <a:spcAft>
+                <a:spcPct val="0"/>
+              </a:spcAft>
+            </a:pPr>
+            <a:endParaRPr lang="en-US" sz="1428" dirty="0">
+              <a:solidFill>
+                <a:srgbClr val="000000"/>
+              </a:solidFill>
+            </a:endParaRPr>
+          </a:p>
+          <a:p>
+            <a:pPr algn="ctr" defTabSz="951028" fontAlgn="base">
+              <a:spcBef>
+                <a:spcPct val="0"/>
+              </a:spcBef>
+              <a:spcAft>
+                <a:spcPct val="0"/>
+              </a:spcAft>
+            </a:pPr>
+            <a:endParaRPr lang="en-US" sz="1428" dirty="0">
+              <a:solidFill>
+                <a:srgbClr val="000000"/>
+              </a:solidFill>
+            </a:endParaRPr>
+          </a:p>
+          <a:p>
+            <a:pPr algn="ctr" defTabSz="951028" fontAlgn="base">
+              <a:spcBef>
+                <a:spcPct val="0"/>
+              </a:spcBef>
+              <a:spcAft>
+                <a:spcPct val="0"/>
+              </a:spcAft>
+            </a:pPr>
+            <a:r>
+              <a:rPr lang="en-US" sz="1428" b="1" dirty="0">
+                <a:solidFill>
+                  <a:srgbClr val="000000"/>
+                </a:solidFill>
+              </a:rPr>
+              <a:t>DB</a:t>
+            </a:r>
+            <a:r>
+              <a:rPr lang="en-US" sz="1428" b="1" baseline="-25000" dirty="0">
+                <a:solidFill>
+                  <a:srgbClr val="000000"/>
+                </a:solidFill>
+              </a:rPr>
+              <a:t>2</a:t>
+            </a:r>
+          </a:p>
+          <a:p>
+            <a:pPr algn="ctr" defTabSz="951028" fontAlgn="base">
+              <a:spcBef>
+                <a:spcPct val="0"/>
+              </a:spcBef>
+              <a:spcAft>
+                <a:spcPct val="0"/>
+              </a:spcAft>
+            </a:pPr>
+            <a:r>
+              <a:rPr lang="en-US" sz="1632" baseline="-25000" dirty="0">
+                <a:solidFill>
+                  <a:srgbClr val="000000"/>
+                </a:solidFill>
+              </a:rPr>
+              <a:t>[100-200)</a:t>
+            </a:r>
+            <a:endParaRPr lang="en-US" sz="1428" baseline="-25000" dirty="0">
+              <a:solidFill>
+                <a:srgbClr val="000000"/>
+              </a:solidFill>
+            </a:endParaRPr>
+          </a:p>
+          <a:p>
+            <a:pPr algn="ctr" defTabSz="951028" fontAlgn="base">
+              <a:spcBef>
+                <a:spcPct val="0"/>
+              </a:spcBef>
+              <a:spcAft>
+                <a:spcPct val="0"/>
+              </a:spcAft>
+            </a:pPr>
+            <a:endParaRPr lang="en-US" sz="1428" baseline="-25000" dirty="0">
+              <a:solidFill>
+                <a:srgbClr val="000000"/>
+              </a:solidFill>
+            </a:endParaRPr>
+          </a:p>
+          <a:p>
+            <a:pPr algn="ctr" defTabSz="951028" fontAlgn="base">
+              <a:spcBef>
+                <a:spcPct val="0"/>
+              </a:spcBef>
+              <a:spcAft>
+                <a:spcPct val="0"/>
+              </a:spcAft>
+            </a:pPr>
+            <a:endParaRPr lang="en-US" sz="1428" baseline="-25000" dirty="0">
+              <a:solidFill>
+                <a:srgbClr val="000000"/>
+              </a:solidFill>
+            </a:endParaRPr>
+          </a:p>
+          <a:p>
+            <a:pPr algn="ctr" defTabSz="951028" fontAlgn="base">
+              <a:spcBef>
+                <a:spcPct val="0"/>
+              </a:spcBef>
+              <a:spcAft>
+                <a:spcPct val="0"/>
+              </a:spcAft>
+            </a:pPr>
+            <a:endParaRPr lang="en-US" sz="1428" baseline="-25000" dirty="0">
+              <a:solidFill>
+                <a:srgbClr val="000000"/>
+              </a:solidFill>
+            </a:endParaRPr>
+          </a:p>
+          <a:p>
+            <a:pPr algn="ctr" defTabSz="951028" fontAlgn="base">
+              <a:spcBef>
+                <a:spcPct val="0"/>
+              </a:spcBef>
+              <a:spcAft>
+                <a:spcPct val="0"/>
+              </a:spcAft>
+            </a:pPr>
+            <a:endParaRPr lang="en-US" sz="1428" baseline="-25000" dirty="0">
+              <a:solidFill>
+                <a:srgbClr val="000000"/>
+              </a:solidFill>
+            </a:endParaRPr>
+          </a:p>
+        </p:txBody>
+      </p:sp>
+      <p:sp>
+        <p:nvSpPr>
+          <p:cNvPr id="40" name="Can 39"/>
+          <p:cNvSpPr/>
+          <p:nvPr/>
+        </p:nvSpPr>
+        <p:spPr bwMode="auto">
+          <a:xfrm>
+            <a:off x="4036980" y="4945064"/>
+            <a:ext cx="999150" cy="1000857"/>
+          </a:xfrm>
+          <a:prstGeom prst="can">
+            <a:avLst/>
+          </a:prstGeom>
+          <a:solidFill>
+            <a:srgbClr val="92D050"/>
+          </a:solidFill>
+          <a:ln w="28575">
+            <a:solidFill>
+              <a:srgbClr val="00B050"/>
+            </a:solidFill>
+            <a:headEnd type="none" w="med" len="med"/>
+            <a:tailEnd type="none" w="med" len="med"/>
+          </a:ln>
+        </p:spPr>
+        <p:style>
+          <a:lnRef idx="2">
+            <a:schemeClr val="accent3">
+              <a:shade val="50000"/>
+            </a:schemeClr>
+          </a:lnRef>
+          <a:fillRef idx="1">
+            <a:schemeClr val="accent3"/>
+          </a:fillRef>
+          <a:effectRef idx="0">
+            <a:schemeClr val="accent3"/>
+          </a:effectRef>
+          <a:fontRef idx="minor">
+            <a:schemeClr val="lt1"/>
+          </a:fontRef>
+        </p:style>
+        <p:txBody>
+          <a:bodyPr vert="horz" wrap="square" lIns="0" tIns="47565" rIns="0" bIns="47565" numCol="1" rtlCol="0" anchor="ctr" anchorCtr="0" compatLnSpc="1">
+            <a:prstTxWarp prst="textNoShape">
+              <a:avLst/>
+            </a:prstTxWarp>
+          </a:bodyPr>
+          <a:lstStyle/>
+          <a:p>
+            <a:pPr algn="ctr" defTabSz="951028" fontAlgn="base">
+              <a:spcBef>
+                <a:spcPct val="0"/>
+              </a:spcBef>
+              <a:spcAft>
+                <a:spcPct val="0"/>
+              </a:spcAft>
+            </a:pPr>
+            <a:endParaRPr lang="en-US" sz="1428" dirty="0">
+              <a:solidFill>
+                <a:srgbClr val="000000"/>
+              </a:solidFill>
+            </a:endParaRPr>
+          </a:p>
+          <a:p>
+            <a:pPr algn="ctr" defTabSz="951028" fontAlgn="base">
+              <a:spcBef>
+                <a:spcPct val="0"/>
+              </a:spcBef>
+              <a:spcAft>
+                <a:spcPct val="0"/>
+              </a:spcAft>
+            </a:pPr>
+            <a:endParaRPr lang="en-US" sz="1428" dirty="0">
+              <a:solidFill>
+                <a:srgbClr val="000000"/>
+              </a:solidFill>
+            </a:endParaRPr>
+          </a:p>
+          <a:p>
+            <a:pPr algn="ctr" defTabSz="951028" fontAlgn="base">
+              <a:spcBef>
+                <a:spcPct val="0"/>
+              </a:spcBef>
+              <a:spcAft>
+                <a:spcPct val="0"/>
+              </a:spcAft>
+            </a:pPr>
+            <a:r>
+              <a:rPr lang="en-US" sz="1428" b="1" dirty="0">
+                <a:solidFill>
+                  <a:srgbClr val="000000"/>
+                </a:solidFill>
+              </a:rPr>
+              <a:t>DB</a:t>
+            </a:r>
+            <a:r>
+              <a:rPr lang="en-US" sz="1428" b="1" baseline="-25000" dirty="0">
+                <a:solidFill>
+                  <a:srgbClr val="000000"/>
+                </a:solidFill>
+              </a:rPr>
+              <a:t>3</a:t>
+            </a:r>
+          </a:p>
+          <a:p>
+            <a:pPr algn="ctr" defTabSz="951028" fontAlgn="base">
+              <a:spcBef>
+                <a:spcPct val="0"/>
+              </a:spcBef>
+              <a:spcAft>
+                <a:spcPct val="0"/>
+              </a:spcAft>
+            </a:pPr>
+            <a:r>
+              <a:rPr lang="en-US" sz="1632" baseline="-25000" dirty="0">
+                <a:solidFill>
+                  <a:srgbClr val="000000"/>
+                </a:solidFill>
+              </a:rPr>
+              <a:t>[200-300)</a:t>
+            </a:r>
+            <a:endParaRPr lang="en-US" sz="1428" baseline="-25000" dirty="0">
+              <a:solidFill>
+                <a:srgbClr val="000000"/>
+              </a:solidFill>
+            </a:endParaRPr>
+          </a:p>
+          <a:p>
+            <a:pPr algn="ctr" defTabSz="951028" fontAlgn="base">
+              <a:spcBef>
+                <a:spcPct val="0"/>
+              </a:spcBef>
+              <a:spcAft>
+                <a:spcPct val="0"/>
+              </a:spcAft>
+            </a:pPr>
+            <a:endParaRPr lang="en-US" sz="1428" baseline="-25000" dirty="0">
+              <a:solidFill>
+                <a:srgbClr val="000000"/>
+              </a:solidFill>
+            </a:endParaRPr>
+          </a:p>
+          <a:p>
+            <a:pPr algn="ctr" defTabSz="951028" fontAlgn="base">
+              <a:spcBef>
+                <a:spcPct val="0"/>
+              </a:spcBef>
+              <a:spcAft>
+                <a:spcPct val="0"/>
+              </a:spcAft>
+            </a:pPr>
+            <a:endParaRPr lang="en-US" sz="1428" baseline="-25000" dirty="0">
+              <a:solidFill>
+                <a:srgbClr val="000000"/>
+              </a:solidFill>
+            </a:endParaRPr>
+          </a:p>
+          <a:p>
+            <a:pPr algn="ctr" defTabSz="951028" fontAlgn="base">
+              <a:spcBef>
+                <a:spcPct val="0"/>
+              </a:spcBef>
+              <a:spcAft>
+                <a:spcPct val="0"/>
+              </a:spcAft>
+            </a:pPr>
+            <a:endParaRPr lang="en-US" sz="1428" baseline="-25000" dirty="0">
+              <a:solidFill>
+                <a:srgbClr val="000000"/>
+              </a:solidFill>
+            </a:endParaRPr>
+          </a:p>
+          <a:p>
+            <a:pPr algn="ctr" defTabSz="951028" fontAlgn="base">
+              <a:spcBef>
+                <a:spcPct val="0"/>
+              </a:spcBef>
+              <a:spcAft>
+                <a:spcPct val="0"/>
+              </a:spcAft>
+            </a:pPr>
+            <a:endParaRPr lang="en-US" sz="1428" baseline="-25000" dirty="0">
+              <a:solidFill>
+                <a:srgbClr val="000000"/>
+              </a:solidFill>
+            </a:endParaRPr>
+          </a:p>
+        </p:txBody>
+      </p:sp>
+      <p:sp>
+        <p:nvSpPr>
+          <p:cNvPr id="41" name="Can 40"/>
+          <p:cNvSpPr/>
+          <p:nvPr/>
+        </p:nvSpPr>
+        <p:spPr bwMode="auto">
+          <a:xfrm>
+            <a:off x="5266679" y="4945064"/>
+            <a:ext cx="999150" cy="1000857"/>
+          </a:xfrm>
+          <a:prstGeom prst="can">
+            <a:avLst/>
+          </a:prstGeom>
+          <a:solidFill>
+            <a:srgbClr val="92D050"/>
+          </a:solidFill>
+          <a:ln w="28575">
+            <a:solidFill>
+              <a:srgbClr val="00B050"/>
+            </a:solidFill>
+            <a:headEnd type="none" w="med" len="med"/>
+            <a:tailEnd type="none" w="med" len="med"/>
+          </a:ln>
+        </p:spPr>
+        <p:style>
+          <a:lnRef idx="2">
+            <a:schemeClr val="accent3">
+              <a:shade val="50000"/>
+            </a:schemeClr>
+          </a:lnRef>
+          <a:fillRef idx="1">
+            <a:schemeClr val="accent3"/>
+          </a:fillRef>
+          <a:effectRef idx="0">
+            <a:schemeClr val="accent3"/>
+          </a:effectRef>
+          <a:fontRef idx="minor">
+            <a:schemeClr val="lt1"/>
+          </a:fontRef>
+        </p:style>
+        <p:txBody>
+          <a:bodyPr vert="horz" wrap="square" lIns="0" tIns="47565" rIns="0" bIns="47565" numCol="1" rtlCol="0" anchor="ctr" anchorCtr="0" compatLnSpc="1">
+            <a:prstTxWarp prst="textNoShape">
+              <a:avLst/>
+            </a:prstTxWarp>
+          </a:bodyPr>
+          <a:lstStyle/>
+          <a:p>
+            <a:pPr algn="ctr" defTabSz="951028" fontAlgn="base">
+              <a:spcBef>
+                <a:spcPct val="0"/>
+              </a:spcBef>
+              <a:spcAft>
+                <a:spcPct val="0"/>
+              </a:spcAft>
+            </a:pPr>
+            <a:endParaRPr lang="en-US" sz="1428" dirty="0">
+              <a:solidFill>
+                <a:srgbClr val="000000"/>
+              </a:solidFill>
+            </a:endParaRPr>
+          </a:p>
+          <a:p>
+            <a:pPr algn="ctr" defTabSz="951028" fontAlgn="base">
+              <a:spcBef>
+                <a:spcPct val="0"/>
+              </a:spcBef>
+              <a:spcAft>
+                <a:spcPct val="0"/>
+              </a:spcAft>
+            </a:pPr>
+            <a:endParaRPr lang="en-US" sz="1428" dirty="0">
+              <a:solidFill>
+                <a:srgbClr val="000000"/>
+              </a:solidFill>
+            </a:endParaRPr>
+          </a:p>
+          <a:p>
+            <a:pPr algn="ctr" defTabSz="951028" fontAlgn="base">
+              <a:spcBef>
+                <a:spcPct val="0"/>
+              </a:spcBef>
+              <a:spcAft>
+                <a:spcPct val="0"/>
+              </a:spcAft>
+            </a:pPr>
+            <a:r>
+              <a:rPr lang="en-US" sz="1428" b="1" dirty="0">
+                <a:solidFill>
+                  <a:srgbClr val="000000"/>
+                </a:solidFill>
+              </a:rPr>
+              <a:t>DB</a:t>
+            </a:r>
+            <a:r>
+              <a:rPr lang="en-US" sz="1428" b="1" baseline="-25000" dirty="0">
+                <a:solidFill>
+                  <a:srgbClr val="000000"/>
+                </a:solidFill>
+              </a:rPr>
+              <a:t>4</a:t>
+            </a:r>
+          </a:p>
+          <a:p>
+            <a:pPr algn="ctr" defTabSz="951028" fontAlgn="base">
+              <a:spcBef>
+                <a:spcPct val="0"/>
+              </a:spcBef>
+              <a:spcAft>
+                <a:spcPct val="0"/>
+              </a:spcAft>
+            </a:pPr>
+            <a:r>
+              <a:rPr lang="en-US" sz="1632" baseline="-25000" dirty="0">
+                <a:solidFill>
+                  <a:srgbClr val="000000"/>
+                </a:solidFill>
+              </a:rPr>
+              <a:t>[300-400)</a:t>
+            </a:r>
+            <a:endParaRPr lang="en-US" sz="1428" baseline="-25000" dirty="0">
+              <a:solidFill>
+                <a:srgbClr val="000000"/>
+              </a:solidFill>
+            </a:endParaRPr>
+          </a:p>
+          <a:p>
+            <a:pPr algn="ctr" defTabSz="951028" fontAlgn="base">
+              <a:spcBef>
+                <a:spcPct val="0"/>
+              </a:spcBef>
+              <a:spcAft>
+                <a:spcPct val="0"/>
+              </a:spcAft>
+            </a:pPr>
+            <a:endParaRPr lang="en-US" sz="1428" baseline="-25000" dirty="0">
+              <a:solidFill>
+                <a:srgbClr val="000000"/>
+              </a:solidFill>
+            </a:endParaRPr>
+          </a:p>
+          <a:p>
+            <a:pPr algn="ctr" defTabSz="951028" fontAlgn="base">
+              <a:spcBef>
+                <a:spcPct val="0"/>
+              </a:spcBef>
+              <a:spcAft>
+                <a:spcPct val="0"/>
+              </a:spcAft>
+            </a:pPr>
+            <a:endParaRPr lang="en-US" sz="1428" baseline="-25000" dirty="0">
+              <a:solidFill>
+                <a:srgbClr val="000000"/>
+              </a:solidFill>
+            </a:endParaRPr>
+          </a:p>
+          <a:p>
+            <a:pPr algn="ctr" defTabSz="951028" fontAlgn="base">
+              <a:spcBef>
+                <a:spcPct val="0"/>
+              </a:spcBef>
+              <a:spcAft>
+                <a:spcPct val="0"/>
+              </a:spcAft>
+            </a:pPr>
+            <a:endParaRPr lang="en-US" sz="1428" baseline="-25000" dirty="0">
+              <a:solidFill>
+                <a:srgbClr val="000000"/>
+              </a:solidFill>
+            </a:endParaRPr>
+          </a:p>
+          <a:p>
+            <a:pPr algn="ctr" defTabSz="951028" fontAlgn="base">
+              <a:spcBef>
+                <a:spcPct val="0"/>
+              </a:spcBef>
+              <a:spcAft>
+                <a:spcPct val="0"/>
+              </a:spcAft>
+            </a:pPr>
+            <a:endParaRPr lang="en-US" sz="1428" baseline="-25000" dirty="0">
+              <a:solidFill>
+                <a:srgbClr val="000000"/>
+              </a:solidFill>
+            </a:endParaRPr>
+          </a:p>
+        </p:txBody>
+      </p:sp>
+      <p:sp>
+        <p:nvSpPr>
+          <p:cNvPr id="42" name="Can 41"/>
+          <p:cNvSpPr/>
+          <p:nvPr/>
+        </p:nvSpPr>
+        <p:spPr bwMode="auto">
+          <a:xfrm>
+            <a:off x="6496378" y="4945063"/>
+            <a:ext cx="999150" cy="1000857"/>
+          </a:xfrm>
+          <a:prstGeom prst="can">
+            <a:avLst/>
+          </a:prstGeom>
+          <a:solidFill>
+            <a:srgbClr val="92D050"/>
+          </a:solidFill>
+          <a:ln w="28575">
+            <a:solidFill>
+              <a:srgbClr val="00B050"/>
+            </a:solidFill>
+            <a:headEnd type="none" w="med" len="med"/>
+            <a:tailEnd type="none" w="med" len="med"/>
+          </a:ln>
+        </p:spPr>
+        <p:style>
+          <a:lnRef idx="2">
+            <a:schemeClr val="accent3">
+              <a:shade val="50000"/>
+            </a:schemeClr>
+          </a:lnRef>
+          <a:fillRef idx="1">
+            <a:schemeClr val="accent3"/>
+          </a:fillRef>
+          <a:effectRef idx="0">
+            <a:schemeClr val="accent3"/>
+          </a:effectRef>
+          <a:fontRef idx="minor">
+            <a:schemeClr val="lt1"/>
+          </a:fontRef>
+        </p:style>
+        <p:txBody>
+          <a:bodyPr vert="horz" wrap="square" lIns="0" tIns="47565" rIns="0" bIns="47565" numCol="1" rtlCol="0" anchor="ctr" anchorCtr="0" compatLnSpc="1">
+            <a:prstTxWarp prst="textNoShape">
+              <a:avLst/>
+            </a:prstTxWarp>
+          </a:bodyPr>
+          <a:lstStyle/>
+          <a:p>
+            <a:pPr algn="ctr" defTabSz="951028" fontAlgn="base">
+              <a:spcBef>
+                <a:spcPct val="0"/>
+              </a:spcBef>
+              <a:spcAft>
+                <a:spcPct val="0"/>
+              </a:spcAft>
+            </a:pPr>
+            <a:endParaRPr lang="en-US" sz="1428" dirty="0">
+              <a:solidFill>
+                <a:srgbClr val="000000"/>
+              </a:solidFill>
+            </a:endParaRPr>
+          </a:p>
+          <a:p>
+            <a:pPr algn="ctr" defTabSz="951028" fontAlgn="base">
+              <a:spcBef>
+                <a:spcPct val="0"/>
+              </a:spcBef>
+              <a:spcAft>
+                <a:spcPct val="0"/>
+              </a:spcAft>
+            </a:pPr>
+            <a:endParaRPr lang="en-US" sz="1428" dirty="0">
+              <a:solidFill>
+                <a:srgbClr val="000000"/>
+              </a:solidFill>
+            </a:endParaRPr>
+          </a:p>
+          <a:p>
+            <a:pPr algn="ctr" defTabSz="951028" fontAlgn="base">
+              <a:spcBef>
+                <a:spcPct val="0"/>
+              </a:spcBef>
+              <a:spcAft>
+                <a:spcPct val="0"/>
+              </a:spcAft>
+            </a:pPr>
+            <a:r>
+              <a:rPr lang="en-US" sz="1428" b="1" dirty="0">
+                <a:solidFill>
+                  <a:srgbClr val="000000"/>
+                </a:solidFill>
+              </a:rPr>
+              <a:t>DB</a:t>
+            </a:r>
+            <a:r>
+              <a:rPr lang="en-US" sz="1428" b="1" baseline="-25000" dirty="0">
+                <a:solidFill>
+                  <a:srgbClr val="000000"/>
+                </a:solidFill>
+              </a:rPr>
+              <a:t>5</a:t>
+            </a:r>
+          </a:p>
+          <a:p>
+            <a:pPr algn="ctr" defTabSz="951028" fontAlgn="base">
+              <a:spcBef>
+                <a:spcPct val="0"/>
+              </a:spcBef>
+              <a:spcAft>
+                <a:spcPct val="0"/>
+              </a:spcAft>
+            </a:pPr>
+            <a:r>
+              <a:rPr lang="en-US" sz="1632" baseline="-25000" dirty="0">
+                <a:solidFill>
+                  <a:srgbClr val="000000"/>
+                </a:solidFill>
+              </a:rPr>
+              <a:t>[400-500)</a:t>
+            </a:r>
+            <a:endParaRPr lang="en-US" sz="1428" baseline="-25000" dirty="0">
+              <a:solidFill>
+                <a:srgbClr val="000000"/>
+              </a:solidFill>
+            </a:endParaRPr>
+          </a:p>
+          <a:p>
+            <a:pPr algn="ctr" defTabSz="951028" fontAlgn="base">
+              <a:spcBef>
+                <a:spcPct val="0"/>
+              </a:spcBef>
+              <a:spcAft>
+                <a:spcPct val="0"/>
+              </a:spcAft>
+            </a:pPr>
+            <a:endParaRPr lang="en-US" sz="1428" baseline="-25000" dirty="0">
+              <a:solidFill>
+                <a:srgbClr val="000000"/>
+              </a:solidFill>
+            </a:endParaRPr>
+          </a:p>
+          <a:p>
+            <a:pPr algn="ctr" defTabSz="951028" fontAlgn="base">
+              <a:spcBef>
+                <a:spcPct val="0"/>
+              </a:spcBef>
+              <a:spcAft>
+                <a:spcPct val="0"/>
+              </a:spcAft>
+            </a:pPr>
+            <a:endParaRPr lang="en-US" sz="1428" baseline="-25000" dirty="0">
+              <a:solidFill>
+                <a:srgbClr val="000000"/>
+              </a:solidFill>
+            </a:endParaRPr>
+          </a:p>
+          <a:p>
+            <a:pPr algn="ctr" defTabSz="951028" fontAlgn="base">
+              <a:spcBef>
+                <a:spcPct val="0"/>
+              </a:spcBef>
+              <a:spcAft>
+                <a:spcPct val="0"/>
+              </a:spcAft>
+            </a:pPr>
+            <a:endParaRPr lang="en-US" sz="1428" baseline="-25000" dirty="0">
+              <a:solidFill>
+                <a:srgbClr val="000000"/>
+              </a:solidFill>
+            </a:endParaRPr>
+          </a:p>
+          <a:p>
+            <a:pPr algn="ctr" defTabSz="951028" fontAlgn="base">
+              <a:spcBef>
+                <a:spcPct val="0"/>
+              </a:spcBef>
+              <a:spcAft>
+                <a:spcPct val="0"/>
+              </a:spcAft>
+            </a:pPr>
+            <a:endParaRPr lang="en-US" sz="1428" baseline="-25000" dirty="0">
+              <a:solidFill>
+                <a:srgbClr val="000000"/>
+              </a:solidFill>
+            </a:endParaRPr>
+          </a:p>
+        </p:txBody>
+      </p:sp>
+      <p:sp>
+        <p:nvSpPr>
+          <p:cNvPr id="43" name="Can 42"/>
+          <p:cNvSpPr/>
+          <p:nvPr/>
+        </p:nvSpPr>
+        <p:spPr bwMode="auto">
+          <a:xfrm>
+            <a:off x="7726077" y="4945063"/>
+            <a:ext cx="999150" cy="1000857"/>
+          </a:xfrm>
+          <a:prstGeom prst="can">
+            <a:avLst/>
+          </a:prstGeom>
+          <a:solidFill>
+            <a:srgbClr val="92D050"/>
+          </a:solidFill>
+          <a:ln w="28575">
+            <a:solidFill>
+              <a:srgbClr val="00B050"/>
+            </a:solidFill>
+            <a:headEnd type="none" w="med" len="med"/>
+            <a:tailEnd type="none" w="med" len="med"/>
+          </a:ln>
+        </p:spPr>
+        <p:style>
+          <a:lnRef idx="2">
+            <a:schemeClr val="accent3">
+              <a:shade val="50000"/>
+            </a:schemeClr>
+          </a:lnRef>
+          <a:fillRef idx="1">
+            <a:schemeClr val="accent3"/>
+          </a:fillRef>
+          <a:effectRef idx="0">
+            <a:schemeClr val="accent3"/>
+          </a:effectRef>
+          <a:fontRef idx="minor">
+            <a:schemeClr val="lt1"/>
+          </a:fontRef>
+        </p:style>
+        <p:txBody>
+          <a:bodyPr vert="horz" wrap="square" lIns="0" tIns="47565" rIns="0" bIns="47565" numCol="1" rtlCol="0" anchor="ctr" anchorCtr="0" compatLnSpc="1">
+            <a:prstTxWarp prst="textNoShape">
+              <a:avLst/>
+            </a:prstTxWarp>
+          </a:bodyPr>
+          <a:lstStyle/>
+          <a:p>
+            <a:pPr algn="ctr" defTabSz="951028" fontAlgn="base">
+              <a:spcBef>
+                <a:spcPct val="0"/>
+              </a:spcBef>
+              <a:spcAft>
+                <a:spcPct val="0"/>
+              </a:spcAft>
+            </a:pPr>
+            <a:endParaRPr lang="en-US" sz="1428" dirty="0">
+              <a:solidFill>
+                <a:srgbClr val="000000"/>
+              </a:solidFill>
+            </a:endParaRPr>
+          </a:p>
+          <a:p>
+            <a:pPr algn="ctr" defTabSz="951028" fontAlgn="base">
+              <a:spcBef>
+                <a:spcPct val="0"/>
+              </a:spcBef>
+              <a:spcAft>
+                <a:spcPct val="0"/>
+              </a:spcAft>
+            </a:pPr>
+            <a:endParaRPr lang="en-US" sz="1428" dirty="0">
+              <a:solidFill>
+                <a:srgbClr val="000000"/>
+              </a:solidFill>
+            </a:endParaRPr>
+          </a:p>
+          <a:p>
+            <a:pPr algn="ctr" defTabSz="951028" fontAlgn="base">
+              <a:spcBef>
+                <a:spcPct val="0"/>
+              </a:spcBef>
+              <a:spcAft>
+                <a:spcPct val="0"/>
+              </a:spcAft>
+            </a:pPr>
+            <a:r>
+              <a:rPr lang="en-US" sz="1428" b="1" dirty="0" smtClean="0">
+                <a:solidFill>
+                  <a:srgbClr val="000000"/>
+                </a:solidFill>
+              </a:rPr>
+              <a:t>DB</a:t>
+            </a:r>
+            <a:r>
+              <a:rPr lang="en-US" sz="1428" b="1" baseline="-25000" dirty="0" smtClean="0">
+                <a:solidFill>
+                  <a:srgbClr val="000000"/>
+                </a:solidFill>
+              </a:rPr>
+              <a:t>6</a:t>
+            </a:r>
+            <a:endParaRPr lang="en-US" sz="1428" b="1" baseline="-25000" dirty="0">
+              <a:solidFill>
+                <a:srgbClr val="000000"/>
+              </a:solidFill>
+            </a:endParaRPr>
+          </a:p>
+          <a:p>
+            <a:pPr algn="ctr" defTabSz="951028" fontAlgn="base">
+              <a:spcBef>
+                <a:spcPct val="0"/>
+              </a:spcBef>
+              <a:spcAft>
+                <a:spcPct val="0"/>
+              </a:spcAft>
+            </a:pPr>
+            <a:r>
+              <a:rPr lang="en-US" sz="1632" baseline="-25000" dirty="0">
+                <a:solidFill>
+                  <a:srgbClr val="000000"/>
+                </a:solidFill>
+              </a:rPr>
+              <a:t>[500-600)</a:t>
+            </a:r>
+            <a:endParaRPr lang="en-US" sz="1428" baseline="-25000" dirty="0">
+              <a:solidFill>
+                <a:srgbClr val="000000"/>
+              </a:solidFill>
+            </a:endParaRPr>
+          </a:p>
+          <a:p>
+            <a:pPr algn="ctr" defTabSz="951028" fontAlgn="base">
+              <a:spcBef>
+                <a:spcPct val="0"/>
+              </a:spcBef>
+              <a:spcAft>
+                <a:spcPct val="0"/>
+              </a:spcAft>
+            </a:pPr>
+            <a:endParaRPr lang="en-US" sz="1428" baseline="-25000" dirty="0">
+              <a:solidFill>
+                <a:srgbClr val="000000"/>
+              </a:solidFill>
+            </a:endParaRPr>
+          </a:p>
+          <a:p>
+            <a:pPr algn="ctr" defTabSz="951028" fontAlgn="base">
+              <a:spcBef>
+                <a:spcPct val="0"/>
+              </a:spcBef>
+              <a:spcAft>
+                <a:spcPct val="0"/>
+              </a:spcAft>
+            </a:pPr>
+            <a:endParaRPr lang="en-US" sz="1428" baseline="-25000" dirty="0">
+              <a:solidFill>
+                <a:srgbClr val="000000"/>
+              </a:solidFill>
+            </a:endParaRPr>
+          </a:p>
+          <a:p>
+            <a:pPr algn="ctr" defTabSz="951028" fontAlgn="base">
+              <a:spcBef>
+                <a:spcPct val="0"/>
+              </a:spcBef>
+              <a:spcAft>
+                <a:spcPct val="0"/>
+              </a:spcAft>
+            </a:pPr>
+            <a:endParaRPr lang="en-US" sz="1428" baseline="-25000" dirty="0">
+              <a:solidFill>
+                <a:srgbClr val="000000"/>
+              </a:solidFill>
+            </a:endParaRPr>
+          </a:p>
+          <a:p>
+            <a:pPr algn="ctr" defTabSz="951028" fontAlgn="base">
+              <a:spcBef>
+                <a:spcPct val="0"/>
+              </a:spcBef>
+              <a:spcAft>
+                <a:spcPct val="0"/>
+              </a:spcAft>
+            </a:pPr>
+            <a:endParaRPr lang="en-US" sz="1428" baseline="-25000" dirty="0">
+              <a:solidFill>
+                <a:srgbClr val="000000"/>
+              </a:solidFill>
+            </a:endParaRPr>
+          </a:p>
+        </p:txBody>
+      </p:sp>
+      <p:sp>
+        <p:nvSpPr>
+          <p:cNvPr id="44" name="Can 43"/>
+          <p:cNvSpPr/>
+          <p:nvPr/>
+        </p:nvSpPr>
+        <p:spPr bwMode="auto">
+          <a:xfrm>
+            <a:off x="9521524" y="4945062"/>
+            <a:ext cx="999150" cy="1000857"/>
+          </a:xfrm>
+          <a:prstGeom prst="can">
+            <a:avLst/>
+          </a:prstGeom>
+          <a:solidFill>
+            <a:srgbClr val="92D050"/>
+          </a:solidFill>
+          <a:ln w="28575">
+            <a:solidFill>
+              <a:srgbClr val="00B050"/>
+            </a:solidFill>
+            <a:headEnd type="none" w="med" len="med"/>
+            <a:tailEnd type="none" w="med" len="med"/>
+          </a:ln>
+        </p:spPr>
+        <p:style>
+          <a:lnRef idx="2">
+            <a:schemeClr val="accent3">
+              <a:shade val="50000"/>
+            </a:schemeClr>
+          </a:lnRef>
+          <a:fillRef idx="1">
+            <a:schemeClr val="accent3"/>
+          </a:fillRef>
+          <a:effectRef idx="0">
+            <a:schemeClr val="accent3"/>
+          </a:effectRef>
+          <a:fontRef idx="minor">
+            <a:schemeClr val="lt1"/>
+          </a:fontRef>
+        </p:style>
+        <p:txBody>
+          <a:bodyPr vert="horz" wrap="square" lIns="0" tIns="47565" rIns="0" bIns="47565" numCol="1" rtlCol="0" anchor="ctr" anchorCtr="0" compatLnSpc="1">
+            <a:prstTxWarp prst="textNoShape">
+              <a:avLst/>
+            </a:prstTxWarp>
+          </a:bodyPr>
+          <a:lstStyle/>
+          <a:p>
+            <a:pPr algn="ctr" defTabSz="951028" fontAlgn="base">
+              <a:spcBef>
+                <a:spcPct val="0"/>
+              </a:spcBef>
+              <a:spcAft>
+                <a:spcPct val="0"/>
+              </a:spcAft>
+            </a:pPr>
+            <a:endParaRPr lang="en-US" sz="1428" dirty="0">
+              <a:solidFill>
+                <a:srgbClr val="000000"/>
+              </a:solidFill>
+            </a:endParaRPr>
+          </a:p>
+          <a:p>
+            <a:pPr algn="ctr" defTabSz="951028" fontAlgn="base">
+              <a:spcBef>
+                <a:spcPct val="0"/>
+              </a:spcBef>
+              <a:spcAft>
+                <a:spcPct val="0"/>
+              </a:spcAft>
+            </a:pPr>
+            <a:endParaRPr lang="en-US" sz="1428" dirty="0">
+              <a:solidFill>
+                <a:srgbClr val="000000"/>
+              </a:solidFill>
+            </a:endParaRPr>
+          </a:p>
+          <a:p>
+            <a:pPr algn="ctr" defTabSz="951028" fontAlgn="base">
+              <a:spcBef>
+                <a:spcPct val="0"/>
+              </a:spcBef>
+              <a:spcAft>
+                <a:spcPct val="0"/>
+              </a:spcAft>
+            </a:pPr>
+            <a:r>
+              <a:rPr lang="en-US" sz="1428" b="1" dirty="0" err="1">
+                <a:solidFill>
+                  <a:srgbClr val="000000"/>
+                </a:solidFill>
+              </a:rPr>
+              <a:t>DB</a:t>
+            </a:r>
+            <a:r>
+              <a:rPr lang="en-US" sz="1428" b="1" baseline="-25000" dirty="0" err="1">
+                <a:solidFill>
+                  <a:srgbClr val="000000"/>
+                </a:solidFill>
+              </a:rPr>
+              <a:t>n</a:t>
+            </a:r>
+            <a:endParaRPr lang="en-US" sz="1428" b="1" baseline="-25000" dirty="0">
+              <a:solidFill>
+                <a:srgbClr val="000000"/>
+              </a:solidFill>
+            </a:endParaRPr>
+          </a:p>
+          <a:p>
+            <a:pPr algn="ctr" defTabSz="951028" fontAlgn="base">
+              <a:spcBef>
+                <a:spcPct val="0"/>
+              </a:spcBef>
+              <a:spcAft>
+                <a:spcPct val="0"/>
+              </a:spcAft>
+            </a:pPr>
+            <a:r>
+              <a:rPr lang="en-US" sz="1632" baseline="-25000" dirty="0">
+                <a:solidFill>
+                  <a:srgbClr val="000000"/>
+                </a:solidFill>
+              </a:rPr>
+              <a:t>[n-n+100)</a:t>
+            </a:r>
+            <a:endParaRPr lang="en-US" sz="1428" baseline="-25000" dirty="0">
+              <a:solidFill>
+                <a:srgbClr val="000000"/>
+              </a:solidFill>
+            </a:endParaRPr>
+          </a:p>
+          <a:p>
+            <a:pPr algn="ctr" defTabSz="951028" fontAlgn="base">
+              <a:spcBef>
+                <a:spcPct val="0"/>
+              </a:spcBef>
+              <a:spcAft>
+                <a:spcPct val="0"/>
+              </a:spcAft>
+            </a:pPr>
+            <a:endParaRPr lang="en-US" sz="1428" baseline="-25000" dirty="0">
+              <a:solidFill>
+                <a:srgbClr val="000000"/>
+              </a:solidFill>
+            </a:endParaRPr>
+          </a:p>
+          <a:p>
+            <a:pPr algn="ctr" defTabSz="951028" fontAlgn="base">
+              <a:spcBef>
+                <a:spcPct val="0"/>
+              </a:spcBef>
+              <a:spcAft>
+                <a:spcPct val="0"/>
+              </a:spcAft>
+            </a:pPr>
+            <a:endParaRPr lang="en-US" sz="1428" baseline="-25000" dirty="0">
+              <a:solidFill>
+                <a:srgbClr val="000000"/>
+              </a:solidFill>
+            </a:endParaRPr>
+          </a:p>
+          <a:p>
+            <a:pPr algn="ctr" defTabSz="951028" fontAlgn="base">
+              <a:spcBef>
+                <a:spcPct val="0"/>
+              </a:spcBef>
+              <a:spcAft>
+                <a:spcPct val="0"/>
+              </a:spcAft>
+            </a:pPr>
+            <a:endParaRPr lang="en-US" sz="1428" baseline="-25000" dirty="0">
+              <a:solidFill>
+                <a:srgbClr val="000000"/>
+              </a:solidFill>
+            </a:endParaRPr>
+          </a:p>
+          <a:p>
+            <a:pPr algn="ctr" defTabSz="951028" fontAlgn="base">
+              <a:spcBef>
+                <a:spcPct val="0"/>
+              </a:spcBef>
+              <a:spcAft>
+                <a:spcPct val="0"/>
+              </a:spcAft>
+            </a:pPr>
+            <a:endParaRPr lang="en-US" sz="1428" baseline="-25000" dirty="0">
+              <a:solidFill>
+                <a:srgbClr val="000000"/>
+              </a:solidFill>
+            </a:endParaRPr>
+          </a:p>
+        </p:txBody>
+      </p:sp>
+    </p:spTree>
+    <p:extLst>
+      <p:ext uri="{BB962C8B-B14F-4D97-AF65-F5344CB8AC3E}">
+        <p14:creationId xmlns:p14="http://schemas.microsoft.com/office/powerpoint/2010/main" val="3550277690"/>
+      </p:ext>
+    </p:extLst>
+  </p:cSld>
+  <p:clrMapOvr>
+    <a:masterClrMapping/>
+  </p:clrMapOvr>
+  <p:transition>
+    <p:fade/>
+  </p:transition>
+  <p:timing>
+    <p:tnLst>
+      <p:par>
+        <p:cTn id="1" dur="indefinite" restart="never" nodeType="tmRoot"/>
+      </p:par>
+    </p:tnLst>
+  </p:timing>
+</p:sld>
+</file>
+
+<file path=ppt/slides/slide24.xml><?xml version="1.0" encoding="utf-8"?>
+<p:sld xmlns:a="http://schemas.openxmlformats.org/drawingml/2006/main" xmlns:r="http://schemas.openxmlformats.org/officeDocument/2006/relationships" xmlns:p="http://schemas.openxmlformats.org/presentationml/2006/main">
+  <p:cSld>
+    <p:spTree>
+      <p:nvGrpSpPr>
+        <p:cNvPr id="1" name=""/>
+        <p:cNvGrpSpPr/>
+        <p:nvPr/>
+      </p:nvGrpSpPr>
+      <p:grpSpPr>
+        <a:xfrm>
+          <a:off x="0" y="0"/>
+          <a:ext cx="0" cy="0"/>
+          <a:chOff x="0" y="0"/>
+          <a:chExt cx="0" cy="0"/>
+        </a:xfrm>
+      </p:grpSpPr>
+      <p:sp>
+        <p:nvSpPr>
+          <p:cNvPr id="2" name="Text Placeholder 1"/>
+          <p:cNvSpPr>
+            <a:spLocks noGrp="1"/>
+          </p:cNvSpPr>
+          <p:nvPr>
+            <p:ph type="body" sz="quarter" idx="10"/>
+          </p:nvPr>
+        </p:nvSpPr>
+        <p:spPr>
+          <a:xfrm>
+            <a:off x="274638" y="1212851"/>
+            <a:ext cx="11887200" cy="5484812"/>
+          </a:xfrm>
+        </p:spPr>
+        <p:txBody>
+          <a:bodyPr>
+            <a:normAutofit fontScale="77500" lnSpcReduction="20000"/>
+          </a:bodyPr>
+          <a:lstStyle/>
+          <a:p>
+            <a:r>
+              <a:rPr lang="en-US" dirty="0" smtClean="0"/>
+              <a:t>Shard map is persisted in Shard Map Manager database</a:t>
+            </a:r>
+          </a:p>
+          <a:p>
+            <a:pPr lvl="1"/>
+            <a:r>
+              <a:rPr lang="en-US" dirty="0" smtClean="0"/>
+              <a:t>No need to recreate from scratch on every run</a:t>
+            </a:r>
+          </a:p>
+          <a:p>
+            <a:r>
+              <a:rPr lang="en-US" dirty="0" smtClean="0"/>
+              <a:t>Shards are normal Azure SQL DB databases</a:t>
+            </a:r>
+          </a:p>
+          <a:p>
+            <a:r>
+              <a:rPr lang="en-US" dirty="0" smtClean="0"/>
+              <a:t>Shard maps can span logical servers, data centers and continents</a:t>
+            </a:r>
+          </a:p>
+          <a:p>
+            <a:pPr lvl="1"/>
+            <a:r>
+              <a:rPr lang="en-US" dirty="0" smtClean="0"/>
+              <a:t>Helps satisfy legal constraints when data needs to stay local</a:t>
+            </a:r>
+          </a:p>
+          <a:p>
+            <a:pPr lvl="1"/>
+            <a:r>
+              <a:rPr lang="en-US" dirty="0" smtClean="0"/>
+              <a:t>Consider separate app stacks for different geographies as well to reduce latency</a:t>
+            </a:r>
+          </a:p>
+          <a:p>
+            <a:pPr lvl="1"/>
+            <a:r>
+              <a:rPr lang="en-US" dirty="0" smtClean="0"/>
+              <a:t>Avoid &lt;username&gt;@&lt;</a:t>
+            </a:r>
+            <a:r>
+              <a:rPr lang="en-US" dirty="0" err="1" smtClean="0"/>
+              <a:t>servername</a:t>
+            </a:r>
+            <a:r>
+              <a:rPr lang="en-US" dirty="0" smtClean="0"/>
+              <a:t>&gt; credentials – just use &lt;username&gt; instead</a:t>
+            </a:r>
+          </a:p>
+          <a:p>
+            <a:r>
+              <a:rPr lang="en-US" dirty="0" smtClean="0"/>
+              <a:t>Consider using a golden copy database to bootstrap new shards</a:t>
+            </a:r>
+          </a:p>
+          <a:p>
+            <a:pPr lvl="2"/>
+            <a:r>
+              <a:rPr lang="en-US" dirty="0" smtClean="0"/>
+              <a:t>Golden copy contains the schema, but no data (all tables, stored </a:t>
+            </a:r>
+            <a:r>
+              <a:rPr lang="en-US" dirty="0" err="1" smtClean="0"/>
+              <a:t>procs</a:t>
+            </a:r>
+            <a:r>
+              <a:rPr lang="en-US" dirty="0" smtClean="0"/>
+              <a:t>, even reference data)</a:t>
+            </a:r>
+            <a:endParaRPr lang="en-US" dirty="0"/>
+          </a:p>
+          <a:p>
+            <a:pPr lvl="2"/>
+            <a:r>
+              <a:rPr lang="en-US" dirty="0" smtClean="0"/>
+              <a:t>Serves as the seed for new shards </a:t>
+            </a:r>
+          </a:p>
+          <a:p>
+            <a:pPr lvl="2"/>
+            <a:r>
+              <a:rPr lang="en-US" dirty="0" smtClean="0"/>
+              <a:t>Use CREATE DATABASE AS COPY to easily deploy a new database for a new shard</a:t>
+            </a:r>
+          </a:p>
+          <a:p>
+            <a:r>
+              <a:rPr lang="en-US" dirty="0" smtClean="0"/>
+              <a:t>What about SQL Server on premise, or hybrid?</a:t>
+            </a:r>
+          </a:p>
+          <a:p>
+            <a:pPr lvl="1"/>
+            <a:r>
+              <a:rPr lang="en-US" dirty="0" smtClean="0"/>
+              <a:t>Shard map design accommodates on premise scenarios</a:t>
+            </a:r>
+          </a:p>
+          <a:p>
+            <a:pPr lvl="1"/>
+            <a:r>
+              <a:rPr lang="en-US" dirty="0" smtClean="0"/>
+              <a:t>Shard map only relies on the SQL connection string </a:t>
+            </a:r>
+          </a:p>
+          <a:p>
+            <a:pPr lvl="1"/>
+            <a:r>
+              <a:rPr lang="en-US" dirty="0" smtClean="0"/>
+              <a:t>Production use only supported in Azure; use for development and test on premise possible (and encouraged if needed </a:t>
+            </a:r>
+            <a:r>
+              <a:rPr lang="en-US" dirty="0" smtClean="0">
+                <a:sym typeface="Wingdings" panose="05000000000000000000" pitchFamily="2" charset="2"/>
+              </a:rPr>
+              <a:t>)</a:t>
+            </a:r>
+            <a:endParaRPr lang="en-US" dirty="0" smtClean="0"/>
+          </a:p>
+          <a:p>
+            <a:pPr lvl="1"/>
+            <a:r>
+              <a:rPr lang="en-US" dirty="0" smtClean="0"/>
+              <a:t>Additional capabilities such as Split/Merge only work in Azure </a:t>
+            </a:r>
+            <a:endParaRPr lang="en-US" dirty="0"/>
+          </a:p>
+        </p:txBody>
+      </p:sp>
+      <p:sp>
+        <p:nvSpPr>
+          <p:cNvPr id="3" name="Title 2"/>
+          <p:cNvSpPr>
+            <a:spLocks noGrp="1"/>
+          </p:cNvSpPr>
+          <p:nvPr>
+            <p:ph type="title"/>
+          </p:nvPr>
+        </p:nvSpPr>
+        <p:spPr/>
+        <p:txBody>
+          <a:bodyPr/>
+          <a:lstStyle/>
+          <a:p>
+            <a:r>
+              <a:rPr lang="en-US" dirty="0" smtClean="0"/>
+              <a:t>Shard Map Management: Details</a:t>
+            </a:r>
+            <a:endParaRPr lang="en-US" dirty="0"/>
+          </a:p>
+        </p:txBody>
+      </p:sp>
+    </p:spTree>
+    <p:extLst>
+      <p:ext uri="{BB962C8B-B14F-4D97-AF65-F5344CB8AC3E}">
+        <p14:creationId xmlns:p14="http://schemas.microsoft.com/office/powerpoint/2010/main" val="1414197025"/>
+      </p:ext>
+    </p:extLst>
+  </p:cSld>
+  <p:clrMapOvr>
+    <a:masterClrMapping/>
+  </p:clrMapOvr>
+  <p:transition>
+    <p:fade/>
+  </p:transition>
+  <p:timing>
+    <p:tnLst>
+      <p:par>
+        <p:cTn id="1" dur="indefinite" restart="never" nodeType="tmRoot"/>
+      </p:par>
+    </p:tnLst>
+  </p:timing>
+</p:sld>
+</file>
+
+<file path=ppt/slides/slide25.xml><?xml version="1.0" encoding="utf-8"?>
+<p:sld xmlns:a="http://schemas.openxmlformats.org/drawingml/2006/main" xmlns:r="http://schemas.openxmlformats.org/officeDocument/2006/relationships" xmlns:p="http://schemas.openxmlformats.org/presentationml/2006/main">
+  <p:cSld>
+    <p:spTree>
+      <p:nvGrpSpPr>
+        <p:cNvPr id="1" name=""/>
+        <p:cNvGrpSpPr/>
+        <p:nvPr/>
+      </p:nvGrpSpPr>
+      <p:grpSpPr>
+        <a:xfrm>
+          <a:off x="0" y="0"/>
+          <a:ext cx="0" cy="0"/>
+          <a:chOff x="0" y="0"/>
+          <a:chExt cx="0" cy="0"/>
+        </a:xfrm>
+      </p:grpSpPr>
+      <p:sp>
+        <p:nvSpPr>
           <p:cNvPr id="4" name="Title 3"/>
           <p:cNvSpPr>
             <a:spLocks noGrp="1"/>
@@ -25541,10 +26652,17 @@
   <p:transition>
     <p:fade/>
   </p:transition>
+  <p:timing>
+    <p:tnLst>
+      <p:par>
+        <p:cTn id="1" dur="indefinite" restart="never" nodeType="tmRoot"/>
+      </p:par>
+    </p:tnLst>
+  </p:timing>
 </p:sld>
 </file>
 
-<file path=ppt/slides/slide24.xml><?xml version="1.0" encoding="utf-8"?>
+<file path=ppt/slides/slide26.xml><?xml version="1.0" encoding="utf-8"?>
 <p:sld xmlns:a="http://schemas.openxmlformats.org/drawingml/2006/main" xmlns:r="http://schemas.openxmlformats.org/officeDocument/2006/relationships" xmlns:p="http://schemas.openxmlformats.org/presentationml/2006/main">
   <p:cSld>
     <p:spTree>
@@ -27384,7 +28502,7 @@
 </p:sld>
 </file>
 
-<file path=ppt/slides/slide25.xml><?xml version="1.0" encoding="utf-8"?>
+<file path=ppt/slides/slide27.xml><?xml version="1.0" encoding="utf-8"?>
 <p:sld xmlns:a="http://schemas.openxmlformats.org/drawingml/2006/main" xmlns:r="http://schemas.openxmlformats.org/officeDocument/2006/relationships" xmlns:p="http://schemas.openxmlformats.org/presentationml/2006/main">
   <p:cSld>
     <p:spTree>
@@ -28313,7 +29431,7 @@
 </p:sld>
 </file>
 
-<file path=ppt/slides/slide26.xml><?xml version="1.0" encoding="utf-8"?>
+<file path=ppt/slides/slide28.xml><?xml version="1.0" encoding="utf-8"?>
 <p:sld xmlns:a="http://schemas.openxmlformats.org/drawingml/2006/main" xmlns:r="http://schemas.openxmlformats.org/officeDocument/2006/relationships" xmlns:p="http://schemas.openxmlformats.org/presentationml/2006/main">
   <p:cSld>
     <p:spTree>
@@ -29096,7 +30214,7 @@
 </p:sld>
 </file>
 
-<file path=ppt/slides/slide27.xml><?xml version="1.0" encoding="utf-8"?>
+<file path=ppt/slides/slide29.xml><?xml version="1.0" encoding="utf-8"?>
 <p:sld xmlns:a="http://schemas.openxmlformats.org/drawingml/2006/main" xmlns:r="http://schemas.openxmlformats.org/officeDocument/2006/relationships" xmlns:p="http://schemas.openxmlformats.org/presentationml/2006/main">
   <p:cSld>
     <p:spTree>
@@ -30225,1105 +31343,10 @@
   <p:timing>
     <p:tnLst>
       <p:par>
-        <p:cTn id="1" dur="indefinite" restart="never" nodeType="tmRoot">
-          <p:childTnLst>
-            <p:seq concurrent="1" nextAc="seek">
-              <p:cTn id="2" dur="indefinite" nodeType="mainSeq">
-                <p:childTnLst>
-                  <p:par>
-                    <p:cTn id="3" fill="hold">
-                      <p:stCondLst>
-                        <p:cond delay="indefinite"/>
-                      </p:stCondLst>
-                      <p:childTnLst>
-                        <p:par>
-                          <p:cTn id="4" fill="hold">
-                            <p:stCondLst>
-                              <p:cond delay="0"/>
-                            </p:stCondLst>
-                            <p:childTnLst>
-                              <p:par>
-                                <p:cTn id="5" presetID="1" presetClass="entr" presetSubtype="0" fill="hold" grpId="0" nodeType="clickEffect">
-                                  <p:stCondLst>
-                                    <p:cond delay="0"/>
-                                  </p:stCondLst>
-                                  <p:childTnLst>
-                                    <p:set>
-                                      <p:cBhvr>
-                                        <p:cTn id="6" dur="1" fill="hold">
-                                          <p:stCondLst>
-                                            <p:cond delay="0"/>
-                                          </p:stCondLst>
-                                        </p:cTn>
-                                        <p:tgtEl>
-                                          <p:spTgt spid="22">
-                                            <p:txEl>
-                                              <p:pRg st="0" end="0"/>
-                                            </p:txEl>
-                                          </p:spTgt>
-                                        </p:tgtEl>
-                                        <p:attrNameLst>
-                                          <p:attrName>style.visibility</p:attrName>
-                                        </p:attrNameLst>
-                                      </p:cBhvr>
-                                      <p:to>
-                                        <p:strVal val="visible"/>
-                                      </p:to>
-                                    </p:set>
-                                  </p:childTnLst>
-                                </p:cTn>
-                              </p:par>
-                            </p:childTnLst>
-                          </p:cTn>
-                        </p:par>
-                      </p:childTnLst>
-                    </p:cTn>
-                  </p:par>
-                  <p:par>
-                    <p:cTn id="7" fill="hold">
-                      <p:stCondLst>
-                        <p:cond delay="indefinite"/>
-                      </p:stCondLst>
-                      <p:childTnLst>
-                        <p:par>
-                          <p:cTn id="8" fill="hold">
-                            <p:stCondLst>
-                              <p:cond delay="0"/>
-                            </p:stCondLst>
-                            <p:childTnLst>
-                              <p:par>
-                                <p:cTn id="9" presetID="1" presetClass="entr" presetSubtype="0" fill="hold" grpId="0" nodeType="clickEffect">
-                                  <p:stCondLst>
-                                    <p:cond delay="0"/>
-                                  </p:stCondLst>
-                                  <p:childTnLst>
-                                    <p:set>
-                                      <p:cBhvr>
-                                        <p:cTn id="10" dur="1" fill="hold">
-                                          <p:stCondLst>
-                                            <p:cond delay="0"/>
-                                          </p:stCondLst>
-                                        </p:cTn>
-                                        <p:tgtEl>
-                                          <p:spTgt spid="23"/>
-                                        </p:tgtEl>
-                                        <p:attrNameLst>
-                                          <p:attrName>style.visibility</p:attrName>
-                                        </p:attrNameLst>
-                                      </p:cBhvr>
-                                      <p:to>
-                                        <p:strVal val="visible"/>
-                                      </p:to>
-                                    </p:set>
-                                  </p:childTnLst>
-                                </p:cTn>
-                              </p:par>
-                            </p:childTnLst>
-                          </p:cTn>
-                        </p:par>
-                      </p:childTnLst>
-                    </p:cTn>
-                  </p:par>
-                  <p:par>
-                    <p:cTn id="11" fill="hold">
-                      <p:stCondLst>
-                        <p:cond delay="indefinite"/>
-                      </p:stCondLst>
-                      <p:childTnLst>
-                        <p:par>
-                          <p:cTn id="12" fill="hold">
-                            <p:stCondLst>
-                              <p:cond delay="0"/>
-                            </p:stCondLst>
-                            <p:childTnLst>
-                              <p:par>
-                                <p:cTn id="13" presetID="1" presetClass="entr" presetSubtype="0" fill="hold" nodeType="clickEffect">
-                                  <p:stCondLst>
-                                    <p:cond delay="0"/>
-                                  </p:stCondLst>
-                                  <p:childTnLst>
-                                    <p:set>
-                                      <p:cBhvr>
-                                        <p:cTn id="14" dur="1" fill="hold">
-                                          <p:stCondLst>
-                                            <p:cond delay="0"/>
-                                          </p:stCondLst>
-                                        </p:cTn>
-                                        <p:tgtEl>
-                                          <p:spTgt spid="3"/>
-                                        </p:tgtEl>
-                                        <p:attrNameLst>
-                                          <p:attrName>style.visibility</p:attrName>
-                                        </p:attrNameLst>
-                                      </p:cBhvr>
-                                      <p:to>
-                                        <p:strVal val="visible"/>
-                                      </p:to>
-                                    </p:set>
-                                  </p:childTnLst>
-                                </p:cTn>
-                              </p:par>
-                              <p:par>
-                                <p:cTn id="15" presetID="1" presetClass="entr" presetSubtype="0" fill="hold" grpId="0" nodeType="withEffect">
-                                  <p:stCondLst>
-                                    <p:cond delay="0"/>
-                                  </p:stCondLst>
-                                  <p:childTnLst>
-                                    <p:set>
-                                      <p:cBhvr>
-                                        <p:cTn id="16" dur="1" fill="hold">
-                                          <p:stCondLst>
-                                            <p:cond delay="0"/>
-                                          </p:stCondLst>
-                                        </p:cTn>
-                                        <p:tgtEl>
-                                          <p:spTgt spid="5"/>
-                                        </p:tgtEl>
-                                        <p:attrNameLst>
-                                          <p:attrName>style.visibility</p:attrName>
-                                        </p:attrNameLst>
-                                      </p:cBhvr>
-                                      <p:to>
-                                        <p:strVal val="visible"/>
-                                      </p:to>
-                                    </p:set>
-                                  </p:childTnLst>
-                                </p:cTn>
-                              </p:par>
-                              <p:par>
-                                <p:cTn id="17" presetID="1" presetClass="entr" presetSubtype="0" fill="hold" grpId="0" nodeType="withEffect">
-                                  <p:stCondLst>
-                                    <p:cond delay="0"/>
-                                  </p:stCondLst>
-                                  <p:childTnLst>
-                                    <p:set>
-                                      <p:cBhvr>
-                                        <p:cTn id="18" dur="1" fill="hold">
-                                          <p:stCondLst>
-                                            <p:cond delay="0"/>
-                                          </p:stCondLst>
-                                        </p:cTn>
-                                        <p:tgtEl>
-                                          <p:spTgt spid="4"/>
-                                        </p:tgtEl>
-                                        <p:attrNameLst>
-                                          <p:attrName>style.visibility</p:attrName>
-                                        </p:attrNameLst>
-                                      </p:cBhvr>
-                                      <p:to>
-                                        <p:strVal val="visible"/>
-                                      </p:to>
-                                    </p:set>
-                                  </p:childTnLst>
-                                </p:cTn>
-                              </p:par>
-                            </p:childTnLst>
-                          </p:cTn>
-                        </p:par>
-                      </p:childTnLst>
-                    </p:cTn>
-                  </p:par>
-                  <p:par>
-                    <p:cTn id="19" fill="hold">
-                      <p:stCondLst>
-                        <p:cond delay="indefinite"/>
-                      </p:stCondLst>
-                      <p:childTnLst>
-                        <p:par>
-                          <p:cTn id="20" fill="hold">
-                            <p:stCondLst>
-                              <p:cond delay="0"/>
-                            </p:stCondLst>
-                            <p:childTnLst>
-                              <p:par>
-                                <p:cTn id="21" presetID="1" presetClass="entr" presetSubtype="0" fill="hold" grpId="0" nodeType="clickEffect">
-                                  <p:stCondLst>
-                                    <p:cond delay="0"/>
-                                  </p:stCondLst>
-                                  <p:childTnLst>
-                                    <p:set>
-                                      <p:cBhvr>
-                                        <p:cTn id="22" dur="1" fill="hold">
-                                          <p:stCondLst>
-                                            <p:cond delay="0"/>
-                                          </p:stCondLst>
-                                        </p:cTn>
-                                        <p:tgtEl>
-                                          <p:spTgt spid="22">
-                                            <p:txEl>
-                                              <p:pRg st="1" end="1"/>
-                                            </p:txEl>
-                                          </p:spTgt>
-                                        </p:tgtEl>
-                                        <p:attrNameLst>
-                                          <p:attrName>style.visibility</p:attrName>
-                                        </p:attrNameLst>
-                                      </p:cBhvr>
-                                      <p:to>
-                                        <p:strVal val="visible"/>
-                                      </p:to>
-                                    </p:set>
-                                  </p:childTnLst>
-                                </p:cTn>
-                              </p:par>
-                            </p:childTnLst>
-                          </p:cTn>
-                        </p:par>
-                      </p:childTnLst>
-                    </p:cTn>
-                  </p:par>
-                  <p:par>
-                    <p:cTn id="23" fill="hold">
-                      <p:stCondLst>
-                        <p:cond delay="indefinite"/>
-                      </p:stCondLst>
-                      <p:childTnLst>
-                        <p:par>
-                          <p:cTn id="24" fill="hold">
-                            <p:stCondLst>
-                              <p:cond delay="0"/>
-                            </p:stCondLst>
-                            <p:childTnLst>
-                              <p:par>
-                                <p:cTn id="25" presetID="1" presetClass="entr" presetSubtype="0" fill="hold" grpId="0" nodeType="clickEffect">
-                                  <p:stCondLst>
-                                    <p:cond delay="0"/>
-                                  </p:stCondLst>
-                                  <p:childTnLst>
-                                    <p:set>
-                                      <p:cBhvr>
-                                        <p:cTn id="26" dur="1" fill="hold">
-                                          <p:stCondLst>
-                                            <p:cond delay="0"/>
-                                          </p:stCondLst>
-                                        </p:cTn>
-                                        <p:tgtEl>
-                                          <p:spTgt spid="11"/>
-                                        </p:tgtEl>
-                                        <p:attrNameLst>
-                                          <p:attrName>style.visibility</p:attrName>
-                                        </p:attrNameLst>
-                                      </p:cBhvr>
-                                      <p:to>
-                                        <p:strVal val="visible"/>
-                                      </p:to>
-                                    </p:set>
-                                  </p:childTnLst>
-                                </p:cTn>
-                              </p:par>
-                            </p:childTnLst>
-                          </p:cTn>
-                        </p:par>
-                      </p:childTnLst>
-                    </p:cTn>
-                  </p:par>
-                  <p:par>
-                    <p:cTn id="27" fill="hold">
-                      <p:stCondLst>
-                        <p:cond delay="indefinite"/>
-                      </p:stCondLst>
-                      <p:childTnLst>
-                        <p:par>
-                          <p:cTn id="28" fill="hold">
-                            <p:stCondLst>
-                              <p:cond delay="0"/>
-                            </p:stCondLst>
-                            <p:childTnLst>
-                              <p:par>
-                                <p:cTn id="29" presetID="1" presetClass="entr" presetSubtype="0" fill="hold" grpId="0" nodeType="clickEffect">
-                                  <p:stCondLst>
-                                    <p:cond delay="0"/>
-                                  </p:stCondLst>
-                                  <p:childTnLst>
-                                    <p:set>
-                                      <p:cBhvr>
-                                        <p:cTn id="30" dur="1" fill="hold">
-                                          <p:stCondLst>
-                                            <p:cond delay="0"/>
-                                          </p:stCondLst>
-                                        </p:cTn>
-                                        <p:tgtEl>
-                                          <p:spTgt spid="22">
-                                            <p:txEl>
-                                              <p:pRg st="2" end="2"/>
-                                            </p:txEl>
-                                          </p:spTgt>
-                                        </p:tgtEl>
-                                        <p:attrNameLst>
-                                          <p:attrName>style.visibility</p:attrName>
-                                        </p:attrNameLst>
-                                      </p:cBhvr>
-                                      <p:to>
-                                        <p:strVal val="visible"/>
-                                      </p:to>
-                                    </p:set>
-                                  </p:childTnLst>
-                                </p:cTn>
-                              </p:par>
-                            </p:childTnLst>
-                          </p:cTn>
-                        </p:par>
-                      </p:childTnLst>
-                    </p:cTn>
-                  </p:par>
-                  <p:par>
-                    <p:cTn id="31" fill="hold">
-                      <p:stCondLst>
-                        <p:cond delay="indefinite"/>
-                      </p:stCondLst>
-                      <p:childTnLst>
-                        <p:par>
-                          <p:cTn id="32" fill="hold">
-                            <p:stCondLst>
-                              <p:cond delay="0"/>
-                            </p:stCondLst>
-                            <p:childTnLst>
-                              <p:par>
-                                <p:cTn id="33" presetID="1" presetClass="entr" presetSubtype="0" fill="hold" nodeType="clickEffect">
-                                  <p:stCondLst>
-                                    <p:cond delay="0"/>
-                                  </p:stCondLst>
-                                  <p:childTnLst>
-                                    <p:set>
-                                      <p:cBhvr>
-                                        <p:cTn id="34" dur="1" fill="hold">
-                                          <p:stCondLst>
-                                            <p:cond delay="0"/>
-                                          </p:stCondLst>
-                                        </p:cTn>
-                                        <p:tgtEl>
-                                          <p:spTgt spid="8"/>
-                                        </p:tgtEl>
-                                        <p:attrNameLst>
-                                          <p:attrName>style.visibility</p:attrName>
-                                        </p:attrNameLst>
-                                      </p:cBhvr>
-                                      <p:to>
-                                        <p:strVal val="visible"/>
-                                      </p:to>
-                                    </p:set>
-                                  </p:childTnLst>
-                                </p:cTn>
-                              </p:par>
-                              <p:par>
-                                <p:cTn id="35" presetID="1" presetClass="entr" presetSubtype="0" fill="hold" grpId="0" nodeType="withEffect">
-                                  <p:stCondLst>
-                                    <p:cond delay="0"/>
-                                  </p:stCondLst>
-                                  <p:childTnLst>
-                                    <p:set>
-                                      <p:cBhvr>
-                                        <p:cTn id="36" dur="1" fill="hold">
-                                          <p:stCondLst>
-                                            <p:cond delay="0"/>
-                                          </p:stCondLst>
-                                        </p:cTn>
-                                        <p:tgtEl>
-                                          <p:spTgt spid="7"/>
-                                        </p:tgtEl>
-                                        <p:attrNameLst>
-                                          <p:attrName>style.visibility</p:attrName>
-                                        </p:attrNameLst>
-                                      </p:cBhvr>
-                                      <p:to>
-                                        <p:strVal val="visible"/>
-                                      </p:to>
-                                    </p:set>
-                                  </p:childTnLst>
-                                </p:cTn>
-                              </p:par>
-                              <p:par>
-                                <p:cTn id="37" presetID="1" presetClass="entr" presetSubtype="0" fill="hold" grpId="0" nodeType="withEffect">
-                                  <p:stCondLst>
-                                    <p:cond delay="0"/>
-                                  </p:stCondLst>
-                                  <p:childTnLst>
-                                    <p:set>
-                                      <p:cBhvr>
-                                        <p:cTn id="38" dur="1" fill="hold">
-                                          <p:stCondLst>
-                                            <p:cond delay="0"/>
-                                          </p:stCondLst>
-                                        </p:cTn>
-                                        <p:tgtEl>
-                                          <p:spTgt spid="10"/>
-                                        </p:tgtEl>
-                                        <p:attrNameLst>
-                                          <p:attrName>style.visibility</p:attrName>
-                                        </p:attrNameLst>
-                                      </p:cBhvr>
-                                      <p:to>
-                                        <p:strVal val="visible"/>
-                                      </p:to>
-                                    </p:set>
-                                  </p:childTnLst>
-                                </p:cTn>
-                              </p:par>
-                            </p:childTnLst>
-                          </p:cTn>
-                        </p:par>
-                      </p:childTnLst>
-                    </p:cTn>
-                  </p:par>
-                  <p:par>
-                    <p:cTn id="39" fill="hold">
-                      <p:stCondLst>
-                        <p:cond delay="indefinite"/>
-                      </p:stCondLst>
-                      <p:childTnLst>
-                        <p:par>
-                          <p:cTn id="40" fill="hold">
-                            <p:stCondLst>
-                              <p:cond delay="0"/>
-                            </p:stCondLst>
-                            <p:childTnLst>
-                              <p:par>
-                                <p:cTn id="41" presetID="2" presetClass="entr" presetSubtype="4" fill="hold" grpId="0" nodeType="clickEffect">
-                                  <p:stCondLst>
-                                    <p:cond delay="0"/>
-                                  </p:stCondLst>
-                                  <p:childTnLst>
-                                    <p:set>
-                                      <p:cBhvr>
-                                        <p:cTn id="42" dur="1" fill="hold">
-                                          <p:stCondLst>
-                                            <p:cond delay="0"/>
-                                          </p:stCondLst>
-                                        </p:cTn>
-                                        <p:tgtEl>
-                                          <p:spTgt spid="24"/>
-                                        </p:tgtEl>
-                                        <p:attrNameLst>
-                                          <p:attrName>style.visibility</p:attrName>
-                                        </p:attrNameLst>
-                                      </p:cBhvr>
-                                      <p:to>
-                                        <p:strVal val="visible"/>
-                                      </p:to>
-                                    </p:set>
-                                    <p:anim calcmode="lin" valueType="num">
-                                      <p:cBhvr additive="base">
-                                        <p:cTn id="43" dur="500" fill="hold"/>
-                                        <p:tgtEl>
-                                          <p:spTgt spid="24"/>
-                                        </p:tgtEl>
-                                        <p:attrNameLst>
-                                          <p:attrName>ppt_x</p:attrName>
-                                        </p:attrNameLst>
-                                      </p:cBhvr>
-                                      <p:tavLst>
-                                        <p:tav tm="0">
-                                          <p:val>
-                                            <p:strVal val="#ppt_x"/>
-                                          </p:val>
-                                        </p:tav>
-                                        <p:tav tm="100000">
-                                          <p:val>
-                                            <p:strVal val="#ppt_x"/>
-                                          </p:val>
-                                        </p:tav>
-                                      </p:tavLst>
-                                    </p:anim>
-                                    <p:anim calcmode="lin" valueType="num">
-                                      <p:cBhvr additive="base">
-                                        <p:cTn id="44" dur="500" fill="hold"/>
-                                        <p:tgtEl>
-                                          <p:spTgt spid="24"/>
-                                        </p:tgtEl>
-                                        <p:attrNameLst>
-                                          <p:attrName>ppt_y</p:attrName>
-                                        </p:attrNameLst>
-                                      </p:cBhvr>
-                                      <p:tavLst>
-                                        <p:tav tm="0">
-                                          <p:val>
-                                            <p:strVal val="1+#ppt_h/2"/>
-                                          </p:val>
-                                        </p:tav>
-                                        <p:tav tm="100000">
-                                          <p:val>
-                                            <p:strVal val="#ppt_y"/>
-                                          </p:val>
-                                        </p:tav>
-                                      </p:tavLst>
-                                    </p:anim>
-                                  </p:childTnLst>
-                                </p:cTn>
-                              </p:par>
-                            </p:childTnLst>
-                          </p:cTn>
-                        </p:par>
-                      </p:childTnLst>
-                    </p:cTn>
-                  </p:par>
-                  <p:par>
-                    <p:cTn id="45" fill="hold">
-                      <p:stCondLst>
-                        <p:cond delay="indefinite"/>
-                      </p:stCondLst>
-                      <p:childTnLst>
-                        <p:par>
-                          <p:cTn id="46" fill="hold">
-                            <p:stCondLst>
-                              <p:cond delay="0"/>
-                            </p:stCondLst>
-                            <p:childTnLst>
-                              <p:par>
-                                <p:cTn id="47" presetID="1" presetClass="entr" presetSubtype="0" fill="hold" grpId="0" nodeType="clickEffect">
-                                  <p:stCondLst>
-                                    <p:cond delay="0"/>
-                                  </p:stCondLst>
-                                  <p:childTnLst>
-                                    <p:set>
-                                      <p:cBhvr>
-                                        <p:cTn id="48" dur="1" fill="hold">
-                                          <p:stCondLst>
-                                            <p:cond delay="0"/>
-                                          </p:stCondLst>
-                                        </p:cTn>
-                                        <p:tgtEl>
-                                          <p:spTgt spid="22">
-                                            <p:txEl>
-                                              <p:pRg st="3" end="3"/>
-                                            </p:txEl>
-                                          </p:spTgt>
-                                        </p:tgtEl>
-                                        <p:attrNameLst>
-                                          <p:attrName>style.visibility</p:attrName>
-                                        </p:attrNameLst>
-                                      </p:cBhvr>
-                                      <p:to>
-                                        <p:strVal val="visible"/>
-                                      </p:to>
-                                    </p:set>
-                                  </p:childTnLst>
-                                </p:cTn>
-                              </p:par>
-                            </p:childTnLst>
-                          </p:cTn>
-                        </p:par>
-                      </p:childTnLst>
-                    </p:cTn>
-                  </p:par>
-                  <p:par>
-                    <p:cTn id="49" fill="hold">
-                      <p:stCondLst>
-                        <p:cond delay="indefinite"/>
-                      </p:stCondLst>
-                      <p:childTnLst>
-                        <p:par>
-                          <p:cTn id="50" fill="hold">
-                            <p:stCondLst>
-                              <p:cond delay="0"/>
-                            </p:stCondLst>
-                            <p:childTnLst>
-                              <p:par>
-                                <p:cTn id="51" presetID="1" presetClass="entr" presetSubtype="0" fill="hold" nodeType="clickEffect">
-                                  <p:stCondLst>
-                                    <p:cond delay="0"/>
-                                  </p:stCondLst>
-                                  <p:childTnLst>
-                                    <p:set>
-                                      <p:cBhvr>
-                                        <p:cTn id="52" dur="1" fill="hold">
-                                          <p:stCondLst>
-                                            <p:cond delay="0"/>
-                                          </p:stCondLst>
-                                        </p:cTn>
-                                        <p:tgtEl>
-                                          <p:spTgt spid="6"/>
-                                        </p:tgtEl>
-                                        <p:attrNameLst>
-                                          <p:attrName>style.visibility</p:attrName>
-                                        </p:attrNameLst>
-                                      </p:cBhvr>
-                                      <p:to>
-                                        <p:strVal val="visible"/>
-                                      </p:to>
-                                    </p:set>
-                                  </p:childTnLst>
-                                </p:cTn>
-                              </p:par>
-                              <p:par>
-                                <p:cTn id="53" presetID="1" presetClass="entr" presetSubtype="0" fill="hold" grpId="0" nodeType="withEffect">
-                                  <p:stCondLst>
-                                    <p:cond delay="0"/>
-                                  </p:stCondLst>
-                                  <p:childTnLst>
-                                    <p:set>
-                                      <p:cBhvr>
-                                        <p:cTn id="54" dur="1" fill="hold">
-                                          <p:stCondLst>
-                                            <p:cond delay="0"/>
-                                          </p:stCondLst>
-                                        </p:cTn>
-                                        <p:tgtEl>
-                                          <p:spTgt spid="9"/>
-                                        </p:tgtEl>
-                                        <p:attrNameLst>
-                                          <p:attrName>style.visibility</p:attrName>
-                                        </p:attrNameLst>
-                                      </p:cBhvr>
-                                      <p:to>
-                                        <p:strVal val="visible"/>
-                                      </p:to>
-                                    </p:set>
-                                  </p:childTnLst>
-                                </p:cTn>
-                              </p:par>
-                              <p:par>
-                                <p:cTn id="55" presetID="1" presetClass="entr" presetSubtype="0" fill="hold" grpId="0" nodeType="withEffect">
-                                  <p:stCondLst>
-                                    <p:cond delay="0"/>
-                                  </p:stCondLst>
-                                  <p:childTnLst>
-                                    <p:set>
-                                      <p:cBhvr>
-                                        <p:cTn id="56" dur="1" fill="hold">
-                                          <p:stCondLst>
-                                            <p:cond delay="0"/>
-                                          </p:stCondLst>
-                                        </p:cTn>
-                                        <p:tgtEl>
-                                          <p:spTgt spid="12"/>
-                                        </p:tgtEl>
-                                        <p:attrNameLst>
-                                          <p:attrName>style.visibility</p:attrName>
-                                        </p:attrNameLst>
-                                      </p:cBhvr>
-                                      <p:to>
-                                        <p:strVal val="visible"/>
-                                      </p:to>
-                                    </p:set>
-                                  </p:childTnLst>
-                                </p:cTn>
-                              </p:par>
-                            </p:childTnLst>
-                          </p:cTn>
-                        </p:par>
-                      </p:childTnLst>
-                    </p:cTn>
-                  </p:par>
-                  <p:par>
-                    <p:cTn id="57" fill="hold">
-                      <p:stCondLst>
-                        <p:cond delay="indefinite"/>
-                      </p:stCondLst>
-                      <p:childTnLst>
-                        <p:par>
-                          <p:cTn id="58" fill="hold">
-                            <p:stCondLst>
-                              <p:cond delay="0"/>
-                            </p:stCondLst>
-                            <p:childTnLst>
-                              <p:par>
-                                <p:cTn id="59" presetID="1" presetClass="entr" presetSubtype="0" fill="hold" grpId="0" nodeType="clickEffect">
-                                  <p:stCondLst>
-                                    <p:cond delay="0"/>
-                                  </p:stCondLst>
-                                  <p:childTnLst>
-                                    <p:set>
-                                      <p:cBhvr>
-                                        <p:cTn id="60" dur="1" fill="hold">
-                                          <p:stCondLst>
-                                            <p:cond delay="0"/>
-                                          </p:stCondLst>
-                                        </p:cTn>
-                                        <p:tgtEl>
-                                          <p:spTgt spid="22">
-                                            <p:txEl>
-                                              <p:pRg st="4" end="4"/>
-                                            </p:txEl>
-                                          </p:spTgt>
-                                        </p:tgtEl>
-                                        <p:attrNameLst>
-                                          <p:attrName>style.visibility</p:attrName>
-                                        </p:attrNameLst>
-                                      </p:cBhvr>
-                                      <p:to>
-                                        <p:strVal val="visible"/>
-                                      </p:to>
-                                    </p:set>
-                                  </p:childTnLst>
-                                </p:cTn>
-                              </p:par>
-                            </p:childTnLst>
-                          </p:cTn>
-                        </p:par>
-                      </p:childTnLst>
-                    </p:cTn>
-                  </p:par>
-                  <p:par>
-                    <p:cTn id="61" fill="hold">
-                      <p:stCondLst>
-                        <p:cond delay="indefinite"/>
-                      </p:stCondLst>
-                      <p:childTnLst>
-                        <p:par>
-                          <p:cTn id="62" fill="hold">
-                            <p:stCondLst>
-                              <p:cond delay="0"/>
-                            </p:stCondLst>
-                            <p:childTnLst>
-                              <p:par>
-                                <p:cTn id="63" presetID="1" presetClass="entr" presetSubtype="0" fill="hold" grpId="0" nodeType="clickEffect">
-                                  <p:stCondLst>
-                                    <p:cond delay="0"/>
-                                  </p:stCondLst>
-                                  <p:childTnLst>
-                                    <p:set>
-                                      <p:cBhvr>
-                                        <p:cTn id="64" dur="1" fill="hold">
-                                          <p:stCondLst>
-                                            <p:cond delay="0"/>
-                                          </p:stCondLst>
-                                        </p:cTn>
-                                        <p:tgtEl>
-                                          <p:spTgt spid="26"/>
-                                        </p:tgtEl>
-                                        <p:attrNameLst>
-                                          <p:attrName>style.visibility</p:attrName>
-                                        </p:attrNameLst>
-                                      </p:cBhvr>
-                                      <p:to>
-                                        <p:strVal val="visible"/>
-                                      </p:to>
-                                    </p:set>
-                                  </p:childTnLst>
-                                </p:cTn>
-                              </p:par>
-                            </p:childTnLst>
-                          </p:cTn>
-                        </p:par>
-                      </p:childTnLst>
-                    </p:cTn>
-                  </p:par>
-                  <p:par>
-                    <p:cTn id="65" fill="hold">
-                      <p:stCondLst>
-                        <p:cond delay="indefinite"/>
-                      </p:stCondLst>
-                      <p:childTnLst>
-                        <p:par>
-                          <p:cTn id="66" fill="hold">
-                            <p:stCondLst>
-                              <p:cond delay="0"/>
-                            </p:stCondLst>
-                            <p:childTnLst>
-                              <p:par>
-                                <p:cTn id="67" presetID="1" presetClass="entr" presetSubtype="0" fill="hold" grpId="0" nodeType="clickEffect">
-                                  <p:stCondLst>
-                                    <p:cond delay="0"/>
-                                  </p:stCondLst>
-                                  <p:childTnLst>
-                                    <p:set>
-                                      <p:cBhvr>
-                                        <p:cTn id="68" dur="1" fill="hold">
-                                          <p:stCondLst>
-                                            <p:cond delay="0"/>
-                                          </p:stCondLst>
-                                        </p:cTn>
-                                        <p:tgtEl>
-                                          <p:spTgt spid="22">
-                                            <p:txEl>
-                                              <p:pRg st="5" end="5"/>
-                                            </p:txEl>
-                                          </p:spTgt>
-                                        </p:tgtEl>
-                                        <p:attrNameLst>
-                                          <p:attrName>style.visibility</p:attrName>
-                                        </p:attrNameLst>
-                                      </p:cBhvr>
-                                      <p:to>
-                                        <p:strVal val="visible"/>
-                                      </p:to>
-                                    </p:set>
-                                  </p:childTnLst>
-                                </p:cTn>
-                              </p:par>
-                            </p:childTnLst>
-                          </p:cTn>
-                        </p:par>
-                      </p:childTnLst>
-                    </p:cTn>
-                  </p:par>
-                </p:childTnLst>
-              </p:cTn>
-              <p:prevCondLst>
-                <p:cond evt="onPrev" delay="0">
-                  <p:tgtEl>
-                    <p:sldTgt/>
-                  </p:tgtEl>
-                </p:cond>
-              </p:prevCondLst>
-              <p:nextCondLst>
-                <p:cond evt="onNext" delay="0">
-                  <p:tgtEl>
-                    <p:sldTgt/>
-                  </p:tgtEl>
-                </p:cond>
-              </p:nextCondLst>
-            </p:seq>
-          </p:childTnLst>
-        </p:cTn>
-      </p:par>
-    </p:tnLst>
-    <p:bldLst>
-      <p:bldP spid="22" grpId="0" build="p"/>
-      <p:bldP spid="4" grpId="0"/>
-      <p:bldP spid="5" grpId="0" animBg="1"/>
-      <p:bldP spid="7" grpId="0" animBg="1"/>
-      <p:bldP spid="9" grpId="0" animBg="1"/>
-      <p:bldP spid="10" grpId="0" animBg="1"/>
-      <p:bldP spid="11" grpId="0" animBg="1"/>
-      <p:bldP spid="12" grpId="0" animBg="1"/>
-      <p:bldP spid="23" grpId="0" animBg="1"/>
-      <p:bldP spid="24" grpId="0"/>
-      <p:bldP spid="26" grpId="0" animBg="1"/>
-    </p:bldLst>
-  </p:timing>
-</p:sld>
-</file>
-
-<file path=ppt/slides/slide28.xml><?xml version="1.0" encoding="utf-8"?>
-<p:sld xmlns:a="http://schemas.openxmlformats.org/drawingml/2006/main" xmlns:r="http://schemas.openxmlformats.org/officeDocument/2006/relationships" xmlns:p="http://schemas.openxmlformats.org/presentationml/2006/main">
-  <p:cSld>
-    <p:spTree>
-      <p:nvGrpSpPr>
-        <p:cNvPr id="1" name=""/>
-        <p:cNvGrpSpPr/>
-        <p:nvPr/>
-      </p:nvGrpSpPr>
-      <p:grpSpPr>
-        <a:xfrm>
-          <a:off x="0" y="0"/>
-          <a:ext cx="0" cy="0"/>
-          <a:chOff x="0" y="0"/>
-          <a:chExt cx="0" cy="0"/>
-        </a:xfrm>
-      </p:grpSpPr>
-      <p:sp>
-        <p:nvSpPr>
-          <p:cNvPr id="2" name="Text Placeholder 1"/>
-          <p:cNvSpPr>
-            <a:spLocks noGrp="1"/>
-          </p:cNvSpPr>
-          <p:nvPr>
-            <p:ph type="body" sz="quarter" idx="10"/>
-          </p:nvPr>
-        </p:nvSpPr>
-        <p:spPr>
-          <a:xfrm>
-            <a:off x="274638" y="1212851"/>
-            <a:ext cx="11887200" cy="5332412"/>
-          </a:xfrm>
-        </p:spPr>
-        <p:txBody>
-          <a:bodyPr>
-            <a:normAutofit lnSpcReduction="10000"/>
-          </a:bodyPr>
-          <a:lstStyle/>
-          <a:p>
-            <a:r>
-              <a:rPr lang="en-US" dirty="0" smtClean="0"/>
-              <a:t>Validation prevents retrieving intermediate states</a:t>
-            </a:r>
-          </a:p>
-          <a:p>
-            <a:r>
-              <a:rPr lang="en-US" dirty="0" smtClean="0"/>
-              <a:t>When can you or do you want to bypass validation?</a:t>
-            </a:r>
-          </a:p>
-          <a:p>
-            <a:pPr lvl="1"/>
-            <a:r>
-              <a:rPr lang="en-US" dirty="0" smtClean="0"/>
-              <a:t>Validation is an extra round-trip into the shard</a:t>
-            </a:r>
-          </a:p>
-          <a:p>
-            <a:pPr lvl="1"/>
-            <a:r>
-              <a:rPr lang="en-US" dirty="0" smtClean="0"/>
-              <a:t>Validation is an extra stored procedure call on the shard</a:t>
-            </a:r>
-          </a:p>
-          <a:p>
-            <a:pPr lvl="1"/>
-            <a:r>
-              <a:rPr lang="en-US" dirty="0" smtClean="0"/>
-              <a:t>Validation can be turned off in </a:t>
-            </a:r>
-            <a:r>
-              <a:rPr lang="en-US" dirty="0" err="1" smtClean="0"/>
-              <a:t>OpenConnectionForKey</a:t>
-            </a:r>
-            <a:r>
-              <a:rPr lang="en-US" dirty="0" smtClean="0"/>
-              <a:t> calls</a:t>
-            </a:r>
-          </a:p>
-          <a:p>
-            <a:r>
-              <a:rPr lang="en-US" dirty="0" smtClean="0"/>
-              <a:t>Legitimate scenarios with validation turned off</a:t>
-            </a:r>
-          </a:p>
-          <a:p>
-            <a:pPr lvl="1"/>
-            <a:r>
-              <a:rPr lang="en-US" dirty="0" smtClean="0"/>
-              <a:t>Split/Merge not used</a:t>
-            </a:r>
-          </a:p>
-          <a:p>
-            <a:pPr lvl="1"/>
-            <a:r>
-              <a:rPr lang="en-US" dirty="0" smtClean="0"/>
-              <a:t>Shardlets never move</a:t>
-            </a:r>
-          </a:p>
-          <a:p>
-            <a:r>
-              <a:rPr lang="en-US" dirty="0" smtClean="0"/>
-              <a:t>How to orchestrate non-validation and validation</a:t>
-            </a:r>
-          </a:p>
-          <a:p>
-            <a:pPr lvl="1"/>
-            <a:r>
-              <a:rPr lang="en-US" dirty="0" smtClean="0"/>
-              <a:t>Validation can be controlled by a setting in the app</a:t>
-            </a:r>
-          </a:p>
-          <a:p>
-            <a:pPr lvl="1"/>
-            <a:r>
-              <a:rPr lang="en-US" dirty="0" smtClean="0"/>
-              <a:t>Use a </a:t>
-            </a:r>
-            <a:r>
-              <a:rPr lang="en-US" dirty="0" err="1" smtClean="0"/>
-              <a:t>config</a:t>
-            </a:r>
-            <a:r>
-              <a:rPr lang="en-US" dirty="0" smtClean="0"/>
-              <a:t> deployment across your app </a:t>
-            </a:r>
-            <a:r>
-              <a:rPr lang="en-US" dirty="0"/>
-              <a:t>tier to change </a:t>
-            </a:r>
-            <a:r>
-              <a:rPr lang="en-US" dirty="0" smtClean="0"/>
-              <a:t>the setting</a:t>
-            </a:r>
-          </a:p>
-          <a:p>
-            <a:pPr lvl="1"/>
-            <a:endParaRPr lang="en-US" dirty="0"/>
-          </a:p>
-        </p:txBody>
-      </p:sp>
-      <p:sp>
-        <p:nvSpPr>
-          <p:cNvPr id="3" name="Title 2"/>
-          <p:cNvSpPr>
-            <a:spLocks noGrp="1"/>
-          </p:cNvSpPr>
-          <p:nvPr>
-            <p:ph type="title"/>
-          </p:nvPr>
-        </p:nvSpPr>
-        <p:spPr/>
-        <p:txBody>
-          <a:bodyPr/>
-          <a:lstStyle/>
-          <a:p>
-            <a:r>
-              <a:rPr lang="en-US" dirty="0" smtClean="0"/>
-              <a:t>DDR: Performance Considerations</a:t>
-            </a:r>
-            <a:endParaRPr lang="en-US" dirty="0"/>
-          </a:p>
-        </p:txBody>
-      </p:sp>
-    </p:spTree>
-    <p:extLst>
-      <p:ext uri="{BB962C8B-B14F-4D97-AF65-F5344CB8AC3E}">
-        <p14:creationId xmlns:p14="http://schemas.microsoft.com/office/powerpoint/2010/main" val="224379774"/>
-      </p:ext>
-    </p:extLst>
-  </p:cSld>
-  <p:clrMapOvr>
-    <a:masterClrMapping/>
-  </p:clrMapOvr>
-  <p:transition>
-    <p:fade/>
-  </p:transition>
-  <p:timing>
-    <p:tnLst>
-      <p:par>
         <p:cTn id="1" dur="indefinite" restart="never" nodeType="tmRoot"/>
       </p:par>
     </p:tnLst>
   </p:timing>
-</p:sld>
-</file>
-
-<file path=ppt/slides/slide29.xml><?xml version="1.0" encoding="utf-8"?>
-<p:sld xmlns:a="http://schemas.openxmlformats.org/drawingml/2006/main" xmlns:r="http://schemas.openxmlformats.org/officeDocument/2006/relationships" xmlns:p="http://schemas.openxmlformats.org/presentationml/2006/main">
-  <p:cSld>
-    <p:spTree>
-      <p:nvGrpSpPr>
-        <p:cNvPr id="1" name=""/>
-        <p:cNvGrpSpPr/>
-        <p:nvPr/>
-      </p:nvGrpSpPr>
-      <p:grpSpPr>
-        <a:xfrm>
-          <a:off x="0" y="0"/>
-          <a:ext cx="0" cy="0"/>
-          <a:chOff x="0" y="0"/>
-          <a:chExt cx="0" cy="0"/>
-        </a:xfrm>
-      </p:grpSpPr>
-      <p:sp>
-        <p:nvSpPr>
-          <p:cNvPr id="4" name="Title 3"/>
-          <p:cNvSpPr>
-            <a:spLocks noGrp="1"/>
-          </p:cNvSpPr>
-          <p:nvPr>
-            <p:ph type="title"/>
-          </p:nvPr>
-        </p:nvSpPr>
-        <p:spPr/>
-        <p:txBody>
-          <a:bodyPr/>
-          <a:lstStyle/>
-          <a:p>
-            <a:r>
-              <a:rPr lang="en-US" dirty="0"/>
-              <a:t>Multi-shard Query (MSQ)</a:t>
-            </a:r>
-          </a:p>
-        </p:txBody>
-      </p:sp>
-    </p:spTree>
-    <p:extLst>
-      <p:ext uri="{BB962C8B-B14F-4D97-AF65-F5344CB8AC3E}">
-        <p14:creationId xmlns:p14="http://schemas.microsoft.com/office/powerpoint/2010/main" val="2597747195"/>
-      </p:ext>
-    </p:extLst>
-  </p:cSld>
-  <p:clrMapOvr>
-    <a:masterClrMapping/>
-  </p:clrMapOvr>
-  <p:transition>
-    <p:fade/>
-  </p:transition>
 </p:sld>
 </file>
 
@@ -31960,6 +31983,255 @@
       </p:grpSpPr>
       <p:sp>
         <p:nvSpPr>
+          <p:cNvPr id="2" name="Text Placeholder 1"/>
+          <p:cNvSpPr>
+            <a:spLocks noGrp="1"/>
+          </p:cNvSpPr>
+          <p:nvPr>
+            <p:ph type="body" sz="quarter" idx="10"/>
+          </p:nvPr>
+        </p:nvSpPr>
+        <p:spPr>
+          <a:xfrm>
+            <a:off x="274638" y="1212851"/>
+            <a:ext cx="11887200" cy="5332412"/>
+          </a:xfrm>
+        </p:spPr>
+        <p:txBody>
+          <a:bodyPr>
+            <a:normAutofit lnSpcReduction="10000"/>
+          </a:bodyPr>
+          <a:lstStyle/>
+          <a:p>
+            <a:r>
+              <a:rPr lang="en-US" dirty="0" smtClean="0"/>
+              <a:t>Validation prevents retrieving intermediate states</a:t>
+            </a:r>
+          </a:p>
+          <a:p>
+            <a:r>
+              <a:rPr lang="en-US" dirty="0" smtClean="0"/>
+              <a:t>When can you or do you want to bypass validation?</a:t>
+            </a:r>
+          </a:p>
+          <a:p>
+            <a:pPr lvl="1"/>
+            <a:r>
+              <a:rPr lang="en-US" dirty="0" smtClean="0"/>
+              <a:t>Validation is an extra round-trip into the shard</a:t>
+            </a:r>
+          </a:p>
+          <a:p>
+            <a:pPr lvl="1"/>
+            <a:r>
+              <a:rPr lang="en-US" dirty="0" smtClean="0"/>
+              <a:t>Validation is an extra stored procedure call on the shard</a:t>
+            </a:r>
+          </a:p>
+          <a:p>
+            <a:pPr lvl="1"/>
+            <a:r>
+              <a:rPr lang="en-US" dirty="0" smtClean="0"/>
+              <a:t>Validation can be turned off in </a:t>
+            </a:r>
+            <a:r>
+              <a:rPr lang="en-US" dirty="0" err="1" smtClean="0"/>
+              <a:t>OpenConnectionForKey</a:t>
+            </a:r>
+            <a:r>
+              <a:rPr lang="en-US" dirty="0" smtClean="0"/>
+              <a:t> calls</a:t>
+            </a:r>
+          </a:p>
+          <a:p>
+            <a:r>
+              <a:rPr lang="en-US" dirty="0" smtClean="0"/>
+              <a:t>Legitimate scenarios with validation turned off</a:t>
+            </a:r>
+          </a:p>
+          <a:p>
+            <a:pPr lvl="1"/>
+            <a:r>
+              <a:rPr lang="en-US" dirty="0" smtClean="0"/>
+              <a:t>Split/Merge not used</a:t>
+            </a:r>
+          </a:p>
+          <a:p>
+            <a:pPr lvl="1"/>
+            <a:r>
+              <a:rPr lang="en-US" dirty="0" smtClean="0"/>
+              <a:t>Shardlets never move</a:t>
+            </a:r>
+          </a:p>
+          <a:p>
+            <a:r>
+              <a:rPr lang="en-US" dirty="0" smtClean="0"/>
+              <a:t>How to orchestrate non-validation and validation</a:t>
+            </a:r>
+          </a:p>
+          <a:p>
+            <a:pPr lvl="1"/>
+            <a:r>
+              <a:rPr lang="en-US" dirty="0" smtClean="0"/>
+              <a:t>Validation can be controlled by a setting in the app</a:t>
+            </a:r>
+          </a:p>
+          <a:p>
+            <a:pPr lvl="1"/>
+            <a:r>
+              <a:rPr lang="en-US" dirty="0" smtClean="0"/>
+              <a:t>Use a </a:t>
+            </a:r>
+            <a:r>
+              <a:rPr lang="en-US" dirty="0" err="1" smtClean="0"/>
+              <a:t>config</a:t>
+            </a:r>
+            <a:r>
+              <a:rPr lang="en-US" dirty="0" smtClean="0"/>
+              <a:t> deployment across your app </a:t>
+            </a:r>
+            <a:r>
+              <a:rPr lang="en-US" dirty="0"/>
+              <a:t>tier to change </a:t>
+            </a:r>
+            <a:r>
+              <a:rPr lang="en-US" dirty="0" smtClean="0"/>
+              <a:t>the setting</a:t>
+            </a:r>
+          </a:p>
+          <a:p>
+            <a:pPr lvl="1"/>
+            <a:endParaRPr lang="en-US" dirty="0"/>
+          </a:p>
+        </p:txBody>
+      </p:sp>
+      <p:sp>
+        <p:nvSpPr>
+          <p:cNvPr id="3" name="Title 2"/>
+          <p:cNvSpPr>
+            <a:spLocks noGrp="1"/>
+          </p:cNvSpPr>
+          <p:nvPr>
+            <p:ph type="title"/>
+          </p:nvPr>
+        </p:nvSpPr>
+        <p:spPr/>
+        <p:txBody>
+          <a:bodyPr/>
+          <a:lstStyle/>
+          <a:p>
+            <a:r>
+              <a:rPr lang="en-US" dirty="0" smtClean="0"/>
+              <a:t>DDR: Performance Considerations</a:t>
+            </a:r>
+            <a:endParaRPr lang="en-US" dirty="0"/>
+          </a:p>
+        </p:txBody>
+      </p:sp>
+    </p:spTree>
+    <p:extLst>
+      <p:ext uri="{BB962C8B-B14F-4D97-AF65-F5344CB8AC3E}">
+        <p14:creationId xmlns:p14="http://schemas.microsoft.com/office/powerpoint/2010/main" val="224379774"/>
+      </p:ext>
+    </p:extLst>
+  </p:cSld>
+  <p:clrMapOvr>
+    <a:masterClrMapping/>
+  </p:clrMapOvr>
+  <p:transition>
+    <p:fade/>
+  </p:transition>
+  <p:timing>
+    <p:tnLst>
+      <p:par>
+        <p:cTn id="1" dur="indefinite" restart="never" nodeType="tmRoot"/>
+      </p:par>
+    </p:tnLst>
+  </p:timing>
+</p:sld>
+</file>
+
+<file path=ppt/slides/slide31.xml><?xml version="1.0" encoding="utf-8"?>
+<p:sld xmlns:a="http://schemas.openxmlformats.org/drawingml/2006/main" xmlns:r="http://schemas.openxmlformats.org/officeDocument/2006/relationships" xmlns:p="http://schemas.openxmlformats.org/presentationml/2006/main">
+  <p:cSld>
+    <p:spTree>
+      <p:nvGrpSpPr>
+        <p:cNvPr id="1" name=""/>
+        <p:cNvGrpSpPr/>
+        <p:nvPr/>
+      </p:nvGrpSpPr>
+      <p:grpSpPr>
+        <a:xfrm>
+          <a:off x="0" y="0"/>
+          <a:ext cx="0" cy="0"/>
+          <a:chOff x="0" y="0"/>
+          <a:chExt cx="0" cy="0"/>
+        </a:xfrm>
+      </p:grpSpPr>
+      <p:sp>
+        <p:nvSpPr>
+          <p:cNvPr id="4" name="Title 3"/>
+          <p:cNvSpPr>
+            <a:spLocks noGrp="1"/>
+          </p:cNvSpPr>
+          <p:nvPr>
+            <p:ph type="title"/>
+          </p:nvPr>
+        </p:nvSpPr>
+        <p:spPr/>
+        <p:txBody>
+          <a:bodyPr/>
+          <a:lstStyle/>
+          <a:p>
+            <a:r>
+              <a:rPr lang="en-US" dirty="0"/>
+              <a:t>Multi-shard Query (MSQ)</a:t>
+            </a:r>
+          </a:p>
+        </p:txBody>
+      </p:sp>
+    </p:spTree>
+    <p:extLst>
+      <p:ext uri="{BB962C8B-B14F-4D97-AF65-F5344CB8AC3E}">
+        <p14:creationId xmlns:p14="http://schemas.microsoft.com/office/powerpoint/2010/main" val="2597747195"/>
+      </p:ext>
+    </p:extLst>
+  </p:cSld>
+  <p:clrMapOvr>
+    <a:masterClrMapping/>
+  </p:clrMapOvr>
+  <p:transition>
+    <p:fade/>
+  </p:transition>
+  <p:timing>
+    <p:tnLst>
+      <p:par>
+        <p:cTn id="1" dur="indefinite" restart="never" nodeType="tmRoot"/>
+      </p:par>
+    </p:tnLst>
+  </p:timing>
+</p:sld>
+</file>
+
+<file path=ppt/slides/slide32.xml><?xml version="1.0" encoding="utf-8"?>
+<p:sld xmlns:a="http://schemas.openxmlformats.org/drawingml/2006/main" xmlns:r="http://schemas.openxmlformats.org/officeDocument/2006/relationships" xmlns:p="http://schemas.openxmlformats.org/presentationml/2006/main">
+  <p:cSld>
+    <p:spTree>
+      <p:nvGrpSpPr>
+        <p:cNvPr id="1" name=""/>
+        <p:cNvGrpSpPr/>
+        <p:nvPr/>
+      </p:nvGrpSpPr>
+      <p:grpSpPr>
+        <a:xfrm>
+          <a:off x="0" y="0"/>
+          <a:ext cx="0" cy="0"/>
+          <a:chOff x="0" y="0"/>
+          <a:chExt cx="0" cy="0"/>
+        </a:xfrm>
+      </p:grpSpPr>
+      <p:sp>
+        <p:nvSpPr>
           <p:cNvPr id="2" name="Title 1"/>
           <p:cNvSpPr>
             <a:spLocks noGrp="1"/>
@@ -33829,7 +34101,7 @@
 </p:sld>
 </file>
 
-<file path=ppt/slides/slide31.xml><?xml version="1.0" encoding="utf-8"?>
+<file path=ppt/slides/slide33.xml><?xml version="1.0" encoding="utf-8"?>
 <p:sld xmlns:a="http://schemas.openxmlformats.org/drawingml/2006/main" xmlns:r="http://schemas.openxmlformats.org/officeDocument/2006/relationships" xmlns:p="http://schemas.openxmlformats.org/presentationml/2006/main">
   <p:cSld>
     <p:spTree>
@@ -34434,7 +34706,7 @@
               <a:t>= </a:t>
             </a:r>
             <a:r>
-              <a:rPr lang="en-US" sz="3600" dirty="0" err="1">
+              <a:rPr lang="en-US" sz="3600" dirty="0" err="1" smtClean="0">
                 <a:solidFill>
                   <a:srgbClr val="2B91AF"/>
                 </a:solidFill>
@@ -34445,7 +34717,7 @@
               <a:t>MultiShardExecutionPolicy</a:t>
             </a:r>
             <a:r>
-              <a:rPr lang="en-US" sz="3600" dirty="0" err="1">
+              <a:rPr lang="en-US" sz="3600" dirty="0" err="1" smtClean="0">
                 <a:solidFill>
                   <a:srgbClr val="000000"/>
                 </a:solidFill>
@@ -34466,10 +34738,18 @@
               </a:rPr>
               <a:t>;</a:t>
             </a:r>
-          </a:p>
-          <a:p>
-            <a:r>
-              <a:rPr lang="en-US" sz="3600" dirty="0" smtClean="0">
+            <a:endParaRPr lang="en-US" sz="3600" dirty="0">
+              <a:solidFill>
+                <a:srgbClr val="000000"/>
+              </a:solidFill>
+              <a:highlight>
+                <a:srgbClr val="FFFFFF"/>
+              </a:highlight>
+            </a:endParaRPr>
+          </a:p>
+          <a:p>
+            <a:r>
+              <a:rPr lang="en-US" sz="3600" dirty="0">
                 <a:solidFill>
                   <a:srgbClr val="000000"/>
                 </a:solidFill>
@@ -34477,7 +34757,18 @@
                   <a:srgbClr val="FFFFFF"/>
                 </a:highlight>
               </a:rPr>
-              <a:t>	</a:t>
+              <a:t> </a:t>
+            </a:r>
+            <a:r>
+              <a:rPr lang="en-US" sz="3600" dirty="0" smtClean="0">
+                <a:solidFill>
+                  <a:srgbClr val="000000"/>
+                </a:solidFill>
+                <a:highlight>
+                  <a:srgbClr val="FFFFFF"/>
+                </a:highlight>
+              </a:rPr>
+              <a:t>       </a:t>
             </a:r>
             <a:r>
               <a:rPr lang="en-US" sz="3600" dirty="0" err="1" smtClean="0">
@@ -35271,6 +35562,110 @@
           </a:p>
         </p:txBody>
       </p:sp>
+      <p:sp>
+        <p:nvSpPr>
+          <p:cNvPr id="8" name="TextBox 7"/>
+          <p:cNvSpPr txBox="1"/>
+          <p:nvPr/>
+        </p:nvSpPr>
+        <p:spPr>
+          <a:xfrm>
+            <a:off x="6807778" y="2797313"/>
+            <a:ext cx="2895600" cy="461665"/>
+          </a:xfrm>
+          <a:prstGeom prst="rect">
+            <a:avLst/>
+          </a:prstGeom>
+          <a:noFill/>
+        </p:spPr>
+        <p:txBody>
+          <a:bodyPr wrap="square" lIns="182880" tIns="146304" rIns="182880" bIns="146304" rtlCol="0">
+            <a:spAutoFit/>
+          </a:bodyPr>
+          <a:lstStyle/>
+          <a:p>
+            <a:pPr>
+              <a:lnSpc>
+                <a:spcPct val="90000"/>
+              </a:lnSpc>
+              <a:spcAft>
+                <a:spcPts val="600"/>
+              </a:spcAft>
+            </a:pPr>
+            <a:r>
+              <a:rPr lang="en-US" sz="1100" dirty="0" smtClean="0">
+                <a:solidFill>
+                  <a:schemeClr val="accent2">
+                    <a:lumMod val="60000"/>
+                    <a:lumOff val="40000"/>
+                  </a:schemeClr>
+                </a:solidFill>
+              </a:rPr>
+              <a:t>“Best Effort” (off by default)</a:t>
+            </a:r>
+            <a:endParaRPr lang="en-US" sz="1100" dirty="0" smtClean="0">
+              <a:solidFill>
+                <a:schemeClr val="accent2">
+                  <a:lumMod val="60000"/>
+                  <a:lumOff val="40000"/>
+                </a:schemeClr>
+              </a:solidFill>
+            </a:endParaRPr>
+          </a:p>
+        </p:txBody>
+      </p:sp>
+      <p:sp>
+        <p:nvSpPr>
+          <p:cNvPr id="10" name="TextBox 9"/>
+          <p:cNvSpPr txBox="1"/>
+          <p:nvPr/>
+        </p:nvSpPr>
+        <p:spPr>
+          <a:xfrm>
+            <a:off x="8518774" y="3028145"/>
+            <a:ext cx="2895600" cy="461665"/>
+          </a:xfrm>
+          <a:prstGeom prst="rect">
+            <a:avLst/>
+          </a:prstGeom>
+          <a:noFill/>
+        </p:spPr>
+        <p:txBody>
+          <a:bodyPr wrap="square" lIns="182880" tIns="146304" rIns="182880" bIns="146304" rtlCol="0">
+            <a:spAutoFit/>
+          </a:bodyPr>
+          <a:lstStyle/>
+          <a:p>
+            <a:pPr>
+              <a:lnSpc>
+                <a:spcPct val="90000"/>
+              </a:lnSpc>
+              <a:spcAft>
+                <a:spcPts val="600"/>
+              </a:spcAft>
+            </a:pPr>
+            <a:r>
+              <a:rPr lang="en-US" sz="1100" dirty="0" smtClean="0">
+                <a:solidFill>
+                  <a:schemeClr val="accent2">
+                    <a:lumMod val="60000"/>
+                    <a:lumOff val="40000"/>
+                  </a:schemeClr>
+                </a:solidFill>
+              </a:rPr>
+              <a:t>Where do I live?</a:t>
+            </a:r>
+            <a:endParaRPr lang="en-US" sz="1100" dirty="0" smtClean="0">
+              <a:solidFill>
+                <a:schemeClr val="accent2">
+                  <a:lumMod val="60000"/>
+                  <a:lumOff val="40000"/>
+                </a:schemeClr>
+              </a:solidFill>
+            </a:endParaRPr>
+          </a:p>
+        </p:txBody>
+      </p:sp>
     </p:spTree>
     <p:extLst>
       <p:ext uri="{BB962C8B-B14F-4D97-AF65-F5344CB8AC3E}">
@@ -35287,85 +35682,14 @@
   <p:timing>
     <p:tnLst>
       <p:par>
-        <p:cTn id="1" dur="indefinite" restart="never" nodeType="tmRoot">
-          <p:childTnLst>
-            <p:seq concurrent="1" nextAc="seek">
-              <p:cTn id="2" dur="indefinite" nodeType="mainSeq">
-                <p:childTnLst>
-                  <p:par>
-                    <p:cTn id="3" fill="hold">
-                      <p:stCondLst>
-                        <p:cond delay="indefinite"/>
-                      </p:stCondLst>
-                      <p:childTnLst>
-                        <p:par>
-                          <p:cTn id="4" fill="hold">
-                            <p:stCondLst>
-                              <p:cond delay="0"/>
-                            </p:stCondLst>
-                            <p:childTnLst>
-                              <p:par>
-                                <p:cTn id="5" presetID="1" presetClass="entr" presetSubtype="0" fill="hold" grpId="0" nodeType="clickEffect">
-                                  <p:stCondLst>
-                                    <p:cond delay="0"/>
-                                  </p:stCondLst>
-                                  <p:childTnLst>
-                                    <p:set>
-                                      <p:cBhvr>
-                                        <p:cTn id="6" dur="1" fill="hold">
-                                          <p:stCondLst>
-                                            <p:cond delay="0"/>
-                                          </p:stCondLst>
-                                        </p:cTn>
-                                        <p:tgtEl>
-                                          <p:spTgt spid="3"/>
-                                        </p:tgtEl>
-                                        <p:attrNameLst>
-                                          <p:attrName>style.visibility</p:attrName>
-                                        </p:attrNameLst>
-                                      </p:cBhvr>
-                                      <p:to>
-                                        <p:strVal val="visible"/>
-                                      </p:to>
-                                    </p:set>
-                                  </p:childTnLst>
-                                </p:cTn>
-                              </p:par>
-                            </p:childTnLst>
-                          </p:cTn>
-                        </p:par>
-                      </p:childTnLst>
-                    </p:cTn>
-                  </p:par>
-                </p:childTnLst>
-              </p:cTn>
-              <p:prevCondLst>
-                <p:cond evt="onPrev" delay="0">
-                  <p:tgtEl>
-                    <p:sldTgt/>
-                  </p:tgtEl>
-                </p:cond>
-              </p:prevCondLst>
-              <p:nextCondLst>
-                <p:cond evt="onNext" delay="0">
-                  <p:tgtEl>
-                    <p:sldTgt/>
-                  </p:tgtEl>
-                </p:cond>
-              </p:nextCondLst>
-            </p:seq>
-          </p:childTnLst>
-        </p:cTn>
+        <p:cTn id="1" dur="indefinite" restart="never" nodeType="tmRoot"/>
       </p:par>
     </p:tnLst>
-    <p:bldLst>
-      <p:bldP spid="3" grpId="0" animBg="1"/>
-    </p:bldLst>
   </p:timing>
 </p:sld>
 </file>
 
-<file path=ppt/slides/slide32.xml><?xml version="1.0" encoding="utf-8"?>
+<file path=ppt/slides/slide34.xml><?xml version="1.0" encoding="utf-8"?>
 <p:sld xmlns:a="http://schemas.openxmlformats.org/drawingml/2006/main" xmlns:r="http://schemas.openxmlformats.org/officeDocument/2006/relationships" xmlns:p="http://schemas.openxmlformats.org/presentationml/2006/main">
   <p:cSld>
     <p:spTree>
@@ -35554,7 +35878,7 @@
 </p:sld>
 </file>
 
-<file path=ppt/slides/slide33.xml><?xml version="1.0" encoding="utf-8"?>
+<file path=ppt/slides/slide35.xml><?xml version="1.0" encoding="utf-8"?>
 <p:sld xmlns:a="http://schemas.openxmlformats.org/drawingml/2006/main" xmlns:r="http://schemas.openxmlformats.org/officeDocument/2006/relationships" xmlns:p="http://schemas.openxmlformats.org/presentationml/2006/main">
   <p:cSld>
     <p:spTree>
@@ -35606,10 +35930,17 @@
   <p:transition>
     <p:fade/>
   </p:transition>
+  <p:timing>
+    <p:tnLst>
+      <p:par>
+        <p:cTn id="1" dur="indefinite" restart="never" nodeType="tmRoot"/>
+      </p:par>
+    </p:tnLst>
+  </p:timing>
 </p:sld>
 </file>
 
-<file path=ppt/slides/slide34.xml><?xml version="1.0" encoding="utf-8"?>
+<file path=ppt/slides/slide36.xml><?xml version="1.0" encoding="utf-8"?>
 <p:sld xmlns:a="http://schemas.openxmlformats.org/drawingml/2006/main" xmlns:r="http://schemas.openxmlformats.org/officeDocument/2006/relationships" xmlns:p="http://schemas.openxmlformats.org/presentationml/2006/main">
   <p:cSld>
     <p:spTree>
@@ -38114,368 +38445,14 @@
   <p:timing>
     <p:tnLst>
       <p:par>
-        <p:cTn id="1" dur="indefinite" restart="never" nodeType="tmRoot">
-          <p:childTnLst>
-            <p:seq concurrent="1" nextAc="seek">
-              <p:cTn id="2" dur="indefinite" nodeType="mainSeq">
-                <p:childTnLst>
-                  <p:par>
-                    <p:cTn id="3" fill="hold">
-                      <p:stCondLst>
-                        <p:cond delay="indefinite"/>
-                      </p:stCondLst>
-                      <p:childTnLst>
-                        <p:par>
-                          <p:cTn id="4" fill="hold">
-                            <p:stCondLst>
-                              <p:cond delay="0"/>
-                            </p:stCondLst>
-                            <p:childTnLst>
-                              <p:par>
-                                <p:cTn id="5" presetID="1" presetClass="entr" presetSubtype="0" fill="hold" nodeType="clickEffect">
-                                  <p:stCondLst>
-                                    <p:cond delay="0"/>
-                                  </p:stCondLst>
-                                  <p:childTnLst>
-                                    <p:set>
-                                      <p:cBhvr>
-                                        <p:cTn id="6" dur="1" fill="hold">
-                                          <p:stCondLst>
-                                            <p:cond delay="0"/>
-                                          </p:stCondLst>
-                                        </p:cTn>
-                                        <p:tgtEl>
-                                          <p:spTgt spid="25"/>
-                                        </p:tgtEl>
-                                        <p:attrNameLst>
-                                          <p:attrName>style.visibility</p:attrName>
-                                        </p:attrNameLst>
-                                      </p:cBhvr>
-                                      <p:to>
-                                        <p:strVal val="visible"/>
-                                      </p:to>
-                                    </p:set>
-                                  </p:childTnLst>
-                                </p:cTn>
-                              </p:par>
-                              <p:par>
-                                <p:cTn id="7" presetID="1" presetClass="entr" presetSubtype="0" fill="hold" grpId="0" nodeType="withEffect">
-                                  <p:stCondLst>
-                                    <p:cond delay="0"/>
-                                  </p:stCondLst>
-                                  <p:childTnLst>
-                                    <p:set>
-                                      <p:cBhvr>
-                                        <p:cTn id="8" dur="1" fill="hold">
-                                          <p:stCondLst>
-                                            <p:cond delay="0"/>
-                                          </p:stCondLst>
-                                        </p:cTn>
-                                        <p:tgtEl>
-                                          <p:spTgt spid="29"/>
-                                        </p:tgtEl>
-                                        <p:attrNameLst>
-                                          <p:attrName>style.visibility</p:attrName>
-                                        </p:attrNameLst>
-                                      </p:cBhvr>
-                                      <p:to>
-                                        <p:strVal val="visible"/>
-                                      </p:to>
-                                    </p:set>
-                                  </p:childTnLst>
-                                </p:cTn>
-                              </p:par>
-                            </p:childTnLst>
-                          </p:cTn>
-                        </p:par>
-                      </p:childTnLst>
-                    </p:cTn>
-                  </p:par>
-                  <p:par>
-                    <p:cTn id="9" fill="hold">
-                      <p:stCondLst>
-                        <p:cond delay="indefinite"/>
-                      </p:stCondLst>
-                      <p:childTnLst>
-                        <p:par>
-                          <p:cTn id="10" fill="hold">
-                            <p:stCondLst>
-                              <p:cond delay="0"/>
-                            </p:stCondLst>
-                            <p:childTnLst>
-                              <p:par>
-                                <p:cTn id="11" presetID="1" presetClass="entr" presetSubtype="0" fill="hold" nodeType="clickEffect">
-                                  <p:stCondLst>
-                                    <p:cond delay="0"/>
-                                  </p:stCondLst>
-                                  <p:childTnLst>
-                                    <p:set>
-                                      <p:cBhvr>
-                                        <p:cTn id="12" dur="1" fill="hold">
-                                          <p:stCondLst>
-                                            <p:cond delay="0"/>
-                                          </p:stCondLst>
-                                        </p:cTn>
-                                        <p:tgtEl>
-                                          <p:spTgt spid="45"/>
-                                        </p:tgtEl>
-                                        <p:attrNameLst>
-                                          <p:attrName>style.visibility</p:attrName>
-                                        </p:attrNameLst>
-                                      </p:cBhvr>
-                                      <p:to>
-                                        <p:strVal val="visible"/>
-                                      </p:to>
-                                    </p:set>
-                                  </p:childTnLst>
-                                </p:cTn>
-                              </p:par>
-                              <p:par>
-                                <p:cTn id="13" presetID="1" presetClass="entr" presetSubtype="0" fill="hold" nodeType="withEffect">
-                                  <p:stCondLst>
-                                    <p:cond delay="0"/>
-                                  </p:stCondLst>
-                                  <p:childTnLst>
-                                    <p:set>
-                                      <p:cBhvr>
-                                        <p:cTn id="14" dur="1" fill="hold">
-                                          <p:stCondLst>
-                                            <p:cond delay="0"/>
-                                          </p:stCondLst>
-                                        </p:cTn>
-                                        <p:tgtEl>
-                                          <p:spTgt spid="44"/>
-                                        </p:tgtEl>
-                                        <p:attrNameLst>
-                                          <p:attrName>style.visibility</p:attrName>
-                                        </p:attrNameLst>
-                                      </p:cBhvr>
-                                      <p:to>
-                                        <p:strVal val="visible"/>
-                                      </p:to>
-                                    </p:set>
-                                  </p:childTnLst>
-                                </p:cTn>
-                              </p:par>
-                              <p:par>
-                                <p:cTn id="15" presetID="1" presetClass="entr" presetSubtype="0" fill="hold" grpId="0" nodeType="withEffect">
-                                  <p:stCondLst>
-                                    <p:cond delay="0"/>
-                                  </p:stCondLst>
-                                  <p:childTnLst>
-                                    <p:set>
-                                      <p:cBhvr>
-                                        <p:cTn id="16" dur="1" fill="hold">
-                                          <p:stCondLst>
-                                            <p:cond delay="0"/>
-                                          </p:stCondLst>
-                                        </p:cTn>
-                                        <p:tgtEl>
-                                          <p:spTgt spid="42"/>
-                                        </p:tgtEl>
-                                        <p:attrNameLst>
-                                          <p:attrName>style.visibility</p:attrName>
-                                        </p:attrNameLst>
-                                      </p:cBhvr>
-                                      <p:to>
-                                        <p:strVal val="visible"/>
-                                      </p:to>
-                                    </p:set>
-                                  </p:childTnLst>
-                                </p:cTn>
-                              </p:par>
-                              <p:par>
-                                <p:cTn id="17" presetID="1" presetClass="entr" presetSubtype="0" fill="hold" grpId="0" nodeType="withEffect">
-                                  <p:stCondLst>
-                                    <p:cond delay="0"/>
-                                  </p:stCondLst>
-                                  <p:childTnLst>
-                                    <p:set>
-                                      <p:cBhvr>
-                                        <p:cTn id="18" dur="1" fill="hold">
-                                          <p:stCondLst>
-                                            <p:cond delay="0"/>
-                                          </p:stCondLst>
-                                        </p:cTn>
-                                        <p:tgtEl>
-                                          <p:spTgt spid="43"/>
-                                        </p:tgtEl>
-                                        <p:attrNameLst>
-                                          <p:attrName>style.visibility</p:attrName>
-                                        </p:attrNameLst>
-                                      </p:cBhvr>
-                                      <p:to>
-                                        <p:strVal val="visible"/>
-                                      </p:to>
-                                    </p:set>
-                                  </p:childTnLst>
-                                </p:cTn>
-                              </p:par>
-                            </p:childTnLst>
-                          </p:cTn>
-                        </p:par>
-                      </p:childTnLst>
-                    </p:cTn>
-                  </p:par>
-                  <p:par>
-                    <p:cTn id="19" fill="hold">
-                      <p:stCondLst>
-                        <p:cond delay="indefinite"/>
-                      </p:stCondLst>
-                      <p:childTnLst>
-                        <p:par>
-                          <p:cTn id="20" fill="hold">
-                            <p:stCondLst>
-                              <p:cond delay="0"/>
-                            </p:stCondLst>
-                            <p:childTnLst>
-                              <p:par>
-                                <p:cTn id="21" presetID="1" presetClass="entr" presetSubtype="0" fill="hold" grpId="0" nodeType="clickEffect">
-                                  <p:stCondLst>
-                                    <p:cond delay="0"/>
-                                  </p:stCondLst>
-                                  <p:childTnLst>
-                                    <p:set>
-                                      <p:cBhvr>
-                                        <p:cTn id="22" dur="1" fill="hold">
-                                          <p:stCondLst>
-                                            <p:cond delay="0"/>
-                                          </p:stCondLst>
-                                        </p:cTn>
-                                        <p:tgtEl>
-                                          <p:spTgt spid="30"/>
-                                        </p:tgtEl>
-                                        <p:attrNameLst>
-                                          <p:attrName>style.visibility</p:attrName>
-                                        </p:attrNameLst>
-                                      </p:cBhvr>
-                                      <p:to>
-                                        <p:strVal val="visible"/>
-                                      </p:to>
-                                    </p:set>
-                                  </p:childTnLst>
-                                </p:cTn>
-                              </p:par>
-                              <p:par>
-                                <p:cTn id="23" presetID="1" presetClass="entr" presetSubtype="0" fill="hold" nodeType="withEffect">
-                                  <p:stCondLst>
-                                    <p:cond delay="0"/>
-                                  </p:stCondLst>
-                                  <p:childTnLst>
-                                    <p:set>
-                                      <p:cBhvr>
-                                        <p:cTn id="24" dur="1" fill="hold">
-                                          <p:stCondLst>
-                                            <p:cond delay="0"/>
-                                          </p:stCondLst>
-                                        </p:cTn>
-                                        <p:tgtEl>
-                                          <p:spTgt spid="48"/>
-                                        </p:tgtEl>
-                                        <p:attrNameLst>
-                                          <p:attrName>style.visibility</p:attrName>
-                                        </p:attrNameLst>
-                                      </p:cBhvr>
-                                      <p:to>
-                                        <p:strVal val="visible"/>
-                                      </p:to>
-                                    </p:set>
-                                  </p:childTnLst>
-                                </p:cTn>
-                              </p:par>
-                              <p:par>
-                                <p:cTn id="25" presetID="1" presetClass="entr" presetSubtype="0" fill="hold" nodeType="withEffect">
-                                  <p:stCondLst>
-                                    <p:cond delay="0"/>
-                                  </p:stCondLst>
-                                  <p:childTnLst>
-                                    <p:set>
-                                      <p:cBhvr>
-                                        <p:cTn id="26" dur="1" fill="hold">
-                                          <p:stCondLst>
-                                            <p:cond delay="0"/>
-                                          </p:stCondLst>
-                                        </p:cTn>
-                                        <p:tgtEl>
-                                          <p:spTgt spid="47"/>
-                                        </p:tgtEl>
-                                        <p:attrNameLst>
-                                          <p:attrName>style.visibility</p:attrName>
-                                        </p:attrNameLst>
-                                      </p:cBhvr>
-                                      <p:to>
-                                        <p:strVal val="visible"/>
-                                      </p:to>
-                                    </p:set>
-                                  </p:childTnLst>
-                                </p:cTn>
-                              </p:par>
-                              <p:par>
-                                <p:cTn id="27" presetID="1" presetClass="entr" presetSubtype="0" fill="hold" grpId="0" nodeType="withEffect">
-                                  <p:stCondLst>
-                                    <p:cond delay="0"/>
-                                  </p:stCondLst>
-                                  <p:childTnLst>
-                                    <p:set>
-                                      <p:cBhvr>
-                                        <p:cTn id="28" dur="1" fill="hold">
-                                          <p:stCondLst>
-                                            <p:cond delay="0"/>
-                                          </p:stCondLst>
-                                        </p:cTn>
-                                        <p:tgtEl>
-                                          <p:spTgt spid="46"/>
-                                        </p:tgtEl>
-                                        <p:attrNameLst>
-                                          <p:attrName>style.visibility</p:attrName>
-                                        </p:attrNameLst>
-                                      </p:cBhvr>
-                                      <p:to>
-                                        <p:strVal val="visible"/>
-                                      </p:to>
-                                    </p:set>
-                                  </p:childTnLst>
-                                </p:cTn>
-                              </p:par>
-                            </p:childTnLst>
-                          </p:cTn>
-                        </p:par>
-                      </p:childTnLst>
-                    </p:cTn>
-                  </p:par>
-                </p:childTnLst>
-              </p:cTn>
-              <p:prevCondLst>
-                <p:cond evt="onPrev" delay="0">
-                  <p:tgtEl>
-                    <p:sldTgt/>
-                  </p:tgtEl>
-                </p:cond>
-              </p:prevCondLst>
-              <p:nextCondLst>
-                <p:cond evt="onNext" delay="0">
-                  <p:tgtEl>
-                    <p:sldTgt/>
-                  </p:tgtEl>
-                </p:cond>
-              </p:nextCondLst>
-            </p:seq>
-          </p:childTnLst>
-        </p:cTn>
+        <p:cTn id="1" dur="indefinite" restart="never" nodeType="tmRoot"/>
       </p:par>
     </p:tnLst>
-    <p:bldLst>
-      <p:bldP spid="29" grpId="0"/>
-      <p:bldP spid="30" grpId="0"/>
-      <p:bldP spid="42" grpId="0" animBg="1"/>
-      <p:bldP spid="43" grpId="0" animBg="1"/>
-      <p:bldP spid="46" grpId="0" animBg="1"/>
-    </p:bldLst>
   </p:timing>
 </p:sld>
 </file>
 
-<file path=ppt/slides/slide35.xml><?xml version="1.0" encoding="utf-8"?>
+<file path=ppt/slides/slide37.xml><?xml version="1.0" encoding="utf-8"?>
 <p:sld xmlns:a="http://schemas.openxmlformats.org/drawingml/2006/main" xmlns:r="http://schemas.openxmlformats.org/officeDocument/2006/relationships" xmlns:p="http://schemas.openxmlformats.org/presentationml/2006/main">
   <p:cSld>
     <p:spTree>
@@ -38510,7 +38487,7 @@
         </p:spPr>
         <p:txBody>
           <a:bodyPr>
-            <a:normAutofit fontScale="85000" lnSpcReduction="20000"/>
+            <a:normAutofit fontScale="92500" lnSpcReduction="10000"/>
           </a:bodyPr>
           <a:lstStyle/>
           <a:p>
@@ -38547,28 +38524,16 @@
           </a:p>
           <a:p>
             <a:r>
+              <a:rPr lang="en-US" dirty="0" err="1" smtClean="0"/>
+              <a:t>Sharded</a:t>
+            </a:r>
+            <a:r>
               <a:rPr lang="en-US" dirty="0" smtClean="0"/>
-              <a:t>Scale currently limited to one worker role instance</a:t>
-            </a:r>
-          </a:p>
-          <a:p>
-            <a:pPr lvl="1"/>
+              <a:t> </a:t>
+            </a:r>
             <a:r>
               <a:rPr lang="en-US" dirty="0" smtClean="0"/>
-              <a:t>Makes it impossible to implement role redundancy for availability SLA</a:t>
-            </a:r>
-          </a:p>
-          <a:p>
-            <a:pPr lvl="1"/>
-            <a:r>
-              <a:rPr lang="en-US" dirty="0" smtClean="0"/>
-              <a:t>Fixed in Public Preview refresh</a:t>
-            </a:r>
-          </a:p>
-          <a:p>
-            <a:r>
-              <a:rPr lang="en-US" dirty="0" smtClean="0"/>
-              <a:t>Sharded tables vs. reference tables</a:t>
+              <a:t>tables vs. reference tables</a:t>
             </a:r>
           </a:p>
           <a:p>
@@ -38667,368 +38632,6 @@
     <p:extLst>
       <p:ext uri="{BB962C8B-B14F-4D97-AF65-F5344CB8AC3E}">
         <p14:creationId xmlns:p14="http://schemas.microsoft.com/office/powerpoint/2010/main" val="3613844277"/>
-      </p:ext>
-    </p:extLst>
-  </p:cSld>
-  <p:clrMapOvr>
-    <a:masterClrMapping/>
-  </p:clrMapOvr>
-  <p:transition>
-    <p:fade/>
-  </p:transition>
-  <p:timing>
-    <p:tnLst>
-      <p:par>
-        <p:cTn id="1" dur="indefinite" restart="never" nodeType="tmRoot"/>
-      </p:par>
-    </p:tnLst>
-  </p:timing>
-</p:sld>
-</file>
-
-<file path=ppt/slides/slide36.xml><?xml version="1.0" encoding="utf-8"?>
-<p:sld xmlns:a="http://schemas.openxmlformats.org/drawingml/2006/main" xmlns:r="http://schemas.openxmlformats.org/officeDocument/2006/relationships" xmlns:p="http://schemas.openxmlformats.org/presentationml/2006/main">
-  <p:cSld>
-    <p:spTree>
-      <p:nvGrpSpPr>
-        <p:cNvPr id="1" name=""/>
-        <p:cNvGrpSpPr/>
-        <p:nvPr/>
-      </p:nvGrpSpPr>
-      <p:grpSpPr>
-        <a:xfrm>
-          <a:off x="0" y="0"/>
-          <a:ext cx="0" cy="0"/>
-          <a:chOff x="0" y="0"/>
-          <a:chExt cx="0" cy="0"/>
-        </a:xfrm>
-      </p:grpSpPr>
-      <p:sp>
-        <p:nvSpPr>
-          <p:cNvPr id="2" name="Text Placeholder 1"/>
-          <p:cNvSpPr>
-            <a:spLocks noGrp="1"/>
-          </p:cNvSpPr>
-          <p:nvPr>
-            <p:ph type="body" sz="quarter" idx="10"/>
-          </p:nvPr>
-        </p:nvSpPr>
-        <p:spPr>
-          <a:xfrm>
-            <a:off x="274638" y="1135062"/>
-            <a:ext cx="11887200" cy="5781675"/>
-          </a:xfrm>
-        </p:spPr>
-        <p:txBody>
-          <a:bodyPr>
-            <a:normAutofit fontScale="92500" lnSpcReduction="20000"/>
-          </a:bodyPr>
-          <a:lstStyle/>
-          <a:p>
-            <a:r>
-              <a:rPr lang="en-US" dirty="0"/>
-              <a:t>Availability approach: Mostly online/partially offline</a:t>
-            </a:r>
-          </a:p>
-          <a:p>
-            <a:r>
-              <a:rPr lang="en-US" dirty="0" smtClean="0"/>
-              <a:t>Automatically prevents corruption </a:t>
-            </a:r>
-            <a:r>
-              <a:rPr lang="en-US" dirty="0"/>
-              <a:t>or wrong results </a:t>
-            </a:r>
-            <a:r>
-              <a:rPr lang="en-US" dirty="0" smtClean="0"/>
-              <a:t>in DDR when </a:t>
-            </a:r>
-            <a:r>
-              <a:rPr lang="en-US" dirty="0"/>
-              <a:t>working with a shardlet that is split or </a:t>
-            </a:r>
-            <a:r>
-              <a:rPr lang="en-US" dirty="0" smtClean="0"/>
-              <a:t>merged</a:t>
-            </a:r>
-          </a:p>
-          <a:p>
-            <a:pPr lvl="1"/>
-            <a:r>
-              <a:rPr lang="en-US" dirty="0" smtClean="0"/>
-              <a:t>Example: </a:t>
-            </a:r>
-            <a:r>
-              <a:rPr lang="en-US" dirty="0" err="1" smtClean="0"/>
-              <a:t>OpenConnectionForKey</a:t>
-            </a:r>
-            <a:r>
-              <a:rPr lang="en-US" dirty="0" smtClean="0"/>
-              <a:t> call targeting shardlet that is moved to different shard</a:t>
-            </a:r>
-          </a:p>
-          <a:p>
-            <a:pPr lvl="1"/>
-            <a:r>
-              <a:rPr lang="en-US" dirty="0" smtClean="0"/>
-              <a:t>Note that Multi-Shard Querying is not protected</a:t>
-            </a:r>
-            <a:endParaRPr lang="en-US" dirty="0"/>
-          </a:p>
-          <a:p>
-            <a:r>
-              <a:rPr lang="en-US" dirty="0"/>
-              <a:t>Split/Merge coordinates with Shard Map APIs and blocks access to shardlets currently being split or merged</a:t>
-            </a:r>
-          </a:p>
-          <a:p>
-            <a:pPr lvl="2" indent="-342900"/>
-            <a:r>
-              <a:rPr lang="en-US" dirty="0" err="1" smtClean="0"/>
-              <a:t>OpenConnectionForKey</a:t>
-            </a:r>
-            <a:r>
-              <a:rPr lang="en-US" dirty="0" smtClean="0"/>
-              <a:t> connections carry a cookie that allows to identify the shardlet </a:t>
-            </a:r>
-          </a:p>
-          <a:p>
-            <a:pPr lvl="2" indent="-342900"/>
-            <a:r>
-              <a:rPr lang="en-US" dirty="0" smtClean="0"/>
-              <a:t>Existing </a:t>
-            </a:r>
-            <a:r>
-              <a:rPr lang="en-US" dirty="0"/>
-              <a:t>connections opened with </a:t>
-            </a:r>
-            <a:r>
-              <a:rPr lang="en-US" dirty="0" err="1"/>
-              <a:t>OpenConnectionForKey</a:t>
-            </a:r>
-            <a:r>
-              <a:rPr lang="en-US" dirty="0"/>
-              <a:t> get killed</a:t>
-            </a:r>
-          </a:p>
-          <a:p>
-            <a:pPr lvl="2" indent="-342900"/>
-            <a:r>
-              <a:rPr lang="en-US" dirty="0" err="1"/>
-              <a:t>OpenConnectionForKey</a:t>
-            </a:r>
-            <a:r>
-              <a:rPr lang="en-US" dirty="0"/>
-              <a:t> will throw an exception </a:t>
-            </a:r>
-            <a:r>
-              <a:rPr lang="en-US" dirty="0" smtClean="0"/>
-              <a:t>when targeting shardlets on the move</a:t>
-            </a:r>
-            <a:endParaRPr lang="en-US" dirty="0"/>
-          </a:p>
-          <a:p>
-            <a:r>
-              <a:rPr lang="en-US" dirty="0"/>
-              <a:t>Shardlets are the smallest granularity of downtime currently supported</a:t>
-            </a:r>
-          </a:p>
-          <a:p>
-            <a:r>
-              <a:rPr lang="en-US" dirty="0"/>
-              <a:t>Batch size in number of shardlets is a parameter to split/merge </a:t>
-            </a:r>
-            <a:r>
-              <a:rPr lang="en-US" dirty="0" smtClean="0"/>
-              <a:t>operations to control downtime</a:t>
-            </a:r>
-          </a:p>
-        </p:txBody>
-      </p:sp>
-      <p:sp>
-        <p:nvSpPr>
-          <p:cNvPr id="3" name="Title 2"/>
-          <p:cNvSpPr>
-            <a:spLocks noGrp="1"/>
-          </p:cNvSpPr>
-          <p:nvPr>
-            <p:ph type="title"/>
-          </p:nvPr>
-        </p:nvSpPr>
-        <p:spPr/>
-        <p:txBody>
-          <a:bodyPr/>
-          <a:lstStyle/>
-          <a:p>
-            <a:r>
-              <a:rPr lang="en-US" dirty="0" smtClean="0"/>
-              <a:t>Split/Merge: Availability</a:t>
-            </a:r>
-            <a:endParaRPr lang="en-US" dirty="0"/>
-          </a:p>
-        </p:txBody>
-      </p:sp>
-    </p:spTree>
-    <p:extLst>
-      <p:ext uri="{BB962C8B-B14F-4D97-AF65-F5344CB8AC3E}">
-        <p14:creationId xmlns:p14="http://schemas.microsoft.com/office/powerpoint/2010/main" val="1408987602"/>
-      </p:ext>
-    </p:extLst>
-  </p:cSld>
-  <p:clrMapOvr>
-    <a:masterClrMapping/>
-  </p:clrMapOvr>
-  <p:transition>
-    <p:fade/>
-  </p:transition>
-  <p:timing>
-    <p:tnLst>
-      <p:par>
-        <p:cTn id="1" dur="indefinite" restart="never" nodeType="tmRoot"/>
-      </p:par>
-    </p:tnLst>
-  </p:timing>
-</p:sld>
-</file>
-
-<file path=ppt/slides/slide37.xml><?xml version="1.0" encoding="utf-8"?>
-<p:sld xmlns:a="http://schemas.openxmlformats.org/drawingml/2006/main" xmlns:r="http://schemas.openxmlformats.org/officeDocument/2006/relationships" xmlns:p="http://schemas.openxmlformats.org/presentationml/2006/main">
-  <p:cSld>
-    <p:spTree>
-      <p:nvGrpSpPr>
-        <p:cNvPr id="1" name=""/>
-        <p:cNvGrpSpPr/>
-        <p:nvPr/>
-      </p:nvGrpSpPr>
-      <p:grpSpPr>
-        <a:xfrm>
-          <a:off x="0" y="0"/>
-          <a:ext cx="0" cy="0"/>
-          <a:chOff x="0" y="0"/>
-          <a:chExt cx="0" cy="0"/>
-        </a:xfrm>
-      </p:grpSpPr>
-      <p:sp>
-        <p:nvSpPr>
-          <p:cNvPr id="2" name="Text Placeholder 1"/>
-          <p:cNvSpPr>
-            <a:spLocks noGrp="1"/>
-          </p:cNvSpPr>
-          <p:nvPr>
-            <p:ph type="body" sz="quarter" idx="10"/>
-          </p:nvPr>
-        </p:nvSpPr>
-        <p:spPr>
-          <a:xfrm>
-            <a:off x="274638" y="1212850"/>
-            <a:ext cx="11887200" cy="5332412"/>
-          </a:xfrm>
-        </p:spPr>
-        <p:txBody>
-          <a:bodyPr>
-            <a:normAutofit fontScale="92500" lnSpcReduction="20000"/>
-          </a:bodyPr>
-          <a:lstStyle/>
-          <a:p>
-            <a:r>
-              <a:rPr lang="en-US" dirty="0" smtClean="0"/>
-              <a:t>Sharding key needs to be part of all sharded tables</a:t>
-            </a:r>
-          </a:p>
-          <a:p>
-            <a:r>
-              <a:rPr lang="en-US" dirty="0" smtClean="0"/>
-              <a:t>Sharding key should be the leading column in at least one of the indexes supporting a sharded table</a:t>
-            </a:r>
-          </a:p>
-          <a:p>
-            <a:pPr lvl="1"/>
-            <a:r>
-              <a:rPr lang="en-US" dirty="0" smtClean="0"/>
-              <a:t>Split/merge operations are using a shard key range as a filter predicate</a:t>
-            </a:r>
-          </a:p>
-          <a:p>
-            <a:pPr lvl="1"/>
-            <a:r>
-              <a:rPr lang="en-US" dirty="0" smtClean="0"/>
-              <a:t>Queries analyze the population of the range to implement the batch size</a:t>
-            </a:r>
-          </a:p>
-          <a:p>
-            <a:pPr lvl="1"/>
-            <a:r>
-              <a:rPr lang="en-US" dirty="0" smtClean="0"/>
-              <a:t>Bulk copy and delete use sharding key predicates again</a:t>
-            </a:r>
-          </a:p>
-          <a:p>
-            <a:r>
-              <a:rPr lang="en-US" dirty="0" smtClean="0"/>
-              <a:t>Provide a unique key or index with large shardlets</a:t>
-            </a:r>
-          </a:p>
-          <a:p>
-            <a:pPr lvl="1"/>
-            <a:r>
-              <a:rPr lang="en-US" dirty="0" smtClean="0"/>
-              <a:t>Large data sets may require multiple transactions per shardlet</a:t>
-            </a:r>
-          </a:p>
-          <a:p>
-            <a:pPr lvl="1"/>
-            <a:r>
-              <a:rPr lang="en-US" dirty="0" smtClean="0"/>
-              <a:t>Unique key facilitates rollback and ensures </a:t>
-            </a:r>
-            <a:r>
-              <a:rPr lang="en-US" dirty="0" err="1" smtClean="0"/>
-              <a:t>idempotency</a:t>
-            </a:r>
-            <a:endParaRPr lang="en-US" dirty="0" smtClean="0"/>
-          </a:p>
-          <a:p>
-            <a:r>
-              <a:rPr lang="en-US" dirty="0" smtClean="0"/>
-              <a:t>Split/Merge is very IO intensive</a:t>
-            </a:r>
-          </a:p>
-          <a:p>
-            <a:r>
-              <a:rPr lang="en-US" dirty="0" smtClean="0"/>
-              <a:t>Consider using Premium scale for the duration of a split or merge operation</a:t>
-            </a:r>
-            <a:endParaRPr lang="en-US" dirty="0"/>
-          </a:p>
-        </p:txBody>
-      </p:sp>
-      <p:sp>
-        <p:nvSpPr>
-          <p:cNvPr id="3" name="Title 2"/>
-          <p:cNvSpPr>
-            <a:spLocks noGrp="1"/>
-          </p:cNvSpPr>
-          <p:nvPr>
-            <p:ph type="title"/>
-          </p:nvPr>
-        </p:nvSpPr>
-        <p:spPr/>
-        <p:txBody>
-          <a:bodyPr/>
-          <a:lstStyle/>
-          <a:p>
-            <a:r>
-              <a:rPr lang="en-US" dirty="0" smtClean="0"/>
-              <a:t>Split/Merge: Performance</a:t>
-            </a:r>
-            <a:endParaRPr lang="en-US" dirty="0"/>
-          </a:p>
-        </p:txBody>
-      </p:sp>
-    </p:spTree>
-    <p:extLst>
-      <p:ext uri="{BB962C8B-B14F-4D97-AF65-F5344CB8AC3E}">
-        <p14:creationId xmlns:p14="http://schemas.microsoft.com/office/powerpoint/2010/main" val="3367363244"/>
       </p:ext>
     </p:extLst>
   </p:cSld>
@@ -39077,73 +38680,133 @@
         </p:nvSpPr>
         <p:spPr>
           <a:xfrm>
-            <a:off x="274638" y="1212850"/>
-            <a:ext cx="11887200" cy="4530471"/>
+            <a:off x="274638" y="1135062"/>
+            <a:ext cx="11887200" cy="5781675"/>
           </a:xfrm>
         </p:spPr>
         <p:txBody>
-          <a:bodyPr/>
+          <a:bodyPr>
+            <a:normAutofit fontScale="92500" lnSpcReduction="20000"/>
+          </a:bodyPr>
           <a:lstStyle/>
           <a:p>
             <a:r>
+              <a:rPr lang="en-US" dirty="0"/>
+              <a:t>Availability approach: Mostly online/partially offline</a:t>
+            </a:r>
+          </a:p>
+          <a:p>
+            <a:r>
               <a:rPr lang="en-US" dirty="0" smtClean="0"/>
-              <a:t>Web role: Supported security configurations</a:t>
+              <a:t>Automatically prevents corruption </a:t>
+            </a:r>
+            <a:r>
+              <a:rPr lang="en-US" dirty="0"/>
+              <a:t>or wrong results </a:t>
+            </a:r>
+            <a:r>
+              <a:rPr lang="en-US" dirty="0" smtClean="0"/>
+              <a:t>in DDR when </a:t>
+            </a:r>
+            <a:r>
+              <a:rPr lang="en-US" dirty="0"/>
+              <a:t>working with a shardlet that is split or </a:t>
+            </a:r>
+            <a:r>
+              <a:rPr lang="en-US" dirty="0" smtClean="0"/>
+              <a:t>merged</a:t>
             </a:r>
           </a:p>
           <a:p>
             <a:pPr lvl="1"/>
             <a:r>
               <a:rPr lang="en-US" dirty="0" smtClean="0"/>
-              <a:t>Secure traffic through SSL using server certificate</a:t>
+              <a:t>Example: </a:t>
+            </a:r>
+            <a:r>
+              <a:rPr lang="en-US" dirty="0" err="1" smtClean="0"/>
+              <a:t>OpenConnectionForKey</a:t>
+            </a:r>
+            <a:r>
+              <a:rPr lang="en-US" dirty="0" smtClean="0"/>
+              <a:t> call targeting shardlet that is moved to different shard</a:t>
             </a:r>
           </a:p>
           <a:p>
             <a:pPr lvl="1"/>
             <a:r>
               <a:rPr lang="en-US" dirty="0" smtClean="0"/>
-              <a:t>Authorize clients through client certificates</a:t>
-            </a:r>
-          </a:p>
-          <a:p>
+              <a:t>Note that Multi-Shard Querying is not protected</a:t>
+            </a:r>
+            <a:endParaRPr lang="en-US" dirty="0"/>
+          </a:p>
+          <a:p>
+            <a:r>
+              <a:rPr lang="en-US" dirty="0"/>
+              <a:t>Split/Merge coordinates with Shard Map APIs and blocks access to shardlets currently being split or merged</a:t>
+            </a:r>
+          </a:p>
+          <a:p>
+            <a:pPr lvl="2" indent="-342900"/>
+            <a:r>
+              <a:rPr lang="en-US" dirty="0" err="1" smtClean="0"/>
+              <a:t>OpenConnectionForKey</a:t>
+            </a:r>
             <a:r>
               <a:rPr lang="en-US" dirty="0" smtClean="0"/>
-              <a:t>Worker role:</a:t>
-            </a:r>
-          </a:p>
-          <a:p>
-            <a:pPr lvl="1"/>
+              <a:t> connections carry a cookie that allows to identify the shardlet </a:t>
+            </a:r>
+          </a:p>
+          <a:p>
+            <a:pPr lvl="2" indent="-342900"/>
             <a:r>
               <a:rPr lang="en-US" dirty="0" smtClean="0"/>
-              <a:t>No public surface area for worker role needed</a:t>
-            </a:r>
-          </a:p>
-          <a:p>
-            <a:pPr lvl="1"/>
+              <a:t>Existing </a:t>
+            </a:r>
+            <a:r>
+              <a:rPr lang="en-US" dirty="0"/>
+              <a:t>connections opened with </a:t>
+            </a:r>
+            <a:r>
+              <a:rPr lang="en-US" dirty="0" err="1"/>
+              <a:t>OpenConnectionForKey</a:t>
+            </a:r>
+            <a:r>
+              <a:rPr lang="en-US" dirty="0"/>
+              <a:t> get killed</a:t>
+            </a:r>
+          </a:p>
+          <a:p>
+            <a:pPr lvl="2" indent="-342900"/>
+            <a:r>
+              <a:rPr lang="en-US" dirty="0" err="1"/>
+              <a:t>OpenConnectionForKey</a:t>
+            </a:r>
+            <a:r>
+              <a:rPr lang="en-US" dirty="0"/>
+              <a:t> will throw an exception </a:t>
+            </a:r>
             <a:r>
               <a:rPr lang="en-US" dirty="0" smtClean="0"/>
-              <a:t>Access only through your Azure subscription</a:t>
-            </a:r>
-          </a:p>
-          <a:p>
+              <a:t>when targeting shardlets on the move</a:t>
+            </a:r>
+            <a:endParaRPr lang="en-US" dirty="0"/>
+          </a:p>
+          <a:p>
+            <a:r>
+              <a:rPr lang="en-US" dirty="0"/>
+              <a:t>Shardlets are the smallest granularity of downtime currently supported</a:t>
+            </a:r>
+          </a:p>
+          <a:p>
+            <a:r>
+              <a:rPr lang="en-US" dirty="0"/>
+              <a:t>Batch size in number of shardlets is a parameter to split/merge </a:t>
+            </a:r>
             <a:r>
               <a:rPr lang="en-US" dirty="0" smtClean="0"/>
-              <a:t>Database</a:t>
-            </a:r>
-          </a:p>
-          <a:p>
-            <a:pPr lvl="1"/>
-            <a:r>
-              <a:rPr lang="en-US" dirty="0" smtClean="0"/>
-              <a:t>Regular Azure SQL Database security model using username and password</a:t>
-            </a:r>
-          </a:p>
-          <a:p>
-            <a:pPr lvl="1"/>
-            <a:r>
-              <a:rPr lang="en-US" dirty="0" smtClean="0"/>
-              <a:t>Both web and worker role need access to the database</a:t>
-            </a:r>
-            <a:endParaRPr lang="en-US" dirty="0"/>
+              <a:t>operations to control downtime</a:t>
+            </a:r>
           </a:p>
         </p:txBody>
       </p:sp>
@@ -39164,7 +38827,7 @@
           <a:p>
             <a:r>
               <a:rPr lang="en-US" dirty="0" smtClean="0"/>
-              <a:t>Split/Merge: Security Considerations</a:t>
+              <a:t>Split/Merge: Availability</a:t>
             </a:r>
             <a:endParaRPr lang="en-US" dirty="0"/>
           </a:p>
@@ -39173,7 +38836,7 @@
     </p:spTree>
     <p:extLst>
       <p:ext uri="{BB962C8B-B14F-4D97-AF65-F5344CB8AC3E}">
-        <p14:creationId xmlns:p14="http://schemas.microsoft.com/office/powerpoint/2010/main" val="1079697900"/>
+        <p14:creationId xmlns:p14="http://schemas.microsoft.com/office/powerpoint/2010/main" val="1408987602"/>
       </p:ext>
     </p:extLst>
   </p:cSld>
@@ -39212,7 +38875,101 @@
       </p:grpSpPr>
       <p:sp>
         <p:nvSpPr>
-          <p:cNvPr id="4" name="Title 3"/>
+          <p:cNvPr id="2" name="Text Placeholder 1"/>
+          <p:cNvSpPr>
+            <a:spLocks noGrp="1"/>
+          </p:cNvSpPr>
+          <p:nvPr>
+            <p:ph type="body" sz="quarter" idx="10"/>
+          </p:nvPr>
+        </p:nvSpPr>
+        <p:spPr>
+          <a:xfrm>
+            <a:off x="274638" y="1212850"/>
+            <a:ext cx="11887200" cy="5332412"/>
+          </a:xfrm>
+        </p:spPr>
+        <p:txBody>
+          <a:bodyPr>
+            <a:normAutofit fontScale="92500" lnSpcReduction="20000"/>
+          </a:bodyPr>
+          <a:lstStyle/>
+          <a:p>
+            <a:r>
+              <a:rPr lang="en-US" dirty="0" smtClean="0"/>
+              <a:t>Sharding key needs to be part of all sharded tables</a:t>
+            </a:r>
+          </a:p>
+          <a:p>
+            <a:r>
+              <a:rPr lang="en-US" dirty="0" smtClean="0"/>
+              <a:t>Sharding key should be the leading column in at least one of the indexes supporting a sharded table</a:t>
+            </a:r>
+          </a:p>
+          <a:p>
+            <a:pPr lvl="1"/>
+            <a:r>
+              <a:rPr lang="en-US" dirty="0" smtClean="0"/>
+              <a:t>Split/merge operations are using a shard key range as a filter predicate</a:t>
+            </a:r>
+          </a:p>
+          <a:p>
+            <a:pPr lvl="1"/>
+            <a:r>
+              <a:rPr lang="en-US" dirty="0" smtClean="0"/>
+              <a:t>Queries analyze the population of the range to implement the batch size</a:t>
+            </a:r>
+          </a:p>
+          <a:p>
+            <a:pPr lvl="1"/>
+            <a:r>
+              <a:rPr lang="en-US" dirty="0" smtClean="0"/>
+              <a:t>Bulk copy and delete use sharding key predicates again</a:t>
+            </a:r>
+          </a:p>
+          <a:p>
+            <a:r>
+              <a:rPr lang="en-US" dirty="0" smtClean="0"/>
+              <a:t>Provide a unique key or index with large shardlets</a:t>
+            </a:r>
+          </a:p>
+          <a:p>
+            <a:pPr lvl="1"/>
+            <a:r>
+              <a:rPr lang="en-US" dirty="0" smtClean="0"/>
+              <a:t>Large data sets may require multiple transactions per shardlet</a:t>
+            </a:r>
+          </a:p>
+          <a:p>
+            <a:pPr lvl="1"/>
+            <a:r>
+              <a:rPr lang="en-US" dirty="0" smtClean="0"/>
+              <a:t>Unique key facilitates rollback and ensures </a:t>
+            </a:r>
+            <a:r>
+              <a:rPr lang="en-US" dirty="0" err="1" smtClean="0"/>
+              <a:t>idempotency</a:t>
+            </a:r>
+            <a:endParaRPr lang="en-US" dirty="0" smtClean="0"/>
+          </a:p>
+          <a:p>
+            <a:r>
+              <a:rPr lang="en-US" dirty="0" smtClean="0"/>
+              <a:t>Split/Merge is very IO intensive</a:t>
+            </a:r>
+          </a:p>
+          <a:p>
+            <a:r>
+              <a:rPr lang="en-US" dirty="0" smtClean="0"/>
+              <a:t>Consider using Premium scale for the duration of a split or merge operation</a:t>
+            </a:r>
+            <a:endParaRPr lang="en-US" dirty="0"/>
+          </a:p>
+        </p:txBody>
+      </p:sp>
+      <p:sp>
+        <p:nvSpPr>
+          <p:cNvPr id="3" name="Title 2"/>
           <p:cNvSpPr>
             <a:spLocks noGrp="1"/>
           </p:cNvSpPr>
@@ -39226,16 +38983,17 @@
           <a:lstStyle/>
           <a:p>
             <a:r>
-              <a:rPr lang="en-US" dirty="0"/>
-              <a:t>Shard Elasticity (SE)</a:t>
-            </a:r>
+              <a:rPr lang="en-US" dirty="0" smtClean="0"/>
+              <a:t>Split/Merge: Performance</a:t>
+            </a:r>
+            <a:endParaRPr lang="en-US" dirty="0"/>
           </a:p>
         </p:txBody>
       </p:sp>
     </p:spTree>
     <p:extLst>
       <p:ext uri="{BB962C8B-B14F-4D97-AF65-F5344CB8AC3E}">
-        <p14:creationId xmlns:p14="http://schemas.microsoft.com/office/powerpoint/2010/main" val="80860844"/>
+        <p14:creationId xmlns:p14="http://schemas.microsoft.com/office/powerpoint/2010/main" val="3367363244"/>
       </p:ext>
     </p:extLst>
   </p:cSld>
@@ -39245,6 +39003,13 @@
   <p:transition>
     <p:fade/>
   </p:transition>
+  <p:timing>
+    <p:tnLst>
+      <p:par>
+        <p:cTn id="1" dur="indefinite" restart="never" nodeType="tmRoot"/>
+      </p:par>
+    </p:tnLst>
+  </p:timing>
 </p:sld>
 </file>
 
@@ -39426,6 +39191,213 @@
 </file>
 
 <file path=ppt/slides/slide40.xml><?xml version="1.0" encoding="utf-8"?>
+<p:sld xmlns:a="http://schemas.openxmlformats.org/drawingml/2006/main" xmlns:r="http://schemas.openxmlformats.org/officeDocument/2006/relationships" xmlns:p="http://schemas.openxmlformats.org/presentationml/2006/main">
+  <p:cSld>
+    <p:spTree>
+      <p:nvGrpSpPr>
+        <p:cNvPr id="1" name=""/>
+        <p:cNvGrpSpPr/>
+        <p:nvPr/>
+      </p:nvGrpSpPr>
+      <p:grpSpPr>
+        <a:xfrm>
+          <a:off x="0" y="0"/>
+          <a:ext cx="0" cy="0"/>
+          <a:chOff x="0" y="0"/>
+          <a:chExt cx="0" cy="0"/>
+        </a:xfrm>
+      </p:grpSpPr>
+      <p:sp>
+        <p:nvSpPr>
+          <p:cNvPr id="2" name="Text Placeholder 1"/>
+          <p:cNvSpPr>
+            <a:spLocks noGrp="1"/>
+          </p:cNvSpPr>
+          <p:nvPr>
+            <p:ph type="body" sz="quarter" idx="10"/>
+          </p:nvPr>
+        </p:nvSpPr>
+        <p:spPr>
+          <a:xfrm>
+            <a:off x="274638" y="1212850"/>
+            <a:ext cx="11887200" cy="4530471"/>
+          </a:xfrm>
+        </p:spPr>
+        <p:txBody>
+          <a:bodyPr/>
+          <a:lstStyle/>
+          <a:p>
+            <a:r>
+              <a:rPr lang="en-US" dirty="0" smtClean="0"/>
+              <a:t>Web role: Supported security configurations</a:t>
+            </a:r>
+          </a:p>
+          <a:p>
+            <a:pPr lvl="1"/>
+            <a:r>
+              <a:rPr lang="en-US" dirty="0" smtClean="0"/>
+              <a:t>Secure traffic through SSL using server certificate</a:t>
+            </a:r>
+          </a:p>
+          <a:p>
+            <a:pPr lvl="1"/>
+            <a:r>
+              <a:rPr lang="en-US" dirty="0" smtClean="0"/>
+              <a:t>Authorize clients through client certificates</a:t>
+            </a:r>
+          </a:p>
+          <a:p>
+            <a:r>
+              <a:rPr lang="en-US" dirty="0" smtClean="0"/>
+              <a:t>Worker role:</a:t>
+            </a:r>
+          </a:p>
+          <a:p>
+            <a:pPr lvl="1"/>
+            <a:r>
+              <a:rPr lang="en-US" dirty="0" smtClean="0"/>
+              <a:t>No public surface area for worker role needed</a:t>
+            </a:r>
+          </a:p>
+          <a:p>
+            <a:pPr lvl="1"/>
+            <a:r>
+              <a:rPr lang="en-US" dirty="0" smtClean="0"/>
+              <a:t>Access only through your Azure subscription</a:t>
+            </a:r>
+          </a:p>
+          <a:p>
+            <a:r>
+              <a:rPr lang="en-US" dirty="0" smtClean="0"/>
+              <a:t>Database</a:t>
+            </a:r>
+          </a:p>
+          <a:p>
+            <a:pPr lvl="1"/>
+            <a:r>
+              <a:rPr lang="en-US" dirty="0" smtClean="0"/>
+              <a:t>Regular Azure SQL Database security model using username and password</a:t>
+            </a:r>
+          </a:p>
+          <a:p>
+            <a:pPr lvl="1"/>
+            <a:r>
+              <a:rPr lang="en-US" dirty="0" smtClean="0"/>
+              <a:t>Both web and worker role need access to the database</a:t>
+            </a:r>
+            <a:endParaRPr lang="en-US" dirty="0"/>
+          </a:p>
+        </p:txBody>
+      </p:sp>
+      <p:sp>
+        <p:nvSpPr>
+          <p:cNvPr id="3" name="Title 2"/>
+          <p:cNvSpPr>
+            <a:spLocks noGrp="1"/>
+          </p:cNvSpPr>
+          <p:nvPr>
+            <p:ph type="title"/>
+          </p:nvPr>
+        </p:nvSpPr>
+        <p:spPr/>
+        <p:txBody>
+          <a:bodyPr/>
+          <a:lstStyle/>
+          <a:p>
+            <a:r>
+              <a:rPr lang="en-US" dirty="0" smtClean="0"/>
+              <a:t>Split/Merge: Security Considerations</a:t>
+            </a:r>
+            <a:endParaRPr lang="en-US" dirty="0"/>
+          </a:p>
+        </p:txBody>
+      </p:sp>
+    </p:spTree>
+    <p:extLst>
+      <p:ext uri="{BB962C8B-B14F-4D97-AF65-F5344CB8AC3E}">
+        <p14:creationId xmlns:p14="http://schemas.microsoft.com/office/powerpoint/2010/main" val="1079697900"/>
+      </p:ext>
+    </p:extLst>
+  </p:cSld>
+  <p:clrMapOvr>
+    <a:masterClrMapping/>
+  </p:clrMapOvr>
+  <p:transition>
+    <p:fade/>
+  </p:transition>
+  <p:timing>
+    <p:tnLst>
+      <p:par>
+        <p:cTn id="1" dur="indefinite" restart="never" nodeType="tmRoot"/>
+      </p:par>
+    </p:tnLst>
+  </p:timing>
+</p:sld>
+</file>
+
+<file path=ppt/slides/slide41.xml><?xml version="1.0" encoding="utf-8"?>
+<p:sld xmlns:a="http://schemas.openxmlformats.org/drawingml/2006/main" xmlns:r="http://schemas.openxmlformats.org/officeDocument/2006/relationships" xmlns:p="http://schemas.openxmlformats.org/presentationml/2006/main">
+  <p:cSld>
+    <p:spTree>
+      <p:nvGrpSpPr>
+        <p:cNvPr id="1" name=""/>
+        <p:cNvGrpSpPr/>
+        <p:nvPr/>
+      </p:nvGrpSpPr>
+      <p:grpSpPr>
+        <a:xfrm>
+          <a:off x="0" y="0"/>
+          <a:ext cx="0" cy="0"/>
+          <a:chOff x="0" y="0"/>
+          <a:chExt cx="0" cy="0"/>
+        </a:xfrm>
+      </p:grpSpPr>
+      <p:sp>
+        <p:nvSpPr>
+          <p:cNvPr id="4" name="Title 3"/>
+          <p:cNvSpPr>
+            <a:spLocks noGrp="1"/>
+          </p:cNvSpPr>
+          <p:nvPr>
+            <p:ph type="title"/>
+          </p:nvPr>
+        </p:nvSpPr>
+        <p:spPr/>
+        <p:txBody>
+          <a:bodyPr/>
+          <a:lstStyle/>
+          <a:p>
+            <a:r>
+              <a:rPr lang="en-US" dirty="0"/>
+              <a:t>Shard Elasticity (SE)</a:t>
+            </a:r>
+          </a:p>
+        </p:txBody>
+      </p:sp>
+    </p:spTree>
+    <p:extLst>
+      <p:ext uri="{BB962C8B-B14F-4D97-AF65-F5344CB8AC3E}">
+        <p14:creationId xmlns:p14="http://schemas.microsoft.com/office/powerpoint/2010/main" val="80860844"/>
+      </p:ext>
+    </p:extLst>
+  </p:cSld>
+  <p:clrMapOvr>
+    <a:masterClrMapping/>
+  </p:clrMapOvr>
+  <p:transition>
+    <p:fade/>
+  </p:transition>
+  <p:timing>
+    <p:tnLst>
+      <p:par>
+        <p:cTn id="1" dur="indefinite" restart="never" nodeType="tmRoot"/>
+      </p:par>
+    </p:tnLst>
+  </p:timing>
+</p:sld>
+</file>
+
+<file path=ppt/slides/slide42.xml><?xml version="1.0" encoding="utf-8"?>
 <p:sld xmlns:a="http://schemas.openxmlformats.org/drawingml/2006/main" xmlns:r="http://schemas.openxmlformats.org/officeDocument/2006/relationships" xmlns:p="http://schemas.openxmlformats.org/presentationml/2006/main">
   <p:cSld>
     <p:spTree>
@@ -41545,7 +41517,7 @@
 </p:sld>
 </file>
 
-<file path=ppt/slides/slide41.xml><?xml version="1.0" encoding="utf-8"?>
+<file path=ppt/slides/slide43.xml><?xml version="1.0" encoding="utf-8"?>
 <p:sld xmlns:a="http://schemas.openxmlformats.org/drawingml/2006/main" xmlns:r="http://schemas.openxmlformats.org/officeDocument/2006/relationships" xmlns:p="http://schemas.openxmlformats.org/presentationml/2006/main">
   <p:cSld>
     <p:spTree>
@@ -41608,7 +41580,7 @@
 </p:sld>
 </file>
 
-<file path=ppt/slides/slide42.xml><?xml version="1.0" encoding="utf-8"?>
+<file path=ppt/slides/slide44.xml><?xml version="1.0" encoding="utf-8"?>
 <p:sld xmlns:a="http://schemas.openxmlformats.org/drawingml/2006/main" xmlns:r="http://schemas.openxmlformats.org/officeDocument/2006/relationships" xmlns:p="http://schemas.openxmlformats.org/presentationml/2006/main">
   <p:cSld>
     <p:spTree>
@@ -43194,7 +43166,7 @@
 </p:sld>
 </file>
 
-<file path=ppt/slides/slide43.xml><?xml version="1.0" encoding="utf-8"?>
+<file path=ppt/slides/slide45.xml><?xml version="1.0" encoding="utf-8"?>
 <p:sld xmlns:a="http://schemas.openxmlformats.org/drawingml/2006/main" xmlns:r="http://schemas.openxmlformats.org/officeDocument/2006/relationships" xmlns:p="http://schemas.openxmlformats.org/presentationml/2006/main">
   <p:cSld>
     <p:spTree>
@@ -43247,10 +43219,17 @@
   <p:transition>
     <p:fade/>
   </p:transition>
+  <p:timing>
+    <p:tnLst>
+      <p:par>
+        <p:cTn id="1" dur="indefinite" restart="never" nodeType="tmRoot"/>
+      </p:par>
+    </p:tnLst>
+  </p:timing>
 </p:sld>
 </file>
 
-<file path=ppt/slides/slide44.xml><?xml version="1.0" encoding="utf-8"?>
+<file path=ppt/slides/slide46.xml><?xml version="1.0" encoding="utf-8"?>
 <p:sld xmlns:a="http://schemas.openxmlformats.org/drawingml/2006/main" xmlns:r="http://schemas.openxmlformats.org/officeDocument/2006/relationships" xmlns:p="http://schemas.openxmlformats.org/presentationml/2006/main">
   <p:cSld>
     <p:spTree>
@@ -43397,10 +43376,17 @@
   <p:transition>
     <p:fade/>
   </p:transition>
+  <p:timing>
+    <p:tnLst>
+      <p:par>
+        <p:cTn id="1" dur="indefinite" restart="never" nodeType="tmRoot"/>
+      </p:par>
+    </p:tnLst>
+  </p:timing>
 </p:sld>
 </file>
 
-<file path=ppt/slides/slide45.xml><?xml version="1.0" encoding="utf-8"?>
+<file path=ppt/slides/slide47.xml><?xml version="1.0" encoding="utf-8"?>
 <p:sld xmlns:a="http://schemas.openxmlformats.org/drawingml/2006/main" xmlns:r="http://schemas.openxmlformats.org/officeDocument/2006/relationships" xmlns:p="http://schemas.openxmlformats.org/presentationml/2006/main">
   <p:cSld>
     <p:spTree>
@@ -43567,324 +43553,6 @@
     <p:extLst>
       <p:ext uri="{BB962C8B-B14F-4D97-AF65-F5344CB8AC3E}">
         <p14:creationId xmlns:p14="http://schemas.microsoft.com/office/powerpoint/2010/main" val="944859505"/>
-      </p:ext>
-    </p:extLst>
-  </p:cSld>
-  <p:clrMapOvr>
-    <a:masterClrMapping/>
-  </p:clrMapOvr>
-  <p:transition>
-    <p:fade/>
-  </p:transition>
-</p:sld>
-</file>
-
-<file path=ppt/slides/slide46.xml><?xml version="1.0" encoding="utf-8"?>
-<p:sld xmlns:a="http://schemas.openxmlformats.org/drawingml/2006/main" xmlns:r="http://schemas.openxmlformats.org/officeDocument/2006/relationships" xmlns:p="http://schemas.openxmlformats.org/presentationml/2006/main">
-  <p:cSld>
-    <p:spTree>
-      <p:nvGrpSpPr>
-        <p:cNvPr id="1" name=""/>
-        <p:cNvGrpSpPr/>
-        <p:nvPr/>
-      </p:nvGrpSpPr>
-      <p:grpSpPr>
-        <a:xfrm>
-          <a:off x="0" y="0"/>
-          <a:ext cx="0" cy="0"/>
-          <a:chOff x="0" y="0"/>
-          <a:chExt cx="0" cy="0"/>
-        </a:xfrm>
-      </p:grpSpPr>
-      <p:sp>
-        <p:nvSpPr>
-          <p:cNvPr id="4" name="Title 3"/>
-          <p:cNvSpPr>
-            <a:spLocks noGrp="1"/>
-          </p:cNvSpPr>
-          <p:nvPr>
-            <p:ph type="title"/>
-          </p:nvPr>
-        </p:nvSpPr>
-        <p:spPr/>
-        <p:txBody>
-          <a:bodyPr/>
-          <a:lstStyle/>
-          <a:p>
-            <a:r>
-              <a:rPr lang="en-US" dirty="0" smtClean="0"/>
-              <a:t>Wrap up</a:t>
-            </a:r>
-            <a:endParaRPr lang="en-US" dirty="0"/>
-          </a:p>
-        </p:txBody>
-      </p:sp>
-    </p:spTree>
-    <p:extLst>
-      <p:ext uri="{BB962C8B-B14F-4D97-AF65-F5344CB8AC3E}">
-        <p14:creationId xmlns:p14="http://schemas.microsoft.com/office/powerpoint/2010/main" val="2774584639"/>
-      </p:ext>
-    </p:extLst>
-  </p:cSld>
-  <p:clrMapOvr>
-    <a:masterClrMapping/>
-  </p:clrMapOvr>
-  <p:transition>
-    <p:fade/>
-  </p:transition>
-</p:sld>
-</file>
-
-<file path=ppt/slides/slide47.xml><?xml version="1.0" encoding="utf-8"?>
-<p:sld xmlns:a="http://schemas.openxmlformats.org/drawingml/2006/main" xmlns:r="http://schemas.openxmlformats.org/officeDocument/2006/relationships" xmlns:p="http://schemas.openxmlformats.org/presentationml/2006/main">
-  <p:cSld>
-    <p:spTree>
-      <p:nvGrpSpPr>
-        <p:cNvPr id="1" name=""/>
-        <p:cNvGrpSpPr/>
-        <p:nvPr/>
-      </p:nvGrpSpPr>
-      <p:grpSpPr>
-        <a:xfrm>
-          <a:off x="0" y="0"/>
-          <a:ext cx="0" cy="0"/>
-          <a:chOff x="0" y="0"/>
-          <a:chExt cx="0" cy="0"/>
-        </a:xfrm>
-      </p:grpSpPr>
-      <p:sp>
-        <p:nvSpPr>
-          <p:cNvPr id="3" name="Content Placeholder 2"/>
-          <p:cNvSpPr>
-            <a:spLocks noGrp="1"/>
-          </p:cNvSpPr>
-          <p:nvPr>
-            <p:ph type="body" sz="quarter" idx="10"/>
-          </p:nvPr>
-        </p:nvSpPr>
-        <p:spPr>
-          <a:xfrm>
-            <a:off x="274638" y="1212850"/>
-            <a:ext cx="11887200" cy="5408612"/>
-          </a:xfrm>
-          <a:prstGeom prst="rect">
-            <a:avLst/>
-          </a:prstGeom>
-        </p:spPr>
-        <p:txBody>
-          <a:bodyPr>
-            <a:normAutofit fontScale="85000" lnSpcReduction="10000"/>
-          </a:bodyPr>
-          <a:lstStyle/>
-          <a:p>
-            <a:r>
-              <a:rPr lang="en-US" dirty="0"/>
-              <a:t>Client library and service packages are available on Nuget.org</a:t>
-            </a:r>
-          </a:p>
-          <a:p>
-            <a:pPr lvl="1"/>
-            <a:r>
-              <a:rPr lang="en-US" dirty="0"/>
-              <a:t>Search for ‘Elastic Scale’ to find the projects on Nuget.org</a:t>
-            </a:r>
-          </a:p>
-          <a:p>
-            <a:pPr lvl="1"/>
-            <a:r>
-              <a:rPr lang="en-US" dirty="0"/>
-              <a:t>Search for ‘Elastic Scale’ in the VS Package Manager to find the </a:t>
-            </a:r>
-            <a:r>
-              <a:rPr lang="en-US" dirty="0" smtClean="0"/>
-              <a:t>DLL</a:t>
-            </a:r>
-          </a:p>
-          <a:p>
-            <a:pPr lvl="1"/>
-            <a:r>
-              <a:rPr lang="en-US" dirty="0" smtClean="0"/>
-              <a:t>Client </a:t>
-            </a:r>
-            <a:r>
-              <a:rPr lang="en-US" dirty="0"/>
-              <a:t>library: </a:t>
-            </a:r>
-            <a:r>
-              <a:rPr lang="en-US" dirty="0">
-                <a:hlinkClick r:id="rId2"/>
-              </a:rPr>
-              <a:t>http://www.nuget.org/packages/Microsoft.Azure.SqlDatabase.ElasticScale.Client</a:t>
-            </a:r>
-            <a:r>
-              <a:rPr lang="en-US" dirty="0" smtClean="0">
-                <a:hlinkClick r:id="rId2"/>
-              </a:rPr>
-              <a:t>/</a:t>
-            </a:r>
-            <a:r>
-              <a:rPr lang="en-US" dirty="0" smtClean="0"/>
-              <a:t> </a:t>
-            </a:r>
-          </a:p>
-          <a:p>
-            <a:pPr lvl="1"/>
-            <a:r>
-              <a:rPr lang="en-US" dirty="0"/>
-              <a:t>Split/Merge: </a:t>
-            </a:r>
-            <a:r>
-              <a:rPr lang="en-US" dirty="0">
-                <a:hlinkClick r:id="rId3"/>
-              </a:rPr>
-              <a:t>http://www.nuget.org/packages/Microsoft.Azure.SqlDatabase.ElasticScale.Service.SplitMerge</a:t>
-            </a:r>
-            <a:r>
-              <a:rPr lang="en-US" dirty="0" smtClean="0">
-                <a:hlinkClick r:id="rId3"/>
-              </a:rPr>
-              <a:t>/</a:t>
-            </a:r>
-            <a:r>
-              <a:rPr lang="en-US" dirty="0" smtClean="0"/>
-              <a:t> </a:t>
-            </a:r>
-            <a:endParaRPr lang="en-US" dirty="0"/>
-          </a:p>
-          <a:p>
-            <a:r>
-              <a:rPr lang="en-US" dirty="0"/>
-              <a:t>Documentation on Azure.com in the SQL Database section</a:t>
-            </a:r>
-          </a:p>
-          <a:p>
-            <a:pPr lvl="1"/>
-            <a:r>
-              <a:rPr lang="en-US" dirty="0"/>
-              <a:t>Search for ‘</a:t>
-            </a:r>
-            <a:r>
-              <a:rPr lang="it-IT" dirty="0"/>
-              <a:t>elastic scale documentation map azure.com</a:t>
-            </a:r>
-            <a:r>
-              <a:rPr lang="it-IT" dirty="0" smtClean="0"/>
-              <a:t>’</a:t>
-            </a:r>
-          </a:p>
-          <a:p>
-            <a:pPr lvl="1"/>
-            <a:r>
-              <a:rPr lang="it-IT" dirty="0"/>
-              <a:t>Get stared: </a:t>
-            </a:r>
-            <a:r>
-              <a:rPr lang="it-IT" dirty="0">
-                <a:hlinkClick r:id="rId4"/>
-              </a:rPr>
-              <a:t>http://azure.microsoft.com/en-us/documentation/articles/sql-database-elastic-scale-get-started</a:t>
-            </a:r>
-            <a:r>
-              <a:rPr lang="it-IT" dirty="0" smtClean="0">
-                <a:hlinkClick r:id="rId4"/>
-              </a:rPr>
-              <a:t>/</a:t>
-            </a:r>
-            <a:r>
-              <a:rPr lang="it-IT" dirty="0" smtClean="0"/>
-              <a:t> </a:t>
-            </a:r>
-          </a:p>
-          <a:p>
-            <a:pPr lvl="1"/>
-            <a:r>
-              <a:rPr lang="it-IT" b="1" dirty="0"/>
-              <a:t>Documentation map</a:t>
-            </a:r>
-            <a:r>
-              <a:rPr lang="it-IT" dirty="0"/>
-              <a:t>: </a:t>
-            </a:r>
-            <a:r>
-              <a:rPr lang="it-IT" dirty="0">
-                <a:hlinkClick r:id="rId5"/>
-              </a:rPr>
-              <a:t>http://azure.microsoft.com/en-us/documentation/articles/sql-database-elastic-scale-documentation-map</a:t>
-            </a:r>
-            <a:r>
-              <a:rPr lang="it-IT" dirty="0" smtClean="0">
-                <a:hlinkClick r:id="rId5"/>
-              </a:rPr>
-              <a:t>/</a:t>
-            </a:r>
-            <a:r>
-              <a:rPr lang="it-IT" dirty="0" smtClean="0"/>
-              <a:t> </a:t>
-            </a:r>
-            <a:endParaRPr lang="en-US" dirty="0"/>
-          </a:p>
-          <a:p>
-            <a:r>
-              <a:rPr lang="en-US" dirty="0"/>
-              <a:t>Samples in the VS code samples gallery</a:t>
-            </a:r>
-          </a:p>
-          <a:p>
-            <a:pPr lvl="1"/>
-            <a:r>
-              <a:rPr lang="en-US" dirty="0"/>
-              <a:t>Search for ‘Elastic Scale’ on </a:t>
-            </a:r>
-            <a:r>
-              <a:rPr lang="en-US" dirty="0">
-                <a:hlinkClick r:id="rId6"/>
-              </a:rPr>
-              <a:t>https://code.msdn.microsoft.com/</a:t>
-            </a:r>
-            <a:r>
-              <a:rPr lang="en-US" dirty="0"/>
-              <a:t> </a:t>
-            </a:r>
-          </a:p>
-          <a:p>
-            <a:pPr lvl="1"/>
-            <a:r>
-              <a:rPr lang="en-US" dirty="0"/>
-              <a:t>Search for ‘Elastic Scale’ in the Online Samples section for new VS projects</a:t>
-            </a:r>
-          </a:p>
-          <a:p>
-            <a:endParaRPr lang="en-US" dirty="0"/>
-          </a:p>
-        </p:txBody>
-      </p:sp>
-      <p:sp>
-        <p:nvSpPr>
-          <p:cNvPr id="2" name="Title 1"/>
-          <p:cNvSpPr>
-            <a:spLocks noGrp="1"/>
-          </p:cNvSpPr>
-          <p:nvPr>
-            <p:ph type="title"/>
-          </p:nvPr>
-        </p:nvSpPr>
-        <p:spPr/>
-        <p:txBody>
-          <a:bodyPr/>
-          <a:lstStyle/>
-          <a:p>
-            <a:r>
-              <a:rPr lang="en-US" dirty="0" smtClean="0"/>
-              <a:t>References</a:t>
-            </a:r>
-            <a:endParaRPr lang="en-US" dirty="0"/>
-          </a:p>
-        </p:txBody>
-      </p:sp>
-    </p:spTree>
-    <p:extLst>
-      <p:ext uri="{BB962C8B-B14F-4D97-AF65-F5344CB8AC3E}">
-        <p14:creationId xmlns:p14="http://schemas.microsoft.com/office/powerpoint/2010/main" val="3746065107"/>
       </p:ext>
     </p:extLst>
   </p:cSld>
@@ -43938,112 +43606,7 @@
           <a:p>
             <a:r>
               <a:rPr lang="en-US" dirty="0" smtClean="0"/>
-              <a:t>In Review</a:t>
-            </a:r>
-            <a:endParaRPr lang="en-US" dirty="0"/>
-          </a:p>
-        </p:txBody>
-      </p:sp>
-      <p:sp>
-        <p:nvSpPr>
-          <p:cNvPr id="5" name="Text Placeholder 4"/>
-          <p:cNvSpPr>
-            <a:spLocks noGrp="1"/>
-          </p:cNvSpPr>
-          <p:nvPr>
-            <p:ph type="body" sz="quarter" idx="4294967295"/>
-          </p:nvPr>
-        </p:nvSpPr>
-        <p:spPr>
-          <a:xfrm>
-            <a:off x="274639" y="1212849"/>
-            <a:ext cx="11889564" cy="5232202"/>
-          </a:xfrm>
-          <a:prstGeom prst="rect">
-            <a:avLst/>
-          </a:prstGeom>
-        </p:spPr>
-        <p:txBody>
-          <a:bodyPr/>
-          <a:lstStyle/>
-          <a:p>
-            <a:r>
-              <a:rPr lang="en-US" dirty="0" smtClean="0"/>
-              <a:t>Session Objectives: </a:t>
-            </a:r>
-          </a:p>
-          <a:p>
-            <a:pPr marL="587375" lvl="2" indent="-342900"/>
-            <a:r>
-              <a:rPr lang="en-US" dirty="0" smtClean="0"/>
-              <a:t>Identify </a:t>
-            </a:r>
-            <a:r>
-              <a:rPr lang="en-US" dirty="0"/>
-              <a:t>workloads and customers that will benefit from Elastic </a:t>
-            </a:r>
-            <a:r>
-              <a:rPr lang="en-US" dirty="0" smtClean="0"/>
-              <a:t>Scale in Azure SQL DB.</a:t>
-            </a:r>
-          </a:p>
-          <a:p>
-            <a:pPr marL="587375" lvl="2" indent="-342900"/>
-            <a:r>
-              <a:rPr lang="en-US" dirty="0" smtClean="0"/>
-              <a:t>Help </a:t>
-            </a:r>
-            <a:r>
-              <a:rPr lang="en-US" dirty="0"/>
-              <a:t>Azure </a:t>
-            </a:r>
-            <a:r>
-              <a:rPr lang="en-US" dirty="0" smtClean="0"/>
-              <a:t>SQL DB </a:t>
-            </a:r>
-            <a:r>
-              <a:rPr lang="en-US" dirty="0"/>
-              <a:t>Federations customers migrate out off Federations</a:t>
-            </a:r>
-            <a:r>
-              <a:rPr lang="en-US" dirty="0" smtClean="0"/>
-              <a:t>.</a:t>
-            </a:r>
-          </a:p>
-          <a:p>
-            <a:pPr marL="587375" lvl="2" indent="-342900"/>
-            <a:r>
-              <a:rPr lang="en-US" dirty="0" smtClean="0"/>
-              <a:t>Guide </a:t>
-            </a:r>
-            <a:r>
-              <a:rPr lang="en-US" dirty="0"/>
-              <a:t>customers how to apply sharding to their data </a:t>
-            </a:r>
-            <a:r>
-              <a:rPr lang="en-US" dirty="0" smtClean="0"/>
-              <a:t>tiers.</a:t>
-            </a:r>
-          </a:p>
-          <a:p>
-            <a:r>
-              <a:rPr lang="en-US" dirty="0" smtClean="0"/>
-              <a:t>Takeaway</a:t>
-            </a:r>
-          </a:p>
-          <a:p>
-            <a:pPr lvl="1"/>
-            <a:r>
-              <a:rPr lang="en-US" dirty="0" smtClean="0"/>
-              <a:t>Supported </a:t>
-            </a:r>
-            <a:r>
-              <a:rPr lang="en-US" dirty="0"/>
-              <a:t>workloads can now freely scale in Azure SQL DB using Elastic </a:t>
-            </a:r>
-            <a:r>
-              <a:rPr lang="en-US" dirty="0" smtClean="0"/>
-              <a:t>Scale</a:t>
+              <a:t>Wrap up</a:t>
             </a:r>
             <a:endParaRPr lang="en-US" dirty="0"/>
           </a:p>
@@ -44052,25 +43615,16 @@
     </p:spTree>
     <p:extLst>
       <p:ext uri="{BB962C8B-B14F-4D97-AF65-F5344CB8AC3E}">
-        <p14:creationId xmlns:p14="http://schemas.microsoft.com/office/powerpoint/2010/main" val="226151161"/>
+        <p14:creationId xmlns:p14="http://schemas.microsoft.com/office/powerpoint/2010/main" val="2774584639"/>
       </p:ext>
     </p:extLst>
   </p:cSld>
   <p:clrMapOvr>
     <a:masterClrMapping/>
   </p:clrMapOvr>
-  <mc:AlternateContent xmlns:mc="http://schemas.openxmlformats.org/markup-compatibility/2006" xmlns:p14="http://schemas.microsoft.com/office/powerpoint/2010/main">
-    <mc:Choice Requires="p14">
-      <p:transition spd="med" p14:dur="700">
-        <p:fade/>
-      </p:transition>
-    </mc:Choice>
-    <mc:Fallback xmlns="">
-      <p:transition spd="med">
-        <p:fade/>
-      </p:transition>
-    </mc:Fallback>
-  </mc:AlternateContent>
+  <p:transition>
+    <p:fade/>
+  </p:transition>
   <p:timing>
     <p:tnLst>
       <p:par>
@@ -44100,7 +43654,7 @@
       </p:grpSpPr>
       <p:sp>
         <p:nvSpPr>
-          <p:cNvPr id="2" name="Text Placeholder 1"/>
+          <p:cNvPr id="3" name="Content Placeholder 2"/>
           <p:cNvSpPr>
             <a:spLocks noGrp="1"/>
           </p:cNvSpPr>
@@ -44111,104 +43665,193 @@
         <p:spPr>
           <a:xfrm>
             <a:off x="274638" y="1212850"/>
-            <a:ext cx="11887200" cy="5816977"/>
+            <a:ext cx="11887200" cy="5408612"/>
           </a:xfrm>
+          <a:prstGeom prst="rect">
+            <a:avLst/>
+          </a:prstGeom>
         </p:spPr>
         <p:txBody>
-          <a:bodyPr/>
+          <a:bodyPr>
+            <a:normAutofit fontScale="85000" lnSpcReduction="10000"/>
+          </a:bodyPr>
           <a:lstStyle/>
           <a:p>
             <a:r>
               <a:rPr lang="en-US" dirty="0"/>
-              <a:t>Rate </a:t>
-            </a:r>
-            <a:r>
-              <a:rPr lang="en-US" sz="3600" dirty="0"/>
-              <a:t>My Talk &amp; Download </a:t>
-            </a:r>
-            <a:r>
-              <a:rPr lang="en-US" sz="3600" dirty="0" smtClean="0"/>
-              <a:t>Slides!</a:t>
-            </a:r>
-            <a:endParaRPr lang="en-US" sz="3600" dirty="0"/>
-          </a:p>
-          <a:p>
-            <a:pPr marL="342900" lvl="1" indent="0">
-              <a:buNone/>
-            </a:pPr>
-            <a:endParaRPr lang="en-US" sz="2000" b="1" dirty="0" smtClean="0"/>
-          </a:p>
-          <a:p>
-            <a:pPr marL="342900" lvl="1" indent="0">
-              <a:buNone/>
-            </a:pPr>
-            <a:r>
-              <a:rPr lang="en-US" sz="6000" b="1" dirty="0" smtClean="0"/>
-              <a:t>	http</a:t>
-            </a:r>
-            <a:r>
-              <a:rPr lang="en-US" sz="6000" b="1" dirty="0"/>
-              <a:t>://</a:t>
-            </a:r>
-            <a:r>
-              <a:rPr lang="en-US" sz="6000" b="1" dirty="0" smtClean="0"/>
-              <a:t>bit.ly/RateShawnsTalk</a:t>
-            </a:r>
-          </a:p>
-          <a:p>
-            <a:pPr marL="342900" lvl="1" indent="0" algn="ctr">
-              <a:buNone/>
-            </a:pPr>
-            <a:r>
-              <a:rPr lang="en-US" sz="3200" dirty="0" smtClean="0"/>
-              <a:t>(case sensitive)</a:t>
-            </a:r>
-            <a:r>
-              <a:rPr lang="en-US" sz="6000" dirty="0" smtClean="0"/>
+              <a:t>Client library and service packages are available on Nuget.org</a:t>
+            </a:r>
+          </a:p>
+          <a:p>
+            <a:pPr lvl="1"/>
+            <a:r>
+              <a:rPr lang="en-US" dirty="0"/>
+              <a:t>Search for ‘Elastic Scale’ to find the projects on Nuget.org</a:t>
+            </a:r>
+          </a:p>
+          <a:p>
+            <a:pPr lvl="1"/>
+            <a:r>
+              <a:rPr lang="en-US" dirty="0"/>
+              <a:t>Search for ‘Elastic Scale’ in the VS Package Manager to find the </a:t>
+            </a:r>
+            <a:r>
+              <a:rPr lang="en-US" dirty="0" smtClean="0"/>
+              <a:t>DLL</a:t>
+            </a:r>
+          </a:p>
+          <a:p>
+            <a:pPr lvl="1"/>
+            <a:r>
+              <a:rPr lang="en-US" dirty="0" smtClean="0"/>
+              <a:t>Client </a:t>
+            </a:r>
+            <a:r>
+              <a:rPr lang="en-US" dirty="0"/>
+              <a:t>library: </a:t>
+            </a:r>
+            <a:r>
+              <a:rPr lang="en-US" dirty="0">
+                <a:hlinkClick r:id="rId2"/>
+              </a:rPr>
+              <a:t>http://www.nuget.org/packages/Microsoft.Azure.SqlDatabase.ElasticScale.Client</a:t>
+            </a:r>
+            <a:r>
+              <a:rPr lang="en-US" dirty="0" smtClean="0">
+                <a:hlinkClick r:id="rId2"/>
+              </a:rPr>
+              <a:t>/</a:t>
+            </a:r>
+            <a:r>
+              <a:rPr lang="en-US" dirty="0" smtClean="0"/>
               <a:t> </a:t>
             </a:r>
-            <a:endParaRPr lang="en-US" sz="6000" dirty="0"/>
-          </a:p>
-          <a:p>
+          </a:p>
+          <a:p>
+            <a:pPr lvl="1"/>
+            <a:r>
+              <a:rPr lang="en-US" dirty="0"/>
+              <a:t>Split/Merge: </a:t>
+            </a:r>
+            <a:r>
+              <a:rPr lang="en-US" dirty="0">
+                <a:hlinkClick r:id="rId3"/>
+              </a:rPr>
+              <a:t>http://www.nuget.org/packages/Microsoft.Azure.SqlDatabase.ElasticScale.Service.SplitMerge</a:t>
+            </a:r>
+            <a:r>
+              <a:rPr lang="en-US" dirty="0" smtClean="0">
+                <a:hlinkClick r:id="rId3"/>
+              </a:rPr>
+              <a:t>/</a:t>
+            </a:r>
             <a:r>
               <a:rPr lang="en-US" dirty="0" smtClean="0"/>
-              <a:t>Contact </a:t>
-            </a:r>
+              <a:t> </a:t>
+            </a:r>
+            <a:endParaRPr lang="en-US" dirty="0"/>
+          </a:p>
+          <a:p>
             <a:r>
               <a:rPr lang="en-US" dirty="0"/>
-              <a:t>Information</a:t>
+              <a:t>Documentation on Azure.com in the SQL Database section</a:t>
             </a:r>
           </a:p>
           <a:p>
             <a:pPr lvl="1"/>
             <a:r>
-              <a:rPr lang="en-US" dirty="0" smtClean="0"/>
-              <a:t>Email: shawn@shawnweisfeld.com</a:t>
+              <a:rPr lang="en-US" dirty="0"/>
+              <a:t>Search for ‘</a:t>
+            </a:r>
+            <a:r>
+              <a:rPr lang="it-IT" dirty="0"/>
+              <a:t>elastic scale documentation map azure.com</a:t>
+            </a:r>
+            <a:r>
+              <a:rPr lang="it-IT" dirty="0" smtClean="0"/>
+              <a:t>’</a:t>
+            </a:r>
+          </a:p>
+          <a:p>
+            <a:pPr lvl="1"/>
+            <a:r>
+              <a:rPr lang="it-IT" dirty="0"/>
+              <a:t>Get stared: </a:t>
+            </a:r>
+            <a:r>
+              <a:rPr lang="it-IT" dirty="0">
+                <a:hlinkClick r:id="rId4"/>
+              </a:rPr>
+              <a:t>http://azure.microsoft.com/en-us/documentation/articles/sql-database-elastic-scale-get-started</a:t>
+            </a:r>
+            <a:r>
+              <a:rPr lang="it-IT" dirty="0" smtClean="0">
+                <a:hlinkClick r:id="rId4"/>
+              </a:rPr>
+              <a:t>/</a:t>
+            </a:r>
+            <a:r>
+              <a:rPr lang="it-IT" dirty="0" smtClean="0"/>
+              <a:t> </a:t>
+            </a:r>
+          </a:p>
+          <a:p>
+            <a:pPr lvl="1"/>
+            <a:r>
+              <a:rPr lang="it-IT" b="1" dirty="0"/>
+              <a:t>Documentation map</a:t>
+            </a:r>
+            <a:r>
+              <a:rPr lang="it-IT" dirty="0"/>
+              <a:t>: </a:t>
+            </a:r>
+            <a:r>
+              <a:rPr lang="it-IT" dirty="0">
+                <a:hlinkClick r:id="rId5"/>
+              </a:rPr>
+              <a:t>http://azure.microsoft.com/en-us/documentation/articles/sql-database-elastic-scale-documentation-map</a:t>
+            </a:r>
+            <a:r>
+              <a:rPr lang="it-IT" dirty="0" smtClean="0">
+                <a:hlinkClick r:id="rId5"/>
+              </a:rPr>
+              <a:t>/</a:t>
+            </a:r>
+            <a:r>
+              <a:rPr lang="it-IT" dirty="0" smtClean="0"/>
+              <a:t> </a:t>
             </a:r>
             <a:endParaRPr lang="en-US" dirty="0"/>
           </a:p>
           <a:p>
+            <a:r>
+              <a:rPr lang="en-US" dirty="0"/>
+              <a:t>Samples in the VS code samples gallery</a:t>
+            </a:r>
+          </a:p>
+          <a:p>
             <a:pPr lvl="1"/>
             <a:r>
-              <a:rPr lang="en-US" dirty="0" smtClean="0"/>
-              <a:t>Blog: http</a:t>
-            </a:r>
-            <a:r>
               <a:rPr lang="en-US" dirty="0"/>
-              <a:t>://www.shawnweisfeld.com</a:t>
+              <a:t>Search for ‘Elastic Scale’ on </a:t>
+            </a:r>
+            <a:r>
+              <a:rPr lang="en-US" dirty="0">
+                <a:hlinkClick r:id="rId6"/>
+              </a:rPr>
+              <a:t>https://code.msdn.microsoft.com/</a:t>
+            </a:r>
+            <a:r>
+              <a:rPr lang="en-US" dirty="0"/>
+              <a:t> </a:t>
             </a:r>
           </a:p>
           <a:p>
             <a:pPr lvl="1"/>
             <a:r>
-              <a:rPr lang="en-US" dirty="0" smtClean="0"/>
-              <a:t>Twitter: @</a:t>
-            </a:r>
-            <a:r>
-              <a:rPr lang="en-US" dirty="0" err="1" smtClean="0"/>
-              <a:t>shawnweisfeld</a:t>
-            </a:r>
-            <a:endParaRPr lang="en-US" dirty="0"/>
+              <a:rPr lang="en-US" dirty="0"/>
+              <a:t>Search for ‘Elastic Scale’ in the Online Samples section for new VS projects</a:t>
+            </a:r>
           </a:p>
           <a:p>
             <a:endParaRPr lang="en-US" dirty="0"/>
@@ -44217,7 +43860,7 @@
       </p:sp>
       <p:sp>
         <p:nvSpPr>
-          <p:cNvPr id="3" name="Title 2"/>
+          <p:cNvPr id="2" name="Title 1"/>
           <p:cNvSpPr>
             <a:spLocks noGrp="1"/>
           </p:cNvSpPr>
@@ -44232,40 +43875,16 @@
           <a:p>
             <a:r>
               <a:rPr lang="en-US" dirty="0" smtClean="0"/>
-              <a:t>Thank you! Your Feedback is Important</a:t>
+              <a:t>References</a:t>
             </a:r>
             <a:endParaRPr lang="en-US" dirty="0"/>
           </a:p>
         </p:txBody>
       </p:sp>
-      <p:pic>
-        <p:nvPicPr>
-          <p:cNvPr id="6" name="Picture 5"/>
-          <p:cNvPicPr>
-            <a:picLocks noChangeAspect="1"/>
-          </p:cNvPicPr>
-          <p:nvPr/>
-        </p:nvPicPr>
-        <p:blipFill>
-          <a:blip r:embed="rId2"/>
-          <a:stretch>
-            <a:fillRect/>
-          </a:stretch>
-        </p:blipFill>
-        <p:spPr>
-          <a:xfrm>
-            <a:off x="8123237" y="3293034"/>
-            <a:ext cx="3438525" cy="3480827"/>
-          </a:xfrm>
-          <a:prstGeom prst="rect">
-            <a:avLst/>
-          </a:prstGeom>
-        </p:spPr>
-      </p:pic>
     </p:spTree>
     <p:extLst>
       <p:ext uri="{BB962C8B-B14F-4D97-AF65-F5344CB8AC3E}">
-        <p14:creationId xmlns:p14="http://schemas.microsoft.com/office/powerpoint/2010/main" val="3494120760"/>
+        <p14:creationId xmlns:p14="http://schemas.microsoft.com/office/powerpoint/2010/main" val="3746065107"/>
       </p:ext>
     </p:extLst>
   </p:cSld>
@@ -44349,6 +43968,387 @@
 </file>
 
 <file path=ppt/slides/slide50.xml><?xml version="1.0" encoding="utf-8"?>
+<p:sld xmlns:a="http://schemas.openxmlformats.org/drawingml/2006/main" xmlns:r="http://schemas.openxmlformats.org/officeDocument/2006/relationships" xmlns:p="http://schemas.openxmlformats.org/presentationml/2006/main">
+  <p:cSld>
+    <p:spTree>
+      <p:nvGrpSpPr>
+        <p:cNvPr id="1" name=""/>
+        <p:cNvGrpSpPr/>
+        <p:nvPr/>
+      </p:nvGrpSpPr>
+      <p:grpSpPr>
+        <a:xfrm>
+          <a:off x="0" y="0"/>
+          <a:ext cx="0" cy="0"/>
+          <a:chOff x="0" y="0"/>
+          <a:chExt cx="0" cy="0"/>
+        </a:xfrm>
+      </p:grpSpPr>
+      <p:sp>
+        <p:nvSpPr>
+          <p:cNvPr id="4" name="Title 3"/>
+          <p:cNvSpPr>
+            <a:spLocks noGrp="1"/>
+          </p:cNvSpPr>
+          <p:nvPr>
+            <p:ph type="title"/>
+          </p:nvPr>
+        </p:nvSpPr>
+        <p:spPr/>
+        <p:txBody>
+          <a:bodyPr/>
+          <a:lstStyle/>
+          <a:p>
+            <a:r>
+              <a:rPr lang="en-US" dirty="0" smtClean="0"/>
+              <a:t>In Review</a:t>
+            </a:r>
+            <a:endParaRPr lang="en-US" dirty="0"/>
+          </a:p>
+        </p:txBody>
+      </p:sp>
+      <p:sp>
+        <p:nvSpPr>
+          <p:cNvPr id="5" name="Text Placeholder 4"/>
+          <p:cNvSpPr>
+            <a:spLocks noGrp="1"/>
+          </p:cNvSpPr>
+          <p:nvPr>
+            <p:ph type="body" sz="quarter" idx="4294967295"/>
+          </p:nvPr>
+        </p:nvSpPr>
+        <p:spPr>
+          <a:xfrm>
+            <a:off x="274639" y="1212849"/>
+            <a:ext cx="11889564" cy="5232202"/>
+          </a:xfrm>
+          <a:prstGeom prst="rect">
+            <a:avLst/>
+          </a:prstGeom>
+        </p:spPr>
+        <p:txBody>
+          <a:bodyPr/>
+          <a:lstStyle/>
+          <a:p>
+            <a:r>
+              <a:rPr lang="en-US" dirty="0" smtClean="0"/>
+              <a:t>Session Objectives: </a:t>
+            </a:r>
+          </a:p>
+          <a:p>
+            <a:pPr marL="587375" lvl="2" indent="-342900"/>
+            <a:r>
+              <a:rPr lang="en-US" dirty="0" smtClean="0"/>
+              <a:t>Identify </a:t>
+            </a:r>
+            <a:r>
+              <a:rPr lang="en-US" dirty="0"/>
+              <a:t>workloads and customers that will benefit from Elastic </a:t>
+            </a:r>
+            <a:r>
+              <a:rPr lang="en-US" dirty="0" smtClean="0"/>
+              <a:t>Scale in Azure SQL DB.</a:t>
+            </a:r>
+          </a:p>
+          <a:p>
+            <a:pPr marL="587375" lvl="2" indent="-342900"/>
+            <a:r>
+              <a:rPr lang="en-US" dirty="0" smtClean="0"/>
+              <a:t>Help </a:t>
+            </a:r>
+            <a:r>
+              <a:rPr lang="en-US" dirty="0"/>
+              <a:t>Azure </a:t>
+            </a:r>
+            <a:r>
+              <a:rPr lang="en-US" dirty="0" smtClean="0"/>
+              <a:t>SQL DB </a:t>
+            </a:r>
+            <a:r>
+              <a:rPr lang="en-US" dirty="0"/>
+              <a:t>Federations customers migrate out off Federations</a:t>
+            </a:r>
+            <a:r>
+              <a:rPr lang="en-US" dirty="0" smtClean="0"/>
+              <a:t>.</a:t>
+            </a:r>
+          </a:p>
+          <a:p>
+            <a:pPr marL="587375" lvl="2" indent="-342900"/>
+            <a:r>
+              <a:rPr lang="en-US" dirty="0" smtClean="0"/>
+              <a:t>Guide </a:t>
+            </a:r>
+            <a:r>
+              <a:rPr lang="en-US" dirty="0"/>
+              <a:t>customers how to apply sharding to their data </a:t>
+            </a:r>
+            <a:r>
+              <a:rPr lang="en-US" dirty="0" smtClean="0"/>
+              <a:t>tiers.</a:t>
+            </a:r>
+          </a:p>
+          <a:p>
+            <a:r>
+              <a:rPr lang="en-US" dirty="0" smtClean="0"/>
+              <a:t>Takeaway</a:t>
+            </a:r>
+          </a:p>
+          <a:p>
+            <a:pPr lvl="1"/>
+            <a:r>
+              <a:rPr lang="en-US" dirty="0" smtClean="0"/>
+              <a:t>Supported </a:t>
+            </a:r>
+            <a:r>
+              <a:rPr lang="en-US" dirty="0"/>
+              <a:t>workloads can now freely scale in Azure SQL DB using Elastic </a:t>
+            </a:r>
+            <a:r>
+              <a:rPr lang="en-US" dirty="0" smtClean="0"/>
+              <a:t>Scale</a:t>
+            </a:r>
+            <a:endParaRPr lang="en-US" dirty="0"/>
+          </a:p>
+        </p:txBody>
+      </p:sp>
+    </p:spTree>
+    <p:extLst>
+      <p:ext uri="{BB962C8B-B14F-4D97-AF65-F5344CB8AC3E}">
+        <p14:creationId xmlns:p14="http://schemas.microsoft.com/office/powerpoint/2010/main" val="226151161"/>
+      </p:ext>
+    </p:extLst>
+  </p:cSld>
+  <p:clrMapOvr>
+    <a:masterClrMapping/>
+  </p:clrMapOvr>
+  <mc:AlternateContent xmlns:mc="http://schemas.openxmlformats.org/markup-compatibility/2006" xmlns:p14="http://schemas.microsoft.com/office/powerpoint/2010/main">
+    <mc:Choice Requires="p14">
+      <p:transition spd="med" p14:dur="700">
+        <p:fade/>
+      </p:transition>
+    </mc:Choice>
+    <mc:Fallback xmlns="">
+      <p:transition spd="med">
+        <p:fade/>
+      </p:transition>
+    </mc:Fallback>
+  </mc:AlternateContent>
+  <p:timing>
+    <p:tnLst>
+      <p:par>
+        <p:cTn id="1" dur="indefinite" restart="never" nodeType="tmRoot"/>
+      </p:par>
+    </p:tnLst>
+  </p:timing>
+</p:sld>
+</file>
+
+<file path=ppt/slides/slide51.xml><?xml version="1.0" encoding="utf-8"?>
+<p:sld xmlns:a="http://schemas.openxmlformats.org/drawingml/2006/main" xmlns:r="http://schemas.openxmlformats.org/officeDocument/2006/relationships" xmlns:p="http://schemas.openxmlformats.org/presentationml/2006/main">
+  <p:cSld>
+    <p:spTree>
+      <p:nvGrpSpPr>
+        <p:cNvPr id="1" name=""/>
+        <p:cNvGrpSpPr/>
+        <p:nvPr/>
+      </p:nvGrpSpPr>
+      <p:grpSpPr>
+        <a:xfrm>
+          <a:off x="0" y="0"/>
+          <a:ext cx="0" cy="0"/>
+          <a:chOff x="0" y="0"/>
+          <a:chExt cx="0" cy="0"/>
+        </a:xfrm>
+      </p:grpSpPr>
+      <p:sp>
+        <p:nvSpPr>
+          <p:cNvPr id="2" name="Text Placeholder 1"/>
+          <p:cNvSpPr>
+            <a:spLocks noGrp="1"/>
+          </p:cNvSpPr>
+          <p:nvPr>
+            <p:ph type="body" sz="quarter" idx="10"/>
+          </p:nvPr>
+        </p:nvSpPr>
+        <p:spPr>
+          <a:xfrm>
+            <a:off x="274638" y="1212850"/>
+            <a:ext cx="11887200" cy="5816977"/>
+          </a:xfrm>
+        </p:spPr>
+        <p:txBody>
+          <a:bodyPr/>
+          <a:lstStyle/>
+          <a:p>
+            <a:r>
+              <a:rPr lang="en-US" dirty="0"/>
+              <a:t>Rate </a:t>
+            </a:r>
+            <a:r>
+              <a:rPr lang="en-US" sz="3600" dirty="0"/>
+              <a:t>My Talk &amp; Download </a:t>
+            </a:r>
+            <a:r>
+              <a:rPr lang="en-US" sz="3600" dirty="0" smtClean="0"/>
+              <a:t>Slides!</a:t>
+            </a:r>
+            <a:endParaRPr lang="en-US" sz="3600" dirty="0"/>
+          </a:p>
+          <a:p>
+            <a:pPr marL="342900" lvl="1" indent="0">
+              <a:buNone/>
+            </a:pPr>
+            <a:endParaRPr lang="en-US" sz="2000" b="1" dirty="0" smtClean="0"/>
+          </a:p>
+          <a:p>
+            <a:pPr marL="342900" lvl="1" indent="0">
+              <a:buNone/>
+            </a:pPr>
+            <a:r>
+              <a:rPr lang="en-US" sz="6000" b="1" dirty="0" smtClean="0"/>
+              <a:t>	http</a:t>
+            </a:r>
+            <a:r>
+              <a:rPr lang="en-US" sz="6000" b="1" dirty="0"/>
+              <a:t>://</a:t>
+            </a:r>
+            <a:r>
+              <a:rPr lang="en-US" sz="6000" b="1" dirty="0" smtClean="0"/>
+              <a:t>bit.ly/RateShawnsTalk</a:t>
+            </a:r>
+          </a:p>
+          <a:p>
+            <a:pPr marL="342900" lvl="1" indent="0" algn="ctr">
+              <a:buNone/>
+            </a:pPr>
+            <a:r>
+              <a:rPr lang="en-US" sz="3200" dirty="0" smtClean="0"/>
+              <a:t>(case sensitive)</a:t>
+            </a:r>
+            <a:r>
+              <a:rPr lang="en-US" sz="6000" dirty="0" smtClean="0"/>
+              <a:t> </a:t>
+            </a:r>
+            <a:endParaRPr lang="en-US" sz="6000" dirty="0"/>
+          </a:p>
+          <a:p>
+            <a:r>
+              <a:rPr lang="en-US" dirty="0" smtClean="0"/>
+              <a:t>Contact </a:t>
+            </a:r>
+            <a:r>
+              <a:rPr lang="en-US" dirty="0"/>
+              <a:t>Information</a:t>
+            </a:r>
+          </a:p>
+          <a:p>
+            <a:pPr lvl="1"/>
+            <a:r>
+              <a:rPr lang="en-US" dirty="0" smtClean="0"/>
+              <a:t>Email: shawn@shawnweisfeld.com</a:t>
+            </a:r>
+            <a:endParaRPr lang="en-US" dirty="0"/>
+          </a:p>
+          <a:p>
+            <a:pPr lvl="1"/>
+            <a:r>
+              <a:rPr lang="en-US" dirty="0" smtClean="0"/>
+              <a:t>Blog: http</a:t>
+            </a:r>
+            <a:r>
+              <a:rPr lang="en-US" dirty="0"/>
+              <a:t>://www.shawnweisfeld.com</a:t>
+            </a:r>
+          </a:p>
+          <a:p>
+            <a:pPr lvl="1"/>
+            <a:r>
+              <a:rPr lang="en-US" dirty="0" smtClean="0"/>
+              <a:t>Twitter: @</a:t>
+            </a:r>
+            <a:r>
+              <a:rPr lang="en-US" dirty="0" err="1" smtClean="0"/>
+              <a:t>shawnweisfeld</a:t>
+            </a:r>
+            <a:endParaRPr lang="en-US" dirty="0"/>
+          </a:p>
+          <a:p>
+            <a:endParaRPr lang="en-US" dirty="0"/>
+          </a:p>
+        </p:txBody>
+      </p:sp>
+      <p:sp>
+        <p:nvSpPr>
+          <p:cNvPr id="3" name="Title 2"/>
+          <p:cNvSpPr>
+            <a:spLocks noGrp="1"/>
+          </p:cNvSpPr>
+          <p:nvPr>
+            <p:ph type="title"/>
+          </p:nvPr>
+        </p:nvSpPr>
+        <p:spPr/>
+        <p:txBody>
+          <a:bodyPr/>
+          <a:lstStyle/>
+          <a:p>
+            <a:r>
+              <a:rPr lang="en-US" dirty="0" smtClean="0"/>
+              <a:t>Thank you! Your Feedback is Important</a:t>
+            </a:r>
+            <a:endParaRPr lang="en-US" dirty="0"/>
+          </a:p>
+        </p:txBody>
+      </p:sp>
+      <p:pic>
+        <p:nvPicPr>
+          <p:cNvPr id="6" name="Picture 5"/>
+          <p:cNvPicPr>
+            <a:picLocks noChangeAspect="1"/>
+          </p:cNvPicPr>
+          <p:nvPr/>
+        </p:nvPicPr>
+        <p:blipFill>
+          <a:blip r:embed="rId2"/>
+          <a:stretch>
+            <a:fillRect/>
+          </a:stretch>
+        </p:blipFill>
+        <p:spPr>
+          <a:xfrm>
+            <a:off x="8123237" y="3293034"/>
+            <a:ext cx="3438525" cy="3480827"/>
+          </a:xfrm>
+          <a:prstGeom prst="rect">
+            <a:avLst/>
+          </a:prstGeom>
+        </p:spPr>
+      </p:pic>
+    </p:spTree>
+    <p:extLst>
+      <p:ext uri="{BB962C8B-B14F-4D97-AF65-F5344CB8AC3E}">
+        <p14:creationId xmlns:p14="http://schemas.microsoft.com/office/powerpoint/2010/main" val="3494120760"/>
+      </p:ext>
+    </p:extLst>
+  </p:cSld>
+  <p:clrMapOvr>
+    <a:masterClrMapping/>
+  </p:clrMapOvr>
+  <p:transition>
+    <p:fade/>
+  </p:transition>
+  <p:timing>
+    <p:tnLst>
+      <p:par>
+        <p:cTn id="1" dur="indefinite" restart="never" nodeType="tmRoot"/>
+      </p:par>
+    </p:tnLst>
+  </p:timing>
+</p:sld>
+</file>
+
+<file path=ppt/slides/slide52.xml><?xml version="1.0" encoding="utf-8"?>
 <p:sld xmlns:a="http://schemas.openxmlformats.org/drawingml/2006/main" xmlns:r="http://schemas.openxmlformats.org/officeDocument/2006/relationships" xmlns:p="http://schemas.openxmlformats.org/presentationml/2006/main">
   <p:cSld>
     <p:spTree>
@@ -44650,7 +44650,7 @@
           <a:graphicData uri="http://schemas.openxmlformats.org/presentationml/2006/ole">
             <mc:AlternateContent xmlns:mc="http://schemas.openxmlformats.org/markup-compatibility/2006">
               <mc:Choice xmlns:v="urn:schemas-microsoft-com:vml" Requires="v">
-                <p:oleObj spid="_x0000_s1030" name="Visio" r:id="rId4" imgW="6267378" imgH="5705447" progId="Visio.Drawing.15">
+                <p:oleObj spid="_x0000_s1033" name="Visio" r:id="rId4" imgW="6267378" imgH="5705447" progId="Visio.Drawing.15">
                   <p:embed/>
                 </p:oleObj>
               </mc:Choice>
@@ -44814,7 +44814,7 @@
           <p:nvPr>
             <p:extLst>
               <p:ext uri="{D42A27DB-BD31-4B8C-83A1-F6EECF244321}">
-                <p14:modId xmlns:p14="http://schemas.microsoft.com/office/powerpoint/2010/main" val="3563568194"/>
+                <p14:modId xmlns:p14="http://schemas.microsoft.com/office/powerpoint/2010/main" val="972790047"/>
               </p:ext>
             </p:extLst>
           </p:nvPr>
@@ -44835,8 +44835,8 @@
                 <a:gridCol w="1295400"/>
                 <a:gridCol w="1295400"/>
                 <a:gridCol w="1295400"/>
-                <a:gridCol w="1295400"/>
-                <a:gridCol w="1295400"/>
+                <a:gridCol w="1066801"/>
+                <a:gridCol w="1523999"/>
                 <a:gridCol w="1295400"/>
                 <a:gridCol w="1295400"/>
               </a:tblGrid>
@@ -45058,7 +45058,7 @@
                         <a:t>t/p </a:t>
                       </a:r>
                       <a:r>
-                        <a:rPr lang="en-US" sz="1400" dirty="0"/>
+                        <a:rPr lang="en-US" sz="1400" b="1" dirty="0"/>
                         <a:t>hour</a:t>
                       </a:r>
                     </a:p>
@@ -45186,7 +45186,7 @@
                         <a:t>t/p </a:t>
                       </a:r>
                       <a:r>
-                        <a:rPr lang="en-US" sz="1400" dirty="0"/>
+                        <a:rPr lang="en-US" sz="1400" b="1" dirty="0"/>
                         <a:t>minute</a:t>
                       </a:r>
                     </a:p>
@@ -45314,7 +45314,7 @@
                         <a:t>t/p </a:t>
                       </a:r>
                       <a:r>
-                        <a:rPr lang="en-US" sz="1400" dirty="0"/>
+                        <a:rPr lang="en-US" sz="1400" b="1" dirty="0"/>
                         <a:t>minute</a:t>
                       </a:r>
                     </a:p>
@@ -45442,7 +45442,7 @@
                         <a:t>t/p </a:t>
                       </a:r>
                       <a:r>
-                        <a:rPr lang="en-US" sz="1400" dirty="0"/>
+                        <a:rPr lang="en-US" sz="1400" b="1" dirty="0"/>
                         <a:t>minute</a:t>
                       </a:r>
                     </a:p>
@@ -45570,7 +45570,7 @@
                         <a:t>t/p </a:t>
                       </a:r>
                       <a:r>
-                        <a:rPr lang="en-US" sz="1400" dirty="0"/>
+                        <a:rPr lang="en-US" sz="1400" b="1" dirty="0"/>
                         <a:t>minute</a:t>
                       </a:r>
                     </a:p>
@@ -45698,7 +45698,7 @@
                         <a:t>t/p </a:t>
                       </a:r>
                       <a:r>
-                        <a:rPr lang="en-US" sz="1400" dirty="0"/>
+                        <a:rPr lang="en-US" sz="1400" b="1" dirty="0"/>
                         <a:t>second </a:t>
                       </a:r>
                     </a:p>
@@ -45823,9 +45823,13 @@
                       </a:r>
                       <a:r>
                         <a:rPr lang="en-US" sz="1400" dirty="0" smtClean="0"/>
-                        <a:t>t/p second</a:t>
+                        <a:t>t/p </a:t>
                       </a:r>
-                      <a:endParaRPr lang="en-US" sz="1400" dirty="0"/>
+                      <a:r>
+                        <a:rPr lang="en-US" sz="1400" b="1" dirty="0" smtClean="0"/>
+                        <a:t>second</a:t>
+                      </a:r>
+                      <a:endParaRPr lang="en-US" sz="1400" b="1" dirty="0"/>
                     </a:p>
                   </a:txBody>
                   <a:tcPr marL="22498" marR="22498" marT="11249" marB="11249" anchor="ctr"/>
@@ -45962,7 +45966,7 @@
                         <a:t>t/p </a:t>
                       </a:r>
                       <a:r>
-                        <a:rPr lang="en-US" sz="1400" dirty="0"/>
+                        <a:rPr lang="en-US" sz="1400" b="1" dirty="0"/>
                         <a:t>second</a:t>
                       </a:r>
                     </a:p>
@@ -50032,18 +50036,18 @@
 </file>
 
 <file path=customXml/item1.xml><?xml version="1.0" encoding="utf-8"?>
+<p:properties xmlns:p="http://schemas.microsoft.com/office/2006/metadata/properties" xmlns:xsi="http://www.w3.org/2001/XMLSchema-instance" xmlns:pc="http://schemas.microsoft.com/office/infopath/2007/PartnerControls">
+  <documentManagement/>
+</p:properties>
+</file>
+
+<file path=customXml/item2.xml><?xml version="1.0" encoding="utf-8"?>
 <?mso-contentType ?>
 <FormTemplates xmlns="http://schemas.microsoft.com/sharepoint/v3/contenttype/forms">
   <Display>DocumentLibraryForm</Display>
   <Edit>DocumentLibraryForm</Edit>
   <New>DocumentLibraryForm</New>
 </FormTemplates>
-</file>
-
-<file path=customXml/item2.xml><?xml version="1.0" encoding="utf-8"?>
-<p:properties xmlns:p="http://schemas.microsoft.com/office/2006/metadata/properties" xmlns:xsi="http://www.w3.org/2001/XMLSchema-instance" xmlns:pc="http://schemas.microsoft.com/office/infopath/2007/PartnerControls">
-  <documentManagement/>
-</p:properties>
 </file>
 
 <file path=customXml/item3.xml><?xml version="1.0" encoding="utf-8"?>
@@ -50187,14 +50191,6 @@
 </file>
 
 <file path=customXml/itemProps1.xml><?xml version="1.0" encoding="utf-8"?>
-<ds:datastoreItem xmlns:ds="http://schemas.openxmlformats.org/officeDocument/2006/customXml" ds:itemID="{758FDAC0-319D-4A54-8D8E-1D42CB1F8004}">
-  <ds:schemaRefs>
-    <ds:schemaRef ds:uri="http://schemas.microsoft.com/sharepoint/v3/contenttype/forms"/>
-  </ds:schemaRefs>
-</ds:datastoreItem>
-</file>
-
-<file path=customXml/itemProps2.xml><?xml version="1.0" encoding="utf-8"?>
 <ds:datastoreItem xmlns:ds="http://schemas.openxmlformats.org/officeDocument/2006/customXml" ds:itemID="{F990F116-B58F-4255-B05B-DA3808E0E5C6}">
   <ds:schemaRefs>
     <ds:schemaRef ds:uri="http://schemas.microsoft.com/office/2006/documentManagement/types"/>
@@ -50206,6 +50202,14 @@
     <ds:schemaRef ds:uri="http://schemas.openxmlformats.org/package/2006/metadata/core-properties"/>
     <ds:schemaRef ds:uri="http://www.w3.org/XML/1998/namespace"/>
     <ds:schemaRef ds:uri="http://purl.org/dc/dcmitype/"/>
+  </ds:schemaRefs>
+</ds:datastoreItem>
+</file>
+
+<file path=customXml/itemProps2.xml><?xml version="1.0" encoding="utf-8"?>
+<ds:datastoreItem xmlns:ds="http://schemas.openxmlformats.org/officeDocument/2006/customXml" ds:itemID="{758FDAC0-319D-4A54-8D8E-1D42CB1F8004}">
+  <ds:schemaRefs>
+    <ds:schemaRef ds:uri="http://schemas.microsoft.com/sharepoint/v3/contenttype/forms"/>
   </ds:schemaRefs>
 </ds:datastoreItem>
 </file>
